--- a/2019系统仿真-8-一阶系统原理+.pptx
+++ b/2019系统仿真-8-一阶系统原理+.pptx
@@ -254,7 +254,7 @@
                 <a:latin typeface="微软雅黑" panose="020B0503020204020204" pitchFamily="34" charset="-122"/>
                 <a:ea typeface="微软雅黑" panose="020B0503020204020204" pitchFamily="34" charset="-122"/>
               </a:rPr>
-              <a:t>2019年3月28日 Thursday</a:t>
+              <a:t>2019年3月31日 Sunday</a:t>
             </a:fld>
             <a:endParaRPr lang="zh-CN" altLang="en-US" dirty="0">
               <a:latin typeface="微软雅黑" panose="020B0503020204020204" pitchFamily="34" charset="-122"/>
@@ -446,7 +446,7 @@
             <a:fld id="{07D6BDDC-F39A-4E16-93D6-E40B88AA6D58}" type="datetime2">
               <a:rPr lang="zh-CN" altLang="en-US" smtClean="0"/>
               <a:pPr/>
-              <a:t>2019年3月28日 Thursday</a:t>
+              <a:t>2019年3月31日 Sunday</a:t>
             </a:fld>
             <a:endParaRPr lang="zh-CN" altLang="en-US" dirty="0"/>
           </a:p>
@@ -1764,7 +1764,7 @@
             <a:fld id="{4947C3F0-2957-4D41-9FB7-182757A04D67}" type="datetime2">
               <a:rPr lang="zh-CN" altLang="en-US" smtClean="0"/>
               <a:pPr/>
-              <a:t>2019年3月28日 Thursday</a:t>
+              <a:t>2019年3月31日 Sunday</a:t>
             </a:fld>
             <a:endParaRPr lang="zh-CN" altLang="en-US" dirty="0"/>
           </a:p>
@@ -1997,7 +1997,7 @@
             <a:fld id="{8DF8E148-EC1F-43A2-8C9E-1F57F6D08A76}" type="datetime2">
               <a:rPr lang="zh-CN" altLang="en-US" smtClean="0"/>
               <a:pPr/>
-              <a:t>2019年3月28日 Thursday</a:t>
+              <a:t>2019年3月31日 Sunday</a:t>
             </a:fld>
             <a:endParaRPr lang="zh-CN" altLang="en-US" dirty="0"/>
           </a:p>
@@ -2880,7 +2880,7 @@
             <a:fld id="{FB7B4C11-1E14-4887-9E78-A9346EC068F1}" type="datetime2">
               <a:rPr lang="zh-CN" altLang="en-US" smtClean="0"/>
               <a:pPr/>
-              <a:t>2019年3月28日 Thursday</a:t>
+              <a:t>2019年3月31日 Sunday</a:t>
             </a:fld>
             <a:endParaRPr lang="zh-CN" altLang="en-US" dirty="0"/>
           </a:p>
@@ -3139,7 +3139,7 @@
             <a:fld id="{86FD5D46-E987-42B2-B42C-B8920598FADE}" type="datetime2">
               <a:rPr lang="zh-CN" altLang="en-US" smtClean="0"/>
               <a:pPr/>
-              <a:t>2019年3月28日 Thursday</a:t>
+              <a:t>2019年3月31日 Sunday</a:t>
             </a:fld>
             <a:endParaRPr lang="zh-CN" altLang="en-US" dirty="0"/>
           </a:p>
@@ -4466,7 +4466,7 @@
             <a:fld id="{8365F240-A7EF-41C8-A85B-C448CF84B5E5}" type="datetime2">
               <a:rPr lang="zh-CN" altLang="en-US" smtClean="0"/>
               <a:pPr/>
-              <a:t>2019年3月28日 Thursday</a:t>
+              <a:t>2019年3月31日 Sunday</a:t>
             </a:fld>
             <a:endParaRPr lang="zh-CN" altLang="en-US" dirty="0"/>
           </a:p>
@@ -4801,7 +4801,7 @@
             <a:fld id="{F770B30E-8728-44DB-AEE3-E4A75AEDBBD9}" type="datetime2">
               <a:rPr lang="zh-CN" altLang="en-US" smtClean="0"/>
               <a:pPr/>
-              <a:t>2019年3月28日 Thursday</a:t>
+              <a:t>2019年3月31日 Sunday</a:t>
             </a:fld>
             <a:endParaRPr lang="zh-CN" altLang="en-US" dirty="0"/>
           </a:p>
@@ -5302,7 +5302,7 @@
             <a:fld id="{680BCF82-A51A-4389-A573-378AD02C5141}" type="datetime2">
               <a:rPr lang="zh-CN" altLang="en-US" smtClean="0"/>
               <a:pPr/>
-              <a:t>2019年3月28日 Thursday</a:t>
+              <a:t>2019年3月31日 Sunday</a:t>
             </a:fld>
             <a:endParaRPr lang="zh-CN" altLang="en-US" dirty="0"/>
           </a:p>
@@ -5457,7 +5457,7 @@
             <a:fld id="{CE03A716-E3DC-4D9D-823C-60FCD8C9B163}" type="datetime2">
               <a:rPr lang="zh-CN" altLang="en-US" smtClean="0"/>
               <a:pPr/>
-              <a:t>2019年3月28日 Thursday</a:t>
+              <a:t>2019年3月31日 Sunday</a:t>
             </a:fld>
             <a:endParaRPr lang="zh-CN" altLang="en-US" dirty="0"/>
           </a:p>
@@ -5817,7 +5817,7 @@
             <a:fld id="{C16B8A94-44E5-4844-A22C-F796FCAA90D9}" type="datetime2">
               <a:rPr lang="zh-CN" altLang="en-US" smtClean="0"/>
               <a:pPr/>
-              <a:t>2019年3月28日 Thursday</a:t>
+              <a:t>2019年3月31日 Sunday</a:t>
             </a:fld>
             <a:endParaRPr lang="zh-CN" altLang="en-US" dirty="0"/>
           </a:p>
@@ -6359,7 +6359,7 @@
             <a:fld id="{F288B2AC-AC0A-4E49-82A3-94EE74FA7FBF}" type="datetime2">
               <a:rPr lang="zh-CN" altLang="en-US" smtClean="0"/>
               <a:pPr/>
-              <a:t>2019年3月28日 Thursday</a:t>
+              <a:t>2019年3月31日 Sunday</a:t>
             </a:fld>
             <a:endParaRPr lang="zh-CN" altLang="en-US" dirty="0"/>
           </a:p>
@@ -6845,7 +6845,7 @@
             <a:fld id="{1878E339-1BD2-4FEE-A113-9A0301740CF6}" type="datetime2">
               <a:rPr lang="zh-CN" altLang="en-US" smtClean="0"/>
               <a:pPr/>
-              <a:t>2019年3月28日 Thursday</a:t>
+              <a:t>2019年3月31日 Sunday</a:t>
             </a:fld>
             <a:endParaRPr lang="zh-CN" altLang="en-US" dirty="0"/>
           </a:p>
@@ -7769,7 +7769,7 @@
             <a:fld id="{A339CB27-C670-4AAB-948C-7E3D1D9FAE30}" type="datetime2">
               <a:rPr lang="zh-CN" altLang="en-US" smtClean="0"/>
               <a:pPr/>
-              <a:t>2019年3月28日 Thursday</a:t>
+              <a:t>2019年3月31日 Sunday</a:t>
             </a:fld>
             <a:endParaRPr lang="zh-CN" altLang="en-US" dirty="0"/>
           </a:p>
@@ -8263,6 +8263,36 @@
           </a:p>
         </p:txBody>
       </p:sp>
+      <p:pic>
+        <p:nvPicPr>
+          <p:cNvPr id="5" name="图片 4">
+            <a:extLst>
+              <a:ext uri="{FF2B5EF4-FFF2-40B4-BE49-F238E27FC236}">
+                <a16:creationId xmlns:a16="http://schemas.microsoft.com/office/drawing/2014/main" id="{F1FB1B3D-E251-E144-9697-3E33ED5B189E}"/>
+              </a:ext>
+            </a:extLst>
+          </p:cNvPr>
+          <p:cNvPicPr>
+            <a:picLocks noChangeAspect="1"/>
+          </p:cNvPicPr>
+          <p:nvPr/>
+        </p:nvPicPr>
+        <p:blipFill>
+          <a:blip r:link="rId3"/>
+          <a:stretch>
+            <a:fillRect/>
+          </a:stretch>
+        </p:blipFill>
+        <p:spPr>
+          <a:xfrm>
+            <a:off x="1270000" y="1270000"/>
+            <a:ext cx="63500" cy="76200"/>
+          </a:xfrm>
+          <a:prstGeom prst="rect">
+            <a:avLst/>
+          </a:prstGeom>
+        </p:spPr>
+      </p:pic>
     </p:spTree>
     <p:extLst>
       <p:ext uri="{BB962C8B-B14F-4D97-AF65-F5344CB8AC3E}">
@@ -8598,51 +8628,47 @@
           <a:lstStyle/>
           <a:p>
             <a:r>
-              <a:rPr lang="zh-CN" altLang="en-US"/>
+              <a:rPr lang="zh-CN" altLang="en-US" dirty="0"/>
               <a:t>基本特征：</a:t>
             </a:r>
-            <a:endParaRPr lang="en-US" altLang="zh-CN"/>
+            <a:endParaRPr lang="en-US" altLang="zh-CN" dirty="0"/>
           </a:p>
           <a:p>
             <a:pPr lvl="1"/>
             <a:r>
-              <a:rPr lang="zh-CN" altLang="en-US"/>
+              <a:rPr lang="zh-CN" altLang="en-US" dirty="0"/>
               <a:t>指数增长</a:t>
             </a:r>
-            <a:endParaRPr lang="en-US" altLang="zh-CN"/>
+            <a:endParaRPr lang="en-US" altLang="zh-CN" dirty="0"/>
           </a:p>
           <a:p>
             <a:pPr lvl="1"/>
             <a:r>
-              <a:rPr lang="zh-CN" altLang="en-US"/>
+              <a:rPr lang="zh-CN" altLang="en-US" dirty="0"/>
               <a:t>倍增时间固定</a:t>
             </a:r>
-            <a:endParaRPr lang="en-US" altLang="zh-CN"/>
+            <a:endParaRPr lang="en-US" altLang="zh-CN" dirty="0"/>
           </a:p>
           <a:p>
             <a:pPr lvl="1"/>
             <a:r>
-              <a:rPr lang="zh-CN" altLang="en-US"/>
+              <a:rPr lang="zh-CN" altLang="en-US" dirty="0"/>
               <a:t>初期接近线性，末期急速增长</a:t>
             </a:r>
-            <a:endParaRPr lang="en-US" altLang="zh-CN"/>
-          </a:p>
-          <a:p>
-            <a:r>
-              <a:rPr lang="zh-CN" altLang="en-US"/>
+            <a:endParaRPr lang="en-US" altLang="zh-CN" dirty="0"/>
+          </a:p>
+          <a:p>
+            <a:r>
+              <a:rPr lang="zh-CN" altLang="en-US" dirty="0"/>
               <a:t>常见问题</a:t>
             </a:r>
-            <a:endParaRPr lang="en-US" altLang="zh-CN"/>
+            <a:endParaRPr lang="en-US" altLang="zh-CN" dirty="0"/>
           </a:p>
           <a:p>
             <a:pPr lvl="1"/>
             <a:r>
-              <a:rPr lang="zh-CN" altLang="en-US"/>
-              <a:t>发展</a:t>
-            </a:r>
-            <a:r>
               <a:rPr lang="zh-CN" altLang="en-US" dirty="0"/>
-              <a:t>问题</a:t>
+              <a:t>发展问题</a:t>
             </a:r>
             <a:endParaRPr lang="en-US" altLang="zh-CN" dirty="0"/>
           </a:p>
@@ -8657,8 +8683,16 @@
           <a:p>
             <a:pPr lvl="1"/>
             <a:r>
-              <a:rPr lang="zh-CN" altLang="en-US"/>
-              <a:t>良心循环问题</a:t>
+              <a:rPr lang="zh-CN" altLang="en-US" dirty="0"/>
+              <a:t>恶性</a:t>
+            </a:r>
+            <a:r>
+              <a:rPr lang="en-US" altLang="zh-CN" dirty="0"/>
+              <a:t>/</a:t>
+            </a:r>
+            <a:r>
+              <a:rPr lang="zh-CN" altLang="en-US" dirty="0"/>
+              <a:t>良性循环问题</a:t>
             </a:r>
             <a:endParaRPr lang="en-US" altLang="zh-CN" dirty="0"/>
           </a:p>
@@ -8680,26 +8714,25 @@
           <a:lstStyle/>
           <a:p>
             <a:r>
-              <a:rPr lang="zh-CN" altLang="en-US"/>
+              <a:rPr lang="zh-CN" altLang="en-US" dirty="0"/>
               <a:t>非指数型</a:t>
             </a:r>
-            <a:endParaRPr lang="en-US" altLang="zh-CN"/>
+            <a:endParaRPr lang="en-US" altLang="zh-CN" dirty="0"/>
           </a:p>
           <a:p>
             <a:pPr lvl="1"/>
             <a:r>
-              <a:rPr lang="zh-CN" altLang="en-US"/>
+              <a:rPr lang="zh-CN" altLang="en-US" dirty="0"/>
               <a:t>倍增时间不固定</a:t>
             </a:r>
-            <a:endParaRPr lang="en-US" altLang="zh-CN"/>
+            <a:endParaRPr lang="en-US" altLang="zh-CN" dirty="0"/>
           </a:p>
           <a:p>
             <a:pPr lvl="1"/>
             <a:r>
-              <a:rPr lang="zh-CN" altLang="en-US"/>
+              <a:rPr lang="zh-CN" altLang="en-US" dirty="0"/>
               <a:t>时间越长越偏离指数趋势</a:t>
             </a:r>
-            <a:endParaRPr lang="zh-CN" altLang="en-US" dirty="0"/>
           </a:p>
         </p:txBody>
       </p:sp>
@@ -8960,7 +8993,7 @@
           <a:graphicData uri="http://schemas.openxmlformats.org/presentationml/2006/ole">
             <mc:AlternateContent xmlns:mc="http://schemas.openxmlformats.org/markup-compatibility/2006">
               <mc:Choice xmlns:v="urn:schemas-microsoft-com:vml" Requires="v">
-                <p:oleObj spid="_x0000_s7185" name="Equation" r:id="rId4" imgW="2387520" imgH="393480" progId="Equation.DSMT4">
+                <p:oleObj spid="_x0000_s7209" name="Equation" r:id="rId4" imgW="2387520" imgH="393480" progId="Equation.DSMT4">
                   <p:embed/>
                 </p:oleObj>
               </mc:Choice>
@@ -9017,7 +9050,7 @@
           <a:graphicData uri="http://schemas.openxmlformats.org/presentationml/2006/ole">
             <mc:AlternateContent xmlns:mc="http://schemas.openxmlformats.org/markup-compatibility/2006">
               <mc:Choice xmlns:v="urn:schemas-microsoft-com:vml" Requires="v">
-                <p:oleObj spid="_x0000_s7186" name="Equation" r:id="rId6" imgW="1904760" imgH="419040" progId="Equation.DSMT4">
+                <p:oleObj spid="_x0000_s7210" name="Equation" r:id="rId6" imgW="1904760" imgH="419040" progId="Equation.DSMT4">
                   <p:embed/>
                 </p:oleObj>
               </mc:Choice>
@@ -9074,7 +9107,7 @@
           <a:graphicData uri="http://schemas.openxmlformats.org/presentationml/2006/ole">
             <mc:AlternateContent xmlns:mc="http://schemas.openxmlformats.org/markup-compatibility/2006">
               <mc:Choice xmlns:v="urn:schemas-microsoft-com:vml" Requires="v">
-                <p:oleObj spid="_x0000_s7187" name="Equation" r:id="rId8" imgW="2768400" imgH="228600" progId="Equation.DSMT4">
+                <p:oleObj spid="_x0000_s7211" name="Equation" r:id="rId8" imgW="2768400" imgH="228600" progId="Equation.DSMT4">
                   <p:embed/>
                 </p:oleObj>
               </mc:Choice>
@@ -9196,8 +9229,8 @@
           <a:lstStyle/>
           <a:p>
             <a:r>
-              <a:rPr lang="zh-CN" altLang="en-US"/>
-              <a:t>负反馈的时间常数</a:t>
+              <a:rPr lang="zh-CN" altLang="en-US" dirty="0"/>
+              <a:t>负反馈系统时间常数</a:t>
             </a:r>
           </a:p>
         </p:txBody>
@@ -9242,12 +9275,19 @@
           <a:p>
             <a:r>
               <a:rPr lang="zh-CN" altLang="en-US" dirty="0"/>
-              <a:t>推算时间常数：</a:t>
+              <a:t>时间常数：</a:t>
             </a:r>
             <a:r>
               <a:rPr lang="en-US" altLang="zh-CN" dirty="0"/>
               <a:t>T=1/CONST</a:t>
             </a:r>
+          </a:p>
+          <a:p>
+            <a:r>
+              <a:rPr lang="zh-CN" altLang="en-US" dirty="0"/>
+              <a:t>时间常数对应的状态变化</a:t>
+            </a:r>
+            <a:endParaRPr lang="en-US" altLang="zh-CN" dirty="0"/>
           </a:p>
         </p:txBody>
       </p:sp>
@@ -9259,7 +9299,7 @@
         </p:nvSpPr>
         <p:spPr>
           <a:xfrm>
-            <a:off x="1478912" y="5802868"/>
+            <a:off x="1478912" y="5867980"/>
             <a:ext cx="7140096" cy="369332"/>
           </a:xfrm>
           <a:prstGeom prst="rect">
@@ -9296,177 +9336,198 @@
           </a:p>
         </p:txBody>
       </p:sp>
-      <p:graphicFrame>
-        <p:nvGraphicFramePr>
-          <p:cNvPr id="5" name="对象 4"/>
-          <p:cNvGraphicFramePr>
-            <a:graphicFrameLocks noChangeAspect="1"/>
-          </p:cNvGraphicFramePr>
-          <p:nvPr>
-            <p:extLst>
-              <p:ext uri="{D42A27DB-BD31-4B8C-83A1-F6EECF244321}">
-                <p14:modId xmlns:p14="http://schemas.microsoft.com/office/powerpoint/2010/main" val="307996064"/>
-              </p:ext>
-            </p:extLst>
-          </p:nvPr>
-        </p:nvGraphicFramePr>
-        <p:xfrm>
-          <a:off x="2468976" y="3356992"/>
-          <a:ext cx="5159968" cy="654435"/>
-        </p:xfrm>
-        <a:graphic>
-          <a:graphicData uri="http://schemas.openxmlformats.org/presentationml/2006/ole">
-            <mc:AlternateContent xmlns:mc="http://schemas.openxmlformats.org/markup-compatibility/2006">
-              <mc:Choice xmlns:v="urn:schemas-microsoft-com:vml" Requires="v">
-                <p:oleObj spid="_x0000_s8206" name="Equation" r:id="rId3" imgW="2603160" imgH="330120" progId="Equation.DSMT4">
-                  <p:embed/>
-                </p:oleObj>
-              </mc:Choice>
-              <mc:Fallback>
-                <p:oleObj name="Equation" r:id="rId3" imgW="2603160" imgH="330120" progId="Equation.DSMT4">
-                  <p:embed/>
-                  <p:pic>
-                    <p:nvPicPr>
-                      <p:cNvPr id="0" name=""/>
-                      <p:cNvPicPr/>
-                      <p:nvPr/>
-                    </p:nvPicPr>
-                    <p:blipFill>
-                      <a:blip r:embed="rId4"/>
-                      <a:stretch>
-                        <a:fillRect/>
-                      </a:stretch>
-                    </p:blipFill>
-                    <p:spPr>
-                      <a:xfrm>
-                        <a:off x="2468976" y="3356992"/>
-                        <a:ext cx="5159968" cy="654435"/>
-                      </a:xfrm>
-                      <a:prstGeom prst="rect">
-                        <a:avLst/>
-                      </a:prstGeom>
-                    </p:spPr>
-                  </p:pic>
-                </p:oleObj>
-              </mc:Fallback>
-            </mc:AlternateContent>
-          </a:graphicData>
-        </a:graphic>
-      </p:graphicFrame>
-      <p:graphicFrame>
-        <p:nvGraphicFramePr>
-          <p:cNvPr id="6" name="对象 5"/>
-          <p:cNvGraphicFramePr>
-            <a:graphicFrameLocks noChangeAspect="1"/>
-          </p:cNvGraphicFramePr>
-          <p:nvPr>
-            <p:extLst>
-              <p:ext uri="{D42A27DB-BD31-4B8C-83A1-F6EECF244321}">
-                <p14:modId xmlns:p14="http://schemas.microsoft.com/office/powerpoint/2010/main" val="3596242546"/>
-              </p:ext>
-            </p:extLst>
-          </p:nvPr>
-        </p:nvGraphicFramePr>
-        <p:xfrm>
-          <a:off x="3430116" y="4248781"/>
-          <a:ext cx="4093148" cy="478420"/>
-        </p:xfrm>
-        <a:graphic>
-          <a:graphicData uri="http://schemas.openxmlformats.org/presentationml/2006/ole">
-            <mc:AlternateContent xmlns:mc="http://schemas.openxmlformats.org/markup-compatibility/2006">
-              <mc:Choice xmlns:v="urn:schemas-microsoft-com:vml" Requires="v">
-                <p:oleObj spid="_x0000_s8207" name="Equation" r:id="rId5" imgW="1955520" imgH="228600" progId="Equation.DSMT4">
-                  <p:embed/>
-                </p:oleObj>
-              </mc:Choice>
-              <mc:Fallback>
-                <p:oleObj name="Equation" r:id="rId5" imgW="1955520" imgH="228600" progId="Equation.DSMT4">
-                  <p:embed/>
-                  <p:pic>
-                    <p:nvPicPr>
-                      <p:cNvPr id="0" name=""/>
-                      <p:cNvPicPr/>
-                      <p:nvPr/>
-                    </p:nvPicPr>
-                    <p:blipFill>
-                      <a:blip r:embed="rId6"/>
-                      <a:stretch>
-                        <a:fillRect/>
-                      </a:stretch>
-                    </p:blipFill>
-                    <p:spPr>
-                      <a:xfrm>
-                        <a:off x="3430116" y="4248781"/>
-                        <a:ext cx="4093148" cy="478420"/>
-                      </a:xfrm>
-                      <a:prstGeom prst="rect">
-                        <a:avLst/>
-                      </a:prstGeom>
-                    </p:spPr>
-                  </p:pic>
-                </p:oleObj>
-              </mc:Fallback>
-            </mc:AlternateContent>
-          </a:graphicData>
-        </a:graphic>
-      </p:graphicFrame>
-      <p:graphicFrame>
-        <p:nvGraphicFramePr>
-          <p:cNvPr id="7" name="对象 6"/>
-          <p:cNvGraphicFramePr>
-            <a:graphicFrameLocks noChangeAspect="1"/>
-          </p:cNvGraphicFramePr>
-          <p:nvPr>
-            <p:extLst>
-              <p:ext uri="{D42A27DB-BD31-4B8C-83A1-F6EECF244321}">
-                <p14:modId xmlns:p14="http://schemas.microsoft.com/office/powerpoint/2010/main" val="1831277956"/>
-              </p:ext>
-            </p:extLst>
-          </p:nvPr>
-        </p:nvGraphicFramePr>
-        <p:xfrm>
-          <a:off x="3430116" y="4964556"/>
-          <a:ext cx="4833571" cy="427026"/>
-        </p:xfrm>
-        <a:graphic>
-          <a:graphicData uri="http://schemas.openxmlformats.org/presentationml/2006/ole">
-            <mc:AlternateContent xmlns:mc="http://schemas.openxmlformats.org/markup-compatibility/2006">
-              <mc:Choice xmlns:v="urn:schemas-microsoft-com:vml" Requires="v">
-                <p:oleObj spid="_x0000_s8208" name="Equation" r:id="rId7" imgW="2298600" imgH="203040" progId="Equation.DSMT4">
-                  <p:embed/>
-                </p:oleObj>
-              </mc:Choice>
-              <mc:Fallback>
-                <p:oleObj name="Equation" r:id="rId7" imgW="2298600" imgH="203040" progId="Equation.DSMT4">
-                  <p:embed/>
-                  <p:pic>
-                    <p:nvPicPr>
-                      <p:cNvPr id="6" name="对象 5"/>
-                      <p:cNvPicPr/>
-                      <p:nvPr/>
-                    </p:nvPicPr>
-                    <p:blipFill>
-                      <a:blip r:embed="rId8"/>
-                      <a:stretch>
-                        <a:fillRect/>
-                      </a:stretch>
-                    </p:blipFill>
-                    <p:spPr>
-                      <a:xfrm>
-                        <a:off x="3430116" y="4964556"/>
-                        <a:ext cx="4833571" cy="427026"/>
-                      </a:xfrm>
-                      <a:prstGeom prst="rect">
-                        <a:avLst/>
-                      </a:prstGeom>
-                    </p:spPr>
-                  </p:pic>
-                </p:oleObj>
-              </mc:Fallback>
-            </mc:AlternateContent>
-          </a:graphicData>
-        </a:graphic>
-      </p:graphicFrame>
+      <p:grpSp>
+        <p:nvGrpSpPr>
+          <p:cNvPr id="10" name="组合 9">
+            <a:extLst>
+              <a:ext uri="{FF2B5EF4-FFF2-40B4-BE49-F238E27FC236}">
+                <a16:creationId xmlns:a16="http://schemas.microsoft.com/office/drawing/2014/main" id="{EDCC0D78-9A4A-FA46-914C-4F21ABBE3632}"/>
+              </a:ext>
+            </a:extLst>
+          </p:cNvPr>
+          <p:cNvGrpSpPr/>
+          <p:nvPr/>
+        </p:nvGrpSpPr>
+        <p:grpSpPr>
+          <a:xfrm>
+            <a:off x="2193761" y="3866070"/>
+            <a:ext cx="5794711" cy="1795178"/>
+            <a:chOff x="2468976" y="3356992"/>
+            <a:chExt cx="5794711" cy="1795178"/>
+          </a:xfrm>
+        </p:grpSpPr>
+        <p:graphicFrame>
+          <p:nvGraphicFramePr>
+            <p:cNvPr id="5" name="对象 4"/>
+            <p:cNvGraphicFramePr>
+              <a:graphicFrameLocks noChangeAspect="1"/>
+            </p:cNvGraphicFramePr>
+            <p:nvPr>
+              <p:extLst>
+                <p:ext uri="{D42A27DB-BD31-4B8C-83A1-F6EECF244321}">
+                  <p14:modId xmlns:p14="http://schemas.microsoft.com/office/powerpoint/2010/main" val="4096802430"/>
+                </p:ext>
+              </p:extLst>
+            </p:nvPr>
+          </p:nvGraphicFramePr>
+          <p:xfrm>
+            <a:off x="2468976" y="3356992"/>
+            <a:ext cx="5159968" cy="654435"/>
+          </p:xfrm>
+          <a:graphic>
+            <a:graphicData uri="http://schemas.openxmlformats.org/presentationml/2006/ole">
+              <mc:AlternateContent xmlns:mc="http://schemas.openxmlformats.org/markup-compatibility/2006">
+                <mc:Choice xmlns:v="urn:schemas-microsoft-com:vml" Requires="v">
+                  <p:oleObj spid="_x0000_s8230" name="Equation" r:id="rId3" imgW="2603160" imgH="330120" progId="Equation.DSMT4">
+                    <p:embed/>
+                  </p:oleObj>
+                </mc:Choice>
+                <mc:Fallback>
+                  <p:oleObj name="Equation" r:id="rId3" imgW="2603160" imgH="330120" progId="Equation.DSMT4">
+                    <p:embed/>
+                    <p:pic>
+                      <p:nvPicPr>
+                        <p:cNvPr id="0" name=""/>
+                        <p:cNvPicPr/>
+                        <p:nvPr/>
+                      </p:nvPicPr>
+                      <p:blipFill>
+                        <a:blip r:embed="rId4"/>
+                        <a:stretch>
+                          <a:fillRect/>
+                        </a:stretch>
+                      </p:blipFill>
+                      <p:spPr>
+                        <a:xfrm>
+                          <a:off x="2468976" y="3356992"/>
+                          <a:ext cx="5159968" cy="654435"/>
+                        </a:xfrm>
+                        <a:prstGeom prst="rect">
+                          <a:avLst/>
+                        </a:prstGeom>
+                      </p:spPr>
+                    </p:pic>
+                  </p:oleObj>
+                </mc:Fallback>
+              </mc:AlternateContent>
+            </a:graphicData>
+          </a:graphic>
+        </p:graphicFrame>
+        <p:graphicFrame>
+          <p:nvGraphicFramePr>
+            <p:cNvPr id="6" name="对象 5"/>
+            <p:cNvGraphicFramePr>
+              <a:graphicFrameLocks noChangeAspect="1"/>
+            </p:cNvGraphicFramePr>
+            <p:nvPr>
+              <p:extLst>
+                <p:ext uri="{D42A27DB-BD31-4B8C-83A1-F6EECF244321}">
+                  <p14:modId xmlns:p14="http://schemas.microsoft.com/office/powerpoint/2010/main" val="2688681210"/>
+                </p:ext>
+              </p:extLst>
+            </p:nvPr>
+          </p:nvGraphicFramePr>
+          <p:xfrm>
+            <a:off x="3502124" y="4077072"/>
+            <a:ext cx="4093148" cy="478420"/>
+          </p:xfrm>
+          <a:graphic>
+            <a:graphicData uri="http://schemas.openxmlformats.org/presentationml/2006/ole">
+              <mc:AlternateContent xmlns:mc="http://schemas.openxmlformats.org/markup-compatibility/2006">
+                <mc:Choice xmlns:v="urn:schemas-microsoft-com:vml" Requires="v">
+                  <p:oleObj spid="_x0000_s8231" name="Equation" r:id="rId5" imgW="1955520" imgH="228600" progId="Equation.DSMT4">
+                    <p:embed/>
+                  </p:oleObj>
+                </mc:Choice>
+                <mc:Fallback>
+                  <p:oleObj name="Equation" r:id="rId5" imgW="1955520" imgH="228600" progId="Equation.DSMT4">
+                    <p:embed/>
+                    <p:pic>
+                      <p:nvPicPr>
+                        <p:cNvPr id="0" name=""/>
+                        <p:cNvPicPr/>
+                        <p:nvPr/>
+                      </p:nvPicPr>
+                      <p:blipFill>
+                        <a:blip r:embed="rId6"/>
+                        <a:stretch>
+                          <a:fillRect/>
+                        </a:stretch>
+                      </p:blipFill>
+                      <p:spPr>
+                        <a:xfrm>
+                          <a:off x="3502124" y="4077072"/>
+                          <a:ext cx="4093148" cy="478420"/>
+                        </a:xfrm>
+                        <a:prstGeom prst="rect">
+                          <a:avLst/>
+                        </a:prstGeom>
+                      </p:spPr>
+                    </p:pic>
+                  </p:oleObj>
+                </mc:Fallback>
+              </mc:AlternateContent>
+            </a:graphicData>
+          </a:graphic>
+        </p:graphicFrame>
+        <p:graphicFrame>
+          <p:nvGraphicFramePr>
+            <p:cNvPr id="7" name="对象 6"/>
+            <p:cNvGraphicFramePr>
+              <a:graphicFrameLocks noChangeAspect="1"/>
+            </p:cNvGraphicFramePr>
+            <p:nvPr>
+              <p:extLst>
+                <p:ext uri="{D42A27DB-BD31-4B8C-83A1-F6EECF244321}">
+                  <p14:modId xmlns:p14="http://schemas.microsoft.com/office/powerpoint/2010/main" val="6352159"/>
+                </p:ext>
+              </p:extLst>
+            </p:nvPr>
+          </p:nvGraphicFramePr>
+          <p:xfrm>
+            <a:off x="3430116" y="4725144"/>
+            <a:ext cx="4833571" cy="427026"/>
+          </p:xfrm>
+          <a:graphic>
+            <a:graphicData uri="http://schemas.openxmlformats.org/presentationml/2006/ole">
+              <mc:AlternateContent xmlns:mc="http://schemas.openxmlformats.org/markup-compatibility/2006">
+                <mc:Choice xmlns:v="urn:schemas-microsoft-com:vml" Requires="v">
+                  <p:oleObj spid="_x0000_s8232" name="Equation" r:id="rId7" imgW="2298600" imgH="203040" progId="Equation.DSMT4">
+                    <p:embed/>
+                  </p:oleObj>
+                </mc:Choice>
+                <mc:Fallback>
+                  <p:oleObj name="Equation" r:id="rId7" imgW="2298600" imgH="203040" progId="Equation.DSMT4">
+                    <p:embed/>
+                    <p:pic>
+                      <p:nvPicPr>
+                        <p:cNvPr id="6" name="对象 5"/>
+                        <p:cNvPicPr/>
+                        <p:nvPr/>
+                      </p:nvPicPr>
+                      <p:blipFill>
+                        <a:blip r:embed="rId8"/>
+                        <a:stretch>
+                          <a:fillRect/>
+                        </a:stretch>
+                      </p:blipFill>
+                      <p:spPr>
+                        <a:xfrm>
+                          <a:off x="3430116" y="4725144"/>
+                          <a:ext cx="4833571" cy="427026"/>
+                        </a:xfrm>
+                        <a:prstGeom prst="rect">
+                          <a:avLst/>
+                        </a:prstGeom>
+                      </p:spPr>
+                    </p:pic>
+                  </p:oleObj>
+                </mc:Fallback>
+              </mc:AlternateContent>
+            </a:graphicData>
+          </a:graphic>
+        </p:graphicFrame>
+      </p:grpSp>
       <p:pic>
         <p:nvPicPr>
           <p:cNvPr id="8" name="图片 7"/>
@@ -9483,7 +9544,7 @@
         </p:blipFill>
         <p:spPr>
           <a:xfrm>
-            <a:off x="8263687" y="1076514"/>
+            <a:off x="7989269" y="476672"/>
             <a:ext cx="3865783" cy="2442960"/>
           </a:xfrm>
           <a:prstGeom prst="rect">
@@ -9507,7 +9568,7 @@
         </p:blipFill>
         <p:spPr>
           <a:xfrm>
-            <a:off x="8504484" y="3512562"/>
+            <a:off x="8231489" y="3140968"/>
             <a:ext cx="3623563" cy="2297869"/>
           </a:xfrm>
           <a:prstGeom prst="rect">
@@ -9537,6 +9598,330 @@
       </p:transition>
     </mc:Fallback>
   </mc:AlternateContent>
+  <p:timing>
+    <p:tnLst>
+      <p:par>
+        <p:cTn id="1" dur="indefinite" restart="never" nodeType="tmRoot">
+          <p:childTnLst>
+            <p:seq concurrent="1" nextAc="seek">
+              <p:cTn id="2" dur="indefinite" nodeType="mainSeq">
+                <p:childTnLst>
+                  <p:par>
+                    <p:cTn id="3" fill="hold">
+                      <p:stCondLst>
+                        <p:cond delay="indefinite"/>
+                      </p:stCondLst>
+                      <p:childTnLst>
+                        <p:par>
+                          <p:cTn id="4" fill="hold">
+                            <p:stCondLst>
+                              <p:cond delay="0"/>
+                            </p:stCondLst>
+                            <p:childTnLst>
+                              <p:par>
+                                <p:cTn id="5" presetID="1" presetClass="entr" presetSubtype="0" fill="hold" grpId="0" nodeType="clickEffect">
+                                  <p:stCondLst>
+                                    <p:cond delay="0"/>
+                                  </p:stCondLst>
+                                  <p:childTnLst>
+                                    <p:set>
+                                      <p:cBhvr>
+                                        <p:cTn id="6" dur="1" fill="hold">
+                                          <p:stCondLst>
+                                            <p:cond delay="0"/>
+                                          </p:stCondLst>
+                                        </p:cTn>
+                                        <p:tgtEl>
+                                          <p:spTgt spid="3">
+                                            <p:txEl>
+                                              <p:pRg st="0" end="0"/>
+                                            </p:txEl>
+                                          </p:spTgt>
+                                        </p:tgtEl>
+                                        <p:attrNameLst>
+                                          <p:attrName>style.visibility</p:attrName>
+                                        </p:attrNameLst>
+                                      </p:cBhvr>
+                                      <p:to>
+                                        <p:strVal val="visible"/>
+                                      </p:to>
+                                    </p:set>
+                                  </p:childTnLst>
+                                </p:cTn>
+                              </p:par>
+                              <p:par>
+                                <p:cTn id="7" presetID="1" presetClass="entr" presetSubtype="0" fill="hold" grpId="0" nodeType="withEffect">
+                                  <p:stCondLst>
+                                    <p:cond delay="0"/>
+                                  </p:stCondLst>
+                                  <p:childTnLst>
+                                    <p:set>
+                                      <p:cBhvr>
+                                        <p:cTn id="8" dur="1" fill="hold">
+                                          <p:stCondLst>
+                                            <p:cond delay="0"/>
+                                          </p:stCondLst>
+                                        </p:cTn>
+                                        <p:tgtEl>
+                                          <p:spTgt spid="3">
+                                            <p:txEl>
+                                              <p:pRg st="1" end="1"/>
+                                            </p:txEl>
+                                          </p:spTgt>
+                                        </p:tgtEl>
+                                        <p:attrNameLst>
+                                          <p:attrName>style.visibility</p:attrName>
+                                        </p:attrNameLst>
+                                      </p:cBhvr>
+                                      <p:to>
+                                        <p:strVal val="visible"/>
+                                      </p:to>
+                                    </p:set>
+                                  </p:childTnLst>
+                                </p:cTn>
+                              </p:par>
+                              <p:par>
+                                <p:cTn id="9" presetID="1" presetClass="entr" presetSubtype="0" fill="hold" grpId="0" nodeType="withEffect">
+                                  <p:stCondLst>
+                                    <p:cond delay="0"/>
+                                  </p:stCondLst>
+                                  <p:childTnLst>
+                                    <p:set>
+                                      <p:cBhvr>
+                                        <p:cTn id="10" dur="1" fill="hold">
+                                          <p:stCondLst>
+                                            <p:cond delay="0"/>
+                                          </p:stCondLst>
+                                        </p:cTn>
+                                        <p:tgtEl>
+                                          <p:spTgt spid="3">
+                                            <p:txEl>
+                                              <p:pRg st="2" end="2"/>
+                                            </p:txEl>
+                                          </p:spTgt>
+                                        </p:tgtEl>
+                                        <p:attrNameLst>
+                                          <p:attrName>style.visibility</p:attrName>
+                                        </p:attrNameLst>
+                                      </p:cBhvr>
+                                      <p:to>
+                                        <p:strVal val="visible"/>
+                                      </p:to>
+                                    </p:set>
+                                  </p:childTnLst>
+                                </p:cTn>
+                              </p:par>
+                            </p:childTnLst>
+                          </p:cTn>
+                        </p:par>
+                      </p:childTnLst>
+                    </p:cTn>
+                  </p:par>
+                  <p:par>
+                    <p:cTn id="11" fill="hold">
+                      <p:stCondLst>
+                        <p:cond delay="indefinite"/>
+                      </p:stCondLst>
+                      <p:childTnLst>
+                        <p:par>
+                          <p:cTn id="12" fill="hold">
+                            <p:stCondLst>
+                              <p:cond delay="0"/>
+                            </p:stCondLst>
+                            <p:childTnLst>
+                              <p:par>
+                                <p:cTn id="13" presetID="1" presetClass="entr" presetSubtype="0" fill="hold" grpId="0" nodeType="clickEffect">
+                                  <p:stCondLst>
+                                    <p:cond delay="0"/>
+                                  </p:stCondLst>
+                                  <p:childTnLst>
+                                    <p:set>
+                                      <p:cBhvr>
+                                        <p:cTn id="14" dur="1" fill="hold">
+                                          <p:stCondLst>
+                                            <p:cond delay="0"/>
+                                          </p:stCondLst>
+                                        </p:cTn>
+                                        <p:tgtEl>
+                                          <p:spTgt spid="3">
+                                            <p:txEl>
+                                              <p:pRg st="3" end="3"/>
+                                            </p:txEl>
+                                          </p:spTgt>
+                                        </p:tgtEl>
+                                        <p:attrNameLst>
+                                          <p:attrName>style.visibility</p:attrName>
+                                        </p:attrNameLst>
+                                      </p:cBhvr>
+                                      <p:to>
+                                        <p:strVal val="visible"/>
+                                      </p:to>
+                                    </p:set>
+                                  </p:childTnLst>
+                                </p:cTn>
+                              </p:par>
+                            </p:childTnLst>
+                          </p:cTn>
+                        </p:par>
+                      </p:childTnLst>
+                    </p:cTn>
+                  </p:par>
+                  <p:par>
+                    <p:cTn id="15" fill="hold">
+                      <p:stCondLst>
+                        <p:cond delay="indefinite"/>
+                      </p:stCondLst>
+                      <p:childTnLst>
+                        <p:par>
+                          <p:cTn id="16" fill="hold">
+                            <p:stCondLst>
+                              <p:cond delay="0"/>
+                            </p:stCondLst>
+                            <p:childTnLst>
+                              <p:par>
+                                <p:cTn id="17" presetID="1" presetClass="entr" presetSubtype="0" fill="hold" grpId="0" nodeType="clickEffect">
+                                  <p:stCondLst>
+                                    <p:cond delay="0"/>
+                                  </p:stCondLst>
+                                  <p:childTnLst>
+                                    <p:set>
+                                      <p:cBhvr>
+                                        <p:cTn id="18" dur="1" fill="hold">
+                                          <p:stCondLst>
+                                            <p:cond delay="0"/>
+                                          </p:stCondLst>
+                                        </p:cTn>
+                                        <p:tgtEl>
+                                          <p:spTgt spid="3">
+                                            <p:txEl>
+                                              <p:pRg st="4" end="4"/>
+                                            </p:txEl>
+                                          </p:spTgt>
+                                        </p:tgtEl>
+                                        <p:attrNameLst>
+                                          <p:attrName>style.visibility</p:attrName>
+                                        </p:attrNameLst>
+                                      </p:cBhvr>
+                                      <p:to>
+                                        <p:strVal val="visible"/>
+                                      </p:to>
+                                    </p:set>
+                                  </p:childTnLst>
+                                </p:cTn>
+                              </p:par>
+                            </p:childTnLst>
+                          </p:cTn>
+                        </p:par>
+                        <p:par>
+                          <p:cTn id="19" fill="hold">
+                            <p:stCondLst>
+                              <p:cond delay="0"/>
+                            </p:stCondLst>
+                            <p:childTnLst>
+                              <p:par>
+                                <p:cTn id="20" presetID="1" presetClass="entr" presetSubtype="0" fill="hold" nodeType="afterEffect">
+                                  <p:stCondLst>
+                                    <p:cond delay="0"/>
+                                  </p:stCondLst>
+                                  <p:childTnLst>
+                                    <p:set>
+                                      <p:cBhvr>
+                                        <p:cTn id="21" dur="1" fill="hold">
+                                          <p:stCondLst>
+                                            <p:cond delay="0"/>
+                                          </p:stCondLst>
+                                        </p:cTn>
+                                        <p:tgtEl>
+                                          <p:spTgt spid="10"/>
+                                        </p:tgtEl>
+                                        <p:attrNameLst>
+                                          <p:attrName>style.visibility</p:attrName>
+                                        </p:attrNameLst>
+                                      </p:cBhvr>
+                                      <p:to>
+                                        <p:strVal val="visible"/>
+                                      </p:to>
+                                    </p:set>
+                                  </p:childTnLst>
+                                </p:cTn>
+                              </p:par>
+                            </p:childTnLst>
+                          </p:cTn>
+                        </p:par>
+                      </p:childTnLst>
+                    </p:cTn>
+                  </p:par>
+                  <p:par>
+                    <p:cTn id="22" fill="hold">
+                      <p:stCondLst>
+                        <p:cond delay="indefinite"/>
+                      </p:stCondLst>
+                      <p:childTnLst>
+                        <p:par>
+                          <p:cTn id="23" fill="hold">
+                            <p:stCondLst>
+                              <p:cond delay="0"/>
+                            </p:stCondLst>
+                            <p:childTnLst>
+                              <p:par>
+                                <p:cTn id="24" presetID="1" presetClass="entr" presetSubtype="0" fill="hold" grpId="0" nodeType="clickEffect">
+                                  <p:stCondLst>
+                                    <p:cond delay="0"/>
+                                  </p:stCondLst>
+                                  <p:childTnLst>
+                                    <p:set>
+                                      <p:cBhvr>
+                                        <p:cTn id="25" dur="1" fill="hold">
+                                          <p:stCondLst>
+                                            <p:cond delay="0"/>
+                                          </p:stCondLst>
+                                        </p:cTn>
+                                        <p:tgtEl>
+                                          <p:spTgt spid="4"/>
+                                        </p:tgtEl>
+                                        <p:attrNameLst>
+                                          <p:attrName>style.visibility</p:attrName>
+                                        </p:attrNameLst>
+                                      </p:cBhvr>
+                                      <p:to>
+                                        <p:strVal val="visible"/>
+                                      </p:to>
+                                    </p:set>
+                                  </p:childTnLst>
+                                </p:cTn>
+                              </p:par>
+                            </p:childTnLst>
+                          </p:cTn>
+                        </p:par>
+                      </p:childTnLst>
+                    </p:cTn>
+                  </p:par>
+                </p:childTnLst>
+              </p:cTn>
+              <p:prevCondLst>
+                <p:cond evt="onPrev" delay="0">
+                  <p:tgtEl>
+                    <p:sldTgt/>
+                  </p:tgtEl>
+                </p:cond>
+              </p:prevCondLst>
+              <p:nextCondLst>
+                <p:cond evt="onNext" delay="0">
+                  <p:tgtEl>
+                    <p:sldTgt/>
+                  </p:tgtEl>
+                </p:cond>
+              </p:nextCondLst>
+            </p:seq>
+          </p:childTnLst>
+        </p:cTn>
+      </p:par>
+    </p:tnLst>
+    <p:bldLst>
+      <p:bldP spid="3" grpId="0" uiExpand="1" build="p"/>
+      <p:bldP spid="4" grpId="0"/>
+    </p:bldLst>
+  </p:timing>
 </p:sld>
 </file>
 
@@ -9573,22 +9958,22 @@
           <a:lstStyle/>
           <a:p>
             <a:r>
-              <a:rPr lang="zh-CN" altLang="en-US"/>
+              <a:rPr lang="zh-CN" altLang="en-US" dirty="0"/>
               <a:t>减半时间常数</a:t>
             </a:r>
             <a:r>
-              <a:rPr lang="en-US" altLang="zh-CN"/>
+              <a:rPr lang="en-US" altLang="zh-CN" dirty="0"/>
               <a:t>T</a:t>
             </a:r>
             <a:r>
-              <a:rPr lang="en-US" altLang="zh-CN" sz="2000"/>
+              <a:rPr lang="en-US" altLang="zh-CN" sz="2000" dirty="0"/>
               <a:t>h</a:t>
             </a:r>
             <a:r>
-              <a:rPr lang="en-US" altLang="zh-CN"/>
+              <a:rPr lang="en-US" altLang="zh-CN" dirty="0"/>
               <a:t> </a:t>
             </a:r>
-            <a:endParaRPr lang="zh-CN" altLang="en-US"/>
+            <a:endParaRPr lang="zh-CN" altLang="en-US" dirty="0"/>
           </a:p>
         </p:txBody>
       </p:sp>
@@ -9605,7 +9990,7 @@
         <p:spPr/>
         <p:txBody>
           <a:bodyPr>
-            <a:normAutofit fontScale="92500" lnSpcReduction="10000"/>
+            <a:normAutofit fontScale="85000" lnSpcReduction="20000"/>
           </a:bodyPr>
           <a:lstStyle/>
           <a:p>
@@ -9633,6 +10018,15 @@
           </a:p>
           <a:p>
             <a:pPr marL="0" indent="0">
+              <a:lnSpc>
+                <a:spcPct val="70000"/>
+              </a:lnSpc>
+              <a:buNone/>
+            </a:pPr>
+            <a:endParaRPr lang="en-US" altLang="zh-CN" dirty="0"/>
+          </a:p>
+          <a:p>
+            <a:pPr marL="0" indent="0">
               <a:buNone/>
             </a:pPr>
             <a:r>
@@ -9663,6 +10057,9 @@
           </a:p>
           <a:p>
             <a:pPr marL="0" indent="0">
+              <a:lnSpc>
+                <a:spcPct val="140000"/>
+              </a:lnSpc>
               <a:buNone/>
             </a:pPr>
             <a:r>
@@ -9729,7 +10126,7 @@
           <a:lstStyle/>
           <a:p>
             <a:r>
-              <a:rPr lang="zh-CN" altLang="en-US"/>
+              <a:rPr lang="zh-CN" altLang="en-US" dirty="0"/>
               <a:t>注意：减半时间在某些领域也被称为半衰期</a:t>
             </a:r>
           </a:p>
@@ -9768,20 +10165,20 @@
           <p:nvPr>
             <p:extLst>
               <p:ext uri="{D42A27DB-BD31-4B8C-83A1-F6EECF244321}">
-                <p14:modId xmlns:p14="http://schemas.microsoft.com/office/powerpoint/2010/main" val="390314180"/>
+                <p14:modId xmlns:p14="http://schemas.microsoft.com/office/powerpoint/2010/main" val="2534306077"/>
               </p:ext>
             </p:extLst>
           </p:nvPr>
         </p:nvGraphicFramePr>
         <p:xfrm>
-          <a:off x="1671682" y="3573016"/>
+          <a:off x="2481594" y="3645024"/>
           <a:ext cx="3000334" cy="792088"/>
         </p:xfrm>
         <a:graphic>
           <a:graphicData uri="http://schemas.openxmlformats.org/presentationml/2006/ole">
             <mc:AlternateContent xmlns:mc="http://schemas.openxmlformats.org/markup-compatibility/2006">
               <mc:Choice xmlns:v="urn:schemas-microsoft-com:vml" Requires="v">
-                <p:oleObj spid="_x0000_s9230" name="Equation" r:id="rId4" imgW="1587240" imgH="419040" progId="Equation.DSMT4">
+                <p:oleObj spid="_x0000_s9254" name="Equation" r:id="rId4" imgW="1587240" imgH="419040" progId="Equation.DSMT4">
                   <p:embed/>
                 </p:oleObj>
               </mc:Choice>
@@ -9802,7 +10199,7 @@
                     </p:blipFill>
                     <p:spPr>
                       <a:xfrm>
-                        <a:off x="1671682" y="3573016"/>
+                        <a:off x="2481594" y="3645024"/>
                         <a:ext cx="3000334" cy="792088"/>
                       </a:xfrm>
                       <a:prstGeom prst="rect">
@@ -9825,20 +10222,20 @@
           <p:nvPr>
             <p:extLst>
               <p:ext uri="{D42A27DB-BD31-4B8C-83A1-F6EECF244321}">
-                <p14:modId xmlns:p14="http://schemas.microsoft.com/office/powerpoint/2010/main" val="267794943"/>
+                <p14:modId xmlns:p14="http://schemas.microsoft.com/office/powerpoint/2010/main" val="1801446814"/>
               </p:ext>
             </p:extLst>
           </p:nvPr>
         </p:nvGraphicFramePr>
         <p:xfrm>
-          <a:off x="1694276" y="2496441"/>
+          <a:off x="2324340" y="2564904"/>
           <a:ext cx="3130960" cy="447280"/>
         </p:xfrm>
         <a:graphic>
           <a:graphicData uri="http://schemas.openxmlformats.org/presentationml/2006/ole">
             <mc:AlternateContent xmlns:mc="http://schemas.openxmlformats.org/markup-compatibility/2006">
               <mc:Choice xmlns:v="urn:schemas-microsoft-com:vml" Requires="v">
-                <p:oleObj spid="_x0000_s9231" name="Equation" r:id="rId6" imgW="1600200" imgH="228600" progId="Equation.DSMT4">
+                <p:oleObj spid="_x0000_s9255" name="Equation" r:id="rId6" imgW="1600200" imgH="228600" progId="Equation.DSMT4">
                   <p:embed/>
                 </p:oleObj>
               </mc:Choice>
@@ -9859,7 +10256,7 @@
                     </p:blipFill>
                     <p:spPr>
                       <a:xfrm>
-                        <a:off x="1694276" y="2496441"/>
+                        <a:off x="2324340" y="2564904"/>
                         <a:ext cx="3130960" cy="447280"/>
                       </a:xfrm>
                       <a:prstGeom prst="rect">
@@ -9882,20 +10279,20 @@
           <p:nvPr>
             <p:extLst>
               <p:ext uri="{D42A27DB-BD31-4B8C-83A1-F6EECF244321}">
-                <p14:modId xmlns:p14="http://schemas.microsoft.com/office/powerpoint/2010/main" val="3681507781"/>
+                <p14:modId xmlns:p14="http://schemas.microsoft.com/office/powerpoint/2010/main" val="2027861120"/>
               </p:ext>
             </p:extLst>
           </p:nvPr>
         </p:nvGraphicFramePr>
         <p:xfrm>
-          <a:off x="2494012" y="4735383"/>
+          <a:off x="2494012" y="4581128"/>
           <a:ext cx="2791617" cy="518032"/>
         </p:xfrm>
         <a:graphic>
           <a:graphicData uri="http://schemas.openxmlformats.org/presentationml/2006/ole">
             <mc:AlternateContent xmlns:mc="http://schemas.openxmlformats.org/markup-compatibility/2006">
               <mc:Choice xmlns:v="urn:schemas-microsoft-com:vml" Requires="v">
-                <p:oleObj spid="_x0000_s9232" name="Equation" r:id="rId8" imgW="1231560" imgH="228600" progId="Equation.DSMT4">
+                <p:oleObj spid="_x0000_s9256" name="Equation" r:id="rId8" imgW="1231560" imgH="228600" progId="Equation.DSMT4">
                   <p:embed/>
                 </p:oleObj>
               </mc:Choice>
@@ -9916,7 +10313,7 @@
                     </p:blipFill>
                     <p:spPr>
                       <a:xfrm>
-                        <a:off x="2494012" y="4735383"/>
+                        <a:off x="2494012" y="4581128"/>
                         <a:ext cx="2791617" cy="518032"/>
                       </a:xfrm>
                       <a:prstGeom prst="rect">
@@ -9952,6 +10349,376 @@
       </p:transition>
     </mc:Fallback>
   </mc:AlternateContent>
+  <p:timing>
+    <p:tnLst>
+      <p:par>
+        <p:cTn id="1" dur="indefinite" restart="never" nodeType="tmRoot">
+          <p:childTnLst>
+            <p:seq concurrent="1" nextAc="seek">
+              <p:cTn id="2" dur="indefinite" nodeType="mainSeq">
+                <p:childTnLst>
+                  <p:par>
+                    <p:cTn id="3" fill="hold">
+                      <p:stCondLst>
+                        <p:cond delay="indefinite"/>
+                      </p:stCondLst>
+                      <p:childTnLst>
+                        <p:par>
+                          <p:cTn id="4" fill="hold">
+                            <p:stCondLst>
+                              <p:cond delay="0"/>
+                            </p:stCondLst>
+                            <p:childTnLst>
+                              <p:par>
+                                <p:cTn id="5" presetID="1" presetClass="entr" presetSubtype="0" fill="hold" grpId="0" nodeType="clickEffect">
+                                  <p:stCondLst>
+                                    <p:cond delay="0"/>
+                                  </p:stCondLst>
+                                  <p:childTnLst>
+                                    <p:set>
+                                      <p:cBhvr>
+                                        <p:cTn id="6" dur="1" fill="hold">
+                                          <p:stCondLst>
+                                            <p:cond delay="0"/>
+                                          </p:stCondLst>
+                                        </p:cTn>
+                                        <p:tgtEl>
+                                          <p:spTgt spid="3">
+                                            <p:txEl>
+                                              <p:pRg st="0" end="0"/>
+                                            </p:txEl>
+                                          </p:spTgt>
+                                        </p:tgtEl>
+                                        <p:attrNameLst>
+                                          <p:attrName>style.visibility</p:attrName>
+                                        </p:attrNameLst>
+                                      </p:cBhvr>
+                                      <p:to>
+                                        <p:strVal val="visible"/>
+                                      </p:to>
+                                    </p:set>
+                                  </p:childTnLst>
+                                </p:cTn>
+                              </p:par>
+                            </p:childTnLst>
+                          </p:cTn>
+                        </p:par>
+                      </p:childTnLst>
+                    </p:cTn>
+                  </p:par>
+                  <p:par>
+                    <p:cTn id="7" fill="hold">
+                      <p:stCondLst>
+                        <p:cond delay="indefinite"/>
+                      </p:stCondLst>
+                      <p:childTnLst>
+                        <p:par>
+                          <p:cTn id="8" fill="hold">
+                            <p:stCondLst>
+                              <p:cond delay="0"/>
+                            </p:stCondLst>
+                            <p:childTnLst>
+                              <p:par>
+                                <p:cTn id="9" presetID="1" presetClass="entr" presetSubtype="0" fill="hold" grpId="0" nodeType="clickEffect">
+                                  <p:stCondLst>
+                                    <p:cond delay="0"/>
+                                  </p:stCondLst>
+                                  <p:childTnLst>
+                                    <p:set>
+                                      <p:cBhvr>
+                                        <p:cTn id="10" dur="1" fill="hold">
+                                          <p:stCondLst>
+                                            <p:cond delay="0"/>
+                                          </p:stCondLst>
+                                        </p:cTn>
+                                        <p:tgtEl>
+                                          <p:spTgt spid="3">
+                                            <p:txEl>
+                                              <p:pRg st="1" end="1"/>
+                                            </p:txEl>
+                                          </p:spTgt>
+                                        </p:tgtEl>
+                                        <p:attrNameLst>
+                                          <p:attrName>style.visibility</p:attrName>
+                                        </p:attrNameLst>
+                                      </p:cBhvr>
+                                      <p:to>
+                                        <p:strVal val="visible"/>
+                                      </p:to>
+                                    </p:set>
+                                  </p:childTnLst>
+                                </p:cTn>
+                              </p:par>
+                            </p:childTnLst>
+                          </p:cTn>
+                        </p:par>
+                      </p:childTnLst>
+                    </p:cTn>
+                  </p:par>
+                  <p:par>
+                    <p:cTn id="11" fill="hold">
+                      <p:stCondLst>
+                        <p:cond delay="indefinite"/>
+                      </p:stCondLst>
+                      <p:childTnLst>
+                        <p:par>
+                          <p:cTn id="12" fill="hold">
+                            <p:stCondLst>
+                              <p:cond delay="0"/>
+                            </p:stCondLst>
+                            <p:childTnLst>
+                              <p:par>
+                                <p:cTn id="13" presetID="1" presetClass="entr" presetSubtype="0" fill="hold" grpId="0" nodeType="clickEffect">
+                                  <p:stCondLst>
+                                    <p:cond delay="0"/>
+                                  </p:stCondLst>
+                                  <p:childTnLst>
+                                    <p:set>
+                                      <p:cBhvr>
+                                        <p:cTn id="14" dur="1" fill="hold">
+                                          <p:stCondLst>
+                                            <p:cond delay="0"/>
+                                          </p:stCondLst>
+                                        </p:cTn>
+                                        <p:tgtEl>
+                                          <p:spTgt spid="3">
+                                            <p:txEl>
+                                              <p:pRg st="4" end="4"/>
+                                            </p:txEl>
+                                          </p:spTgt>
+                                        </p:tgtEl>
+                                        <p:attrNameLst>
+                                          <p:attrName>style.visibility</p:attrName>
+                                        </p:attrNameLst>
+                                      </p:cBhvr>
+                                      <p:to>
+                                        <p:strVal val="visible"/>
+                                      </p:to>
+                                    </p:set>
+                                  </p:childTnLst>
+                                </p:cTn>
+                              </p:par>
+                            </p:childTnLst>
+                          </p:cTn>
+                        </p:par>
+                      </p:childTnLst>
+                    </p:cTn>
+                  </p:par>
+                  <p:par>
+                    <p:cTn id="15" fill="hold">
+                      <p:stCondLst>
+                        <p:cond delay="indefinite"/>
+                      </p:stCondLst>
+                      <p:childTnLst>
+                        <p:par>
+                          <p:cTn id="16" fill="hold">
+                            <p:stCondLst>
+                              <p:cond delay="0"/>
+                            </p:stCondLst>
+                            <p:childTnLst>
+                              <p:par>
+                                <p:cTn id="17" presetID="1" presetClass="entr" presetSubtype="0" fill="hold" grpId="0" nodeType="clickEffect">
+                                  <p:stCondLst>
+                                    <p:cond delay="0"/>
+                                  </p:stCondLst>
+                                  <p:childTnLst>
+                                    <p:set>
+                                      <p:cBhvr>
+                                        <p:cTn id="18" dur="1" fill="hold">
+                                          <p:stCondLst>
+                                            <p:cond delay="0"/>
+                                          </p:stCondLst>
+                                        </p:cTn>
+                                        <p:tgtEl>
+                                          <p:spTgt spid="3">
+                                            <p:txEl>
+                                              <p:pRg st="7" end="7"/>
+                                            </p:txEl>
+                                          </p:spTgt>
+                                        </p:tgtEl>
+                                        <p:attrNameLst>
+                                          <p:attrName>style.visibility</p:attrName>
+                                        </p:attrNameLst>
+                                      </p:cBhvr>
+                                      <p:to>
+                                        <p:strVal val="visible"/>
+                                      </p:to>
+                                    </p:set>
+                                  </p:childTnLst>
+                                </p:cTn>
+                              </p:par>
+                            </p:childTnLst>
+                          </p:cTn>
+                        </p:par>
+                      </p:childTnLst>
+                    </p:cTn>
+                  </p:par>
+                  <p:par>
+                    <p:cTn id="19" fill="hold">
+                      <p:stCondLst>
+                        <p:cond delay="indefinite"/>
+                      </p:stCondLst>
+                      <p:childTnLst>
+                        <p:par>
+                          <p:cTn id="20" fill="hold">
+                            <p:stCondLst>
+                              <p:cond delay="0"/>
+                            </p:stCondLst>
+                            <p:childTnLst>
+                              <p:par>
+                                <p:cTn id="21" presetID="1" presetClass="entr" presetSubtype="0" fill="hold" grpId="0" nodeType="clickEffect">
+                                  <p:stCondLst>
+                                    <p:cond delay="0"/>
+                                  </p:stCondLst>
+                                  <p:childTnLst>
+                                    <p:set>
+                                      <p:cBhvr>
+                                        <p:cTn id="22" dur="1" fill="hold">
+                                          <p:stCondLst>
+                                            <p:cond delay="0"/>
+                                          </p:stCondLst>
+                                        </p:cTn>
+                                        <p:tgtEl>
+                                          <p:spTgt spid="3">
+                                            <p:txEl>
+                                              <p:pRg st="9" end="9"/>
+                                            </p:txEl>
+                                          </p:spTgt>
+                                        </p:tgtEl>
+                                        <p:attrNameLst>
+                                          <p:attrName>style.visibility</p:attrName>
+                                        </p:attrNameLst>
+                                      </p:cBhvr>
+                                      <p:to>
+                                        <p:strVal val="visible"/>
+                                      </p:to>
+                                    </p:set>
+                                  </p:childTnLst>
+                                </p:cTn>
+                              </p:par>
+                            </p:childTnLst>
+                          </p:cTn>
+                        </p:par>
+                      </p:childTnLst>
+                    </p:cTn>
+                  </p:par>
+                  <p:par>
+                    <p:cTn id="23" fill="hold">
+                      <p:stCondLst>
+                        <p:cond delay="indefinite"/>
+                      </p:stCondLst>
+                      <p:childTnLst>
+                        <p:par>
+                          <p:cTn id="24" fill="hold">
+                            <p:stCondLst>
+                              <p:cond delay="0"/>
+                            </p:stCondLst>
+                            <p:childTnLst>
+                              <p:par>
+                                <p:cTn id="25" presetID="2" presetClass="entr" presetSubtype="4" fill="hold" grpId="0" nodeType="clickEffect">
+                                  <p:stCondLst>
+                                    <p:cond delay="0"/>
+                                  </p:stCondLst>
+                                  <p:childTnLst>
+                                    <p:set>
+                                      <p:cBhvr>
+                                        <p:cTn id="26" dur="1" fill="hold">
+                                          <p:stCondLst>
+                                            <p:cond delay="0"/>
+                                          </p:stCondLst>
+                                        </p:cTn>
+                                        <p:tgtEl>
+                                          <p:spTgt spid="4"/>
+                                        </p:tgtEl>
+                                        <p:attrNameLst>
+                                          <p:attrName>style.visibility</p:attrName>
+                                        </p:attrNameLst>
+                                      </p:cBhvr>
+                                      <p:to>
+                                        <p:strVal val="visible"/>
+                                      </p:to>
+                                    </p:set>
+                                    <p:anim calcmode="lin" valueType="num">
+                                      <p:cBhvr additive="base">
+                                        <p:cTn id="27" dur="500" fill="hold"/>
+                                        <p:tgtEl>
+                                          <p:spTgt spid="4"/>
+                                        </p:tgtEl>
+                                        <p:attrNameLst>
+                                          <p:attrName>ppt_x</p:attrName>
+                                        </p:attrNameLst>
+                                      </p:cBhvr>
+                                      <p:tavLst>
+                                        <p:tav tm="0">
+                                          <p:val>
+                                            <p:strVal val="#ppt_x"/>
+                                          </p:val>
+                                        </p:tav>
+                                        <p:tav tm="100000">
+                                          <p:val>
+                                            <p:strVal val="#ppt_x"/>
+                                          </p:val>
+                                        </p:tav>
+                                      </p:tavLst>
+                                    </p:anim>
+                                    <p:anim calcmode="lin" valueType="num">
+                                      <p:cBhvr additive="base">
+                                        <p:cTn id="28" dur="500" fill="hold"/>
+                                        <p:tgtEl>
+                                          <p:spTgt spid="4"/>
+                                        </p:tgtEl>
+                                        <p:attrNameLst>
+                                          <p:attrName>ppt_y</p:attrName>
+                                        </p:attrNameLst>
+                                      </p:cBhvr>
+                                      <p:tavLst>
+                                        <p:tav tm="0">
+                                          <p:val>
+                                            <p:strVal val="1+#ppt_h/2"/>
+                                          </p:val>
+                                        </p:tav>
+                                        <p:tav tm="100000">
+                                          <p:val>
+                                            <p:strVal val="#ppt_y"/>
+                                          </p:val>
+                                        </p:tav>
+                                      </p:tavLst>
+                                    </p:anim>
+                                  </p:childTnLst>
+                                </p:cTn>
+                              </p:par>
+                            </p:childTnLst>
+                          </p:cTn>
+                        </p:par>
+                      </p:childTnLst>
+                    </p:cTn>
+                  </p:par>
+                </p:childTnLst>
+              </p:cTn>
+              <p:prevCondLst>
+                <p:cond evt="onPrev" delay="0">
+                  <p:tgtEl>
+                    <p:sldTgt/>
+                  </p:tgtEl>
+                </p:cond>
+              </p:prevCondLst>
+              <p:nextCondLst>
+                <p:cond evt="onNext" delay="0">
+                  <p:tgtEl>
+                    <p:sldTgt/>
+                  </p:tgtEl>
+                </p:cond>
+              </p:nextCondLst>
+            </p:seq>
+          </p:childTnLst>
+        </p:cTn>
+      </p:par>
+    </p:tnLst>
+    <p:bldLst>
+      <p:bldP spid="3" grpId="0" build="p"/>
+      <p:bldP spid="4" grpId="0"/>
+    </p:bldLst>
+  </p:timing>
 </p:sld>
 </file>
 
@@ -10228,7 +10995,7 @@
           <a:graphicData uri="http://schemas.openxmlformats.org/presentationml/2006/ole">
             <mc:AlternateContent xmlns:mc="http://schemas.openxmlformats.org/markup-compatibility/2006">
               <mc:Choice xmlns:v="urn:schemas-microsoft-com:vml" Requires="v">
-                <p:oleObj spid="_x0000_s3106" name="Equation" r:id="rId3" imgW="812520" imgH="203040" progId="Equation.DSMT4">
+                <p:oleObj spid="_x0000_s3122" name="Equation" r:id="rId3" imgW="812520" imgH="203040" progId="Equation.DSMT4">
                   <p:embed/>
                 </p:oleObj>
               </mc:Choice>
@@ -10285,7 +11052,7 @@
           <a:graphicData uri="http://schemas.openxmlformats.org/presentationml/2006/ole">
             <mc:AlternateContent xmlns:mc="http://schemas.openxmlformats.org/markup-compatibility/2006">
               <mc:Choice xmlns:v="urn:schemas-microsoft-com:vml" Requires="v">
-                <p:oleObj spid="_x0000_s3107" name="Equation" r:id="rId5" imgW="2552400" imgH="672840" progId="Equation.DSMT4">
+                <p:oleObj spid="_x0000_s3123" name="Equation" r:id="rId5" imgW="2552400" imgH="672840" progId="Equation.DSMT4">
                   <p:embed/>
                 </p:oleObj>
               </mc:Choice>
@@ -10492,7 +11259,7 @@
           <a:graphicData uri="http://schemas.openxmlformats.org/presentationml/2006/ole">
             <mc:AlternateContent xmlns:mc="http://schemas.openxmlformats.org/markup-compatibility/2006">
               <mc:Choice xmlns:v="urn:schemas-microsoft-com:vml" Requires="v">
-                <p:oleObj spid="_x0000_s4145" name="Equation" r:id="rId3" imgW="2095200" imgH="241200" progId="Equation.DSMT4">
+                <p:oleObj spid="_x0000_s4169" name="Equation" r:id="rId3" imgW="2095200" imgH="241200" progId="Equation.DSMT4">
                   <p:embed/>
                 </p:oleObj>
               </mc:Choice>
@@ -10549,7 +11316,7 @@
           <a:graphicData uri="http://schemas.openxmlformats.org/presentationml/2006/ole">
             <mc:AlternateContent xmlns:mc="http://schemas.openxmlformats.org/markup-compatibility/2006">
               <mc:Choice xmlns:v="urn:schemas-microsoft-com:vml" Requires="v">
-                <p:oleObj spid="_x0000_s4146" name="Equation" r:id="rId5" imgW="1815840" imgH="241200" progId="Equation.DSMT4">
+                <p:oleObj spid="_x0000_s4170" name="Equation" r:id="rId5" imgW="1815840" imgH="241200" progId="Equation.DSMT4">
                   <p:embed/>
                 </p:oleObj>
               </mc:Choice>
@@ -10606,7 +11373,7 @@
           <a:graphicData uri="http://schemas.openxmlformats.org/presentationml/2006/ole">
             <mc:AlternateContent xmlns:mc="http://schemas.openxmlformats.org/markup-compatibility/2006">
               <mc:Choice xmlns:v="urn:schemas-microsoft-com:vml" Requires="v">
-                <p:oleObj spid="_x0000_s4147" name="Equation" r:id="rId7" imgW="469800" imgH="228600" progId="Equation.DSMT4">
+                <p:oleObj spid="_x0000_s4171" name="Equation" r:id="rId7" imgW="469800" imgH="228600" progId="Equation.DSMT4">
                   <p:embed/>
                 </p:oleObj>
               </mc:Choice>
@@ -10827,6 +11594,41 @@
           </a:prstGeom>
         </p:spPr>
       </p:pic>
+      <p:sp>
+        <p:nvSpPr>
+          <p:cNvPr id="4" name="文本框 3">
+            <a:extLst>
+              <a:ext uri="{FF2B5EF4-FFF2-40B4-BE49-F238E27FC236}">
+                <a16:creationId xmlns:a16="http://schemas.microsoft.com/office/drawing/2014/main" id="{8E7F04BB-B32C-F046-865B-B25B0B9D2132}"/>
+              </a:ext>
+            </a:extLst>
+          </p:cNvPr>
+          <p:cNvSpPr txBox="1"/>
+          <p:nvPr/>
+        </p:nvSpPr>
+        <p:spPr>
+          <a:xfrm>
+            <a:off x="6484836" y="5992425"/>
+            <a:ext cx="646331" cy="369332"/>
+          </a:xfrm>
+          <a:prstGeom prst="rect">
+            <a:avLst/>
+          </a:prstGeom>
+          <a:noFill/>
+        </p:spPr>
+        <p:txBody>
+          <a:bodyPr wrap="none" rtlCol="0">
+            <a:spAutoFit/>
+          </a:bodyPr>
+          <a:lstStyle/>
+          <a:p>
+            <a:r>
+              <a:rPr kumimoji="1" lang="zh-CN" altLang="en-US" dirty="0"/>
+              <a:t>速率</a:t>
+            </a:r>
+          </a:p>
+        </p:txBody>
+      </p:sp>
     </p:spTree>
     <p:extLst>
       <p:ext uri="{BB962C8B-B14F-4D97-AF65-F5344CB8AC3E}">
@@ -10849,6 +11651,84 @@
       </p:transition>
     </mc:Fallback>
   </mc:AlternateContent>
+  <p:timing>
+    <p:tnLst>
+      <p:par>
+        <p:cTn id="1" dur="indefinite" restart="never" nodeType="tmRoot">
+          <p:childTnLst>
+            <p:seq concurrent="1" nextAc="seek">
+              <p:cTn id="2" dur="indefinite" nodeType="mainSeq">
+                <p:childTnLst>
+                  <p:par>
+                    <p:cTn id="3" fill="hold">
+                      <p:stCondLst>
+                        <p:cond delay="indefinite"/>
+                      </p:stCondLst>
+                      <p:childTnLst>
+                        <p:par>
+                          <p:cTn id="4" fill="hold">
+                            <p:stCondLst>
+                              <p:cond delay="0"/>
+                            </p:stCondLst>
+                            <p:childTnLst>
+                              <p:par>
+                                <p:cTn id="5" presetID="1" presetClass="entr" presetSubtype="0" fill="hold" grpId="0" nodeType="clickEffect">
+                                  <p:stCondLst>
+                                    <p:cond delay="0"/>
+                                  </p:stCondLst>
+                                  <p:childTnLst>
+                                    <p:set>
+                                      <p:cBhvr>
+                                        <p:cTn id="6" dur="1" fill="hold">
+                                          <p:stCondLst>
+                                            <p:cond delay="0"/>
+                                          </p:stCondLst>
+                                        </p:cTn>
+                                        <p:tgtEl>
+                                          <p:spTgt spid="4"/>
+                                        </p:tgtEl>
+                                        <p:attrNameLst>
+                                          <p:attrName>style.visibility</p:attrName>
+                                        </p:attrNameLst>
+                                      </p:cBhvr>
+                                      <p:to>
+                                        <p:strVal val="visible"/>
+                                      </p:to>
+                                    </p:set>
+                                  </p:childTnLst>
+                                </p:cTn>
+                              </p:par>
+                            </p:childTnLst>
+                          </p:cTn>
+                        </p:par>
+                      </p:childTnLst>
+                    </p:cTn>
+                  </p:par>
+                </p:childTnLst>
+              </p:cTn>
+              <p:prevCondLst>
+                <p:cond evt="onPrev" delay="0">
+                  <p:tgtEl>
+                    <p:sldTgt/>
+                  </p:tgtEl>
+                </p:cond>
+              </p:prevCondLst>
+              <p:nextCondLst>
+                <p:cond evt="onNext" delay="0">
+                  <p:tgtEl>
+                    <p:sldTgt/>
+                  </p:tgtEl>
+                </p:cond>
+              </p:nextCondLst>
+            </p:seq>
+          </p:childTnLst>
+        </p:cTn>
+      </p:par>
+    </p:tnLst>
+    <p:bldLst>
+      <p:bldP spid="4" grpId="0"/>
+    </p:bldLst>
+  </p:timing>
 </p:sld>
 </file>
 
@@ -10903,8 +11783,8 @@
         </p:nvSpPr>
         <p:spPr>
           <a:xfrm>
-            <a:off x="1623820" y="1600200"/>
-            <a:ext cx="4861016" cy="4572000"/>
+            <a:off x="1623819" y="1600200"/>
+            <a:ext cx="5766737" cy="4572000"/>
           </a:xfrm>
         </p:spPr>
         <p:txBody>
@@ -10916,7 +11796,7 @@
             </a:pPr>
             <a:r>
               <a:rPr lang="zh-CN" altLang="en-US" dirty="0"/>
-              <a:t>方便起见，令存量用符号</a:t>
+              <a:t>令存量用符号</a:t>
             </a:r>
             <a:r>
               <a:rPr lang="en-US" altLang="zh-CN" dirty="0"/>
@@ -10934,6 +11814,15 @@
               <a:rPr lang="zh-CN" altLang="en-US" dirty="0"/>
               <a:t>代替</a:t>
             </a:r>
+            <a:endParaRPr lang="en-US" altLang="zh-CN" dirty="0"/>
+          </a:p>
+          <a:p>
+            <a:pPr marL="0" indent="0">
+              <a:lnSpc>
+                <a:spcPct val="40000"/>
+              </a:lnSpc>
+              <a:buNone/>
+            </a:pPr>
             <a:endParaRPr lang="en-US" altLang="zh-CN" dirty="0"/>
           </a:p>
           <a:p>
@@ -11085,7 +11974,7 @@
           <a:graphicData uri="http://schemas.openxmlformats.org/presentationml/2006/ole">
             <mc:AlternateContent xmlns:mc="http://schemas.openxmlformats.org/markup-compatibility/2006">
               <mc:Choice xmlns:v="urn:schemas-microsoft-com:vml" Requires="v">
-                <p:oleObj spid="_x0000_s1089" name="Equation" r:id="rId4" imgW="444240" imgH="393480" progId="Equation.DSMT4">
+                <p:oleObj spid="_x0000_s1113" name="Equation" r:id="rId4" imgW="444240" imgH="393480" progId="Equation.DSMT4">
                   <p:embed/>
                 </p:oleObj>
               </mc:Choice>
@@ -11142,7 +12031,7 @@
           <a:graphicData uri="http://schemas.openxmlformats.org/presentationml/2006/ole">
             <mc:AlternateContent xmlns:mc="http://schemas.openxmlformats.org/markup-compatibility/2006">
               <mc:Choice xmlns:v="urn:schemas-microsoft-com:vml" Requires="v">
-                <p:oleObj spid="_x0000_s1090" name="Equation" r:id="rId6" imgW="774360" imgH="393480" progId="Equation.DSMT4">
+                <p:oleObj spid="_x0000_s1114" name="Equation" r:id="rId6" imgW="774360" imgH="393480" progId="Equation.DSMT4">
                   <p:embed/>
                 </p:oleObj>
               </mc:Choice>
@@ -11199,7 +12088,7 @@
           <a:graphicData uri="http://schemas.openxmlformats.org/presentationml/2006/ole">
             <mc:AlternateContent xmlns:mc="http://schemas.openxmlformats.org/markup-compatibility/2006">
               <mc:Choice xmlns:v="urn:schemas-microsoft-com:vml" Requires="v">
-                <p:oleObj spid="_x0000_s1091" name="Equation" r:id="rId8" imgW="457200" imgH="203040" progId="Equation.DSMT4">
+                <p:oleObj spid="_x0000_s1115" name="Equation" r:id="rId8" imgW="457200" imgH="203040" progId="Equation.DSMT4">
                   <p:embed/>
                 </p:oleObj>
               </mc:Choice>
@@ -11459,7 +12348,15 @@
             </a:pPr>
             <a:r>
               <a:rPr lang="zh-CN" altLang="en-US" dirty="0"/>
-              <a:t>即 正反馈的基本行为模式是指数变化趋势，时间常数对应了存量指数函数的时间系数</a:t>
+              <a:t>即 正反馈的基本行为模式是指数变化趋势，系数</a:t>
+            </a:r>
+            <a:r>
+              <a:rPr lang="en-US" altLang="zh-CN" dirty="0"/>
+              <a:t>0.2</a:t>
+            </a:r>
+            <a:r>
+              <a:rPr lang="zh-CN" altLang="en-US" dirty="0"/>
+              <a:t>对应了存量指数函数的变量系数</a:t>
             </a:r>
             <a:endParaRPr lang="en-US" altLang="zh-CN" dirty="0"/>
           </a:p>
@@ -11504,7 +12401,7 @@
           <a:graphicData uri="http://schemas.openxmlformats.org/presentationml/2006/ole">
             <mc:AlternateContent xmlns:mc="http://schemas.openxmlformats.org/markup-compatibility/2006">
               <mc:Choice xmlns:v="urn:schemas-microsoft-com:vml" Requires="v">
-                <p:oleObj spid="_x0000_s2122" name="Equation" r:id="rId3" imgW="774360" imgH="393480" progId="Equation.DSMT4">
+                <p:oleObj spid="_x0000_s2154" name="Equation" r:id="rId3" imgW="774360" imgH="393480" progId="Equation.DSMT4">
                   <p:embed/>
                 </p:oleObj>
               </mc:Choice>
@@ -11561,7 +12458,7 @@
           <a:graphicData uri="http://schemas.openxmlformats.org/presentationml/2006/ole">
             <mc:AlternateContent xmlns:mc="http://schemas.openxmlformats.org/markup-compatibility/2006">
               <mc:Choice xmlns:v="urn:schemas-microsoft-com:vml" Requires="v">
-                <p:oleObj spid="_x0000_s2123" name="Equation" r:id="rId5" imgW="723600" imgH="203040" progId="Equation.DSMT4">
+                <p:oleObj spid="_x0000_s2155" name="Equation" r:id="rId5" imgW="723600" imgH="203040" progId="Equation.DSMT4">
                   <p:embed/>
                 </p:oleObj>
               </mc:Choice>
@@ -11677,7 +12574,7 @@
           <a:graphicData uri="http://schemas.openxmlformats.org/presentationml/2006/ole">
             <mc:AlternateContent xmlns:mc="http://schemas.openxmlformats.org/markup-compatibility/2006">
               <mc:Choice xmlns:v="urn:schemas-microsoft-com:vml" Requires="v">
-                <p:oleObj spid="_x0000_s2124" name="Equation" r:id="rId8" imgW="685800" imgH="203040" progId="Equation.DSMT4">
+                <p:oleObj spid="_x0000_s2156" name="Equation" r:id="rId8" imgW="685800" imgH="203040" progId="Equation.DSMT4">
                   <p:embed/>
                 </p:oleObj>
               </mc:Choice>
@@ -11734,7 +12631,7 @@
           <a:graphicData uri="http://schemas.openxmlformats.org/presentationml/2006/ole">
             <mc:AlternateContent xmlns:mc="http://schemas.openxmlformats.org/markup-compatibility/2006">
               <mc:Choice xmlns:v="urn:schemas-microsoft-com:vml" Requires="v">
-                <p:oleObj spid="_x0000_s2125" name="Equation" r:id="rId10" imgW="876240" imgH="228600" progId="Equation.DSMT4">
+                <p:oleObj spid="_x0000_s2157" name="Equation" r:id="rId10" imgW="876240" imgH="228600" progId="Equation.DSMT4">
                   <p:embed/>
                 </p:oleObj>
               </mc:Choice>
@@ -11828,7 +12725,7 @@
           <a:p>
             <a:r>
               <a:rPr lang="zh-CN" altLang="en-US" dirty="0"/>
-              <a:t>一阶正反馈重要参数</a:t>
+              <a:t>一阶系统时间常数</a:t>
             </a:r>
           </a:p>
         </p:txBody>
@@ -11843,7 +12740,12 @@
             <p:ph idx="1"/>
           </p:nvPr>
         </p:nvSpPr>
-        <p:spPr/>
+        <p:spPr>
+          <a:xfrm>
+            <a:off x="1413892" y="1600200"/>
+            <a:ext cx="9782801" cy="4572000"/>
+          </a:xfrm>
+        </p:spPr>
         <p:txBody>
           <a:bodyPr/>
           <a:lstStyle/>
@@ -11868,10 +12770,26 @@
             <a:endParaRPr lang="en-US" altLang="zh-CN" dirty="0"/>
           </a:p>
           <a:p>
+            <a:pPr marL="0" indent="0">
+              <a:lnSpc>
+                <a:spcPct val="50000"/>
+              </a:lnSpc>
+              <a:spcBef>
+                <a:spcPts val="0"/>
+              </a:spcBef>
+              <a:buNone/>
+            </a:pPr>
             <a:endParaRPr lang="en-US" altLang="zh-CN" dirty="0"/>
           </a:p>
           <a:p>
-            <a:endParaRPr lang="zh-CN" altLang="en-US" dirty="0"/>
+            <a:r>
+              <a:rPr lang="en-US" altLang="zh-CN" dirty="0"/>
+              <a:t>T</a:t>
+            </a:r>
+            <a:r>
+              <a:rPr lang="zh-CN" altLang="en-US" dirty="0"/>
+              <a:t>时间中存量增长多少？</a:t>
+            </a:r>
           </a:p>
         </p:txBody>
       </p:sp>
@@ -11908,20 +12826,20 @@
           <p:nvPr>
             <p:extLst>
               <p:ext uri="{D42A27DB-BD31-4B8C-83A1-F6EECF244321}">
-                <p14:modId xmlns:p14="http://schemas.microsoft.com/office/powerpoint/2010/main" val="1974980190"/>
+                <p14:modId xmlns:p14="http://schemas.microsoft.com/office/powerpoint/2010/main" val="3954047605"/>
               </p:ext>
             </p:extLst>
           </p:nvPr>
         </p:nvGraphicFramePr>
         <p:xfrm>
-          <a:off x="2280370" y="2044913"/>
+          <a:off x="1989956" y="2088084"/>
           <a:ext cx="1560512" cy="404812"/>
         </p:xfrm>
         <a:graphic>
           <a:graphicData uri="http://schemas.openxmlformats.org/presentationml/2006/ole">
             <mc:AlternateContent xmlns:mc="http://schemas.openxmlformats.org/markup-compatibility/2006">
               <mc:Choice xmlns:v="urn:schemas-microsoft-com:vml" Requires="v">
-                <p:oleObj spid="_x0000_s5193" name="Equation" r:id="rId4" imgW="876240" imgH="228600" progId="Equation.DSMT4">
+                <p:oleObj spid="_x0000_s5256" name="Equation" r:id="rId4" imgW="876240" imgH="228600" progId="Equation.DSMT4">
                   <p:embed/>
                 </p:oleObj>
               </mc:Choice>
@@ -11942,7 +12860,7 @@
                     </p:blipFill>
                     <p:spPr>
                       <a:xfrm>
-                        <a:off x="2280370" y="2044913"/>
+                        <a:off x="1989956" y="2088084"/>
                         <a:ext cx="1560512" cy="404812"/>
                       </a:xfrm>
                       <a:prstGeom prst="rect">
@@ -11965,20 +12883,20 @@
           <p:nvPr>
             <p:extLst>
               <p:ext uri="{D42A27DB-BD31-4B8C-83A1-F6EECF244321}">
-                <p14:modId xmlns:p14="http://schemas.microsoft.com/office/powerpoint/2010/main" val="2365350617"/>
+                <p14:modId xmlns:p14="http://schemas.microsoft.com/office/powerpoint/2010/main" val="1265534230"/>
               </p:ext>
             </p:extLst>
           </p:nvPr>
         </p:nvGraphicFramePr>
         <p:xfrm>
-          <a:off x="2280370" y="3212976"/>
+          <a:off x="2061964" y="3140968"/>
           <a:ext cx="871190" cy="871190"/>
         </p:xfrm>
         <a:graphic>
           <a:graphicData uri="http://schemas.openxmlformats.org/presentationml/2006/ole">
             <mc:AlternateContent xmlns:mc="http://schemas.openxmlformats.org/markup-compatibility/2006">
               <mc:Choice xmlns:v="urn:schemas-microsoft-com:vml" Requires="v">
-                <p:oleObj spid="_x0000_s5194" name="Equation" r:id="rId6" imgW="393480" imgH="393480" progId="Equation.DSMT4">
+                <p:oleObj spid="_x0000_s5257" name="Equation" r:id="rId6" imgW="393480" imgH="393480" progId="Equation.DSMT4">
                   <p:embed/>
                 </p:oleObj>
               </mc:Choice>
@@ -11999,7 +12917,7 @@
                     </p:blipFill>
                     <p:spPr>
                       <a:xfrm>
-                        <a:off x="2280370" y="3212976"/>
+                        <a:off x="2061964" y="3140968"/>
                         <a:ext cx="871190" cy="871190"/>
                       </a:xfrm>
                       <a:prstGeom prst="rect">
@@ -12013,156 +12931,177 @@
           </a:graphicData>
         </a:graphic>
       </p:graphicFrame>
-      <p:sp>
-        <p:nvSpPr>
-          <p:cNvPr id="10" name="矩形 9"/>
-          <p:cNvSpPr/>
+      <p:grpSp>
+        <p:nvGrpSpPr>
+          <p:cNvPr id="17" name="组合 16">
+            <a:extLst>
+              <a:ext uri="{FF2B5EF4-FFF2-40B4-BE49-F238E27FC236}">
+                <a16:creationId xmlns:a16="http://schemas.microsoft.com/office/drawing/2014/main" id="{B6C4C3B3-49C9-9045-85CB-983AF264EA52}"/>
+              </a:ext>
+            </a:extLst>
+          </p:cNvPr>
+          <p:cNvGrpSpPr/>
           <p:nvPr/>
-        </p:nvSpPr>
-        <p:spPr>
+        </p:nvGrpSpPr>
+        <p:grpSpPr>
           <a:xfrm>
-            <a:off x="5086300" y="3005819"/>
+            <a:off x="5874882" y="3101107"/>
             <a:ext cx="5760640" cy="2156693"/>
+            <a:chOff x="5086300" y="3005819"/>
+            <a:chExt cx="5760640" cy="2156693"/>
           </a:xfrm>
-          <a:prstGeom prst="rect">
-            <a:avLst/>
-          </a:prstGeom>
-        </p:spPr>
-        <p:style>
-          <a:lnRef idx="2">
-            <a:schemeClr val="accent1">
-              <a:shade val="50000"/>
-            </a:schemeClr>
-          </a:lnRef>
-          <a:fillRef idx="1">
-            <a:schemeClr val="accent1"/>
-          </a:fillRef>
-          <a:effectRef idx="0">
-            <a:schemeClr val="accent1"/>
-          </a:effectRef>
-          <a:fontRef idx="minor">
-            <a:schemeClr val="lt1"/>
-          </a:fontRef>
-        </p:style>
-        <p:txBody>
-          <a:bodyPr rtlCol="0" anchor="t" anchorCtr="0"/>
-          <a:lstStyle/>
-          <a:p>
-            <a:r>
-              <a:rPr lang="zh-CN" altLang="en-US" dirty="0"/>
-              <a:t>令</a:t>
-            </a:r>
-            <a:r>
-              <a:rPr lang="en-US" altLang="zh-CN" dirty="0"/>
-              <a:t>t=T</a:t>
-            </a:r>
-            <a:r>
-              <a:rPr lang="zh-CN" altLang="en-US" dirty="0"/>
-              <a:t>，代入系统状态式中</a:t>
-            </a:r>
-            <a:endParaRPr lang="en-US" altLang="zh-CN" dirty="0"/>
-          </a:p>
-          <a:p>
-            <a:endParaRPr lang="en-US" altLang="zh-CN" dirty="0"/>
-          </a:p>
-          <a:p>
-            <a:endParaRPr lang="en-US" altLang="zh-CN" dirty="0"/>
-          </a:p>
-          <a:p>
-            <a:r>
-              <a:rPr lang="zh-CN" altLang="en-US" dirty="0"/>
-              <a:t>即每过一个</a:t>
-            </a:r>
-            <a:r>
-              <a:rPr lang="en-US" altLang="zh-CN" dirty="0"/>
-              <a:t>T</a:t>
-            </a:r>
-            <a:r>
-              <a:rPr lang="zh-CN" altLang="en-US" dirty="0"/>
-              <a:t>的时间长度，系统增长初始值的约</a:t>
-            </a:r>
-            <a:r>
-              <a:rPr lang="en-US" altLang="zh-CN" dirty="0"/>
-              <a:t>2.73</a:t>
-            </a:r>
-            <a:r>
-              <a:rPr lang="zh-CN" altLang="en-US" dirty="0"/>
-              <a:t>倍</a:t>
-            </a:r>
-            <a:endParaRPr lang="en-US" altLang="zh-CN" dirty="0"/>
-          </a:p>
-          <a:p>
-            <a:r>
-              <a:rPr lang="zh-CN" altLang="en-US" dirty="0"/>
-              <a:t>时间常数越大，系统状态增长越缓</a:t>
-            </a:r>
-            <a:endParaRPr lang="en-US" altLang="zh-CN" dirty="0"/>
-          </a:p>
-          <a:p>
-            <a:r>
-              <a:rPr lang="zh-CN" altLang="en-US" dirty="0"/>
-              <a:t>时间常数越小，系统状态增长越陡</a:t>
-            </a:r>
-          </a:p>
-        </p:txBody>
-      </p:sp>
-      <p:graphicFrame>
-        <p:nvGraphicFramePr>
-          <p:cNvPr id="11" name="对象 10"/>
-          <p:cNvGraphicFramePr>
-            <a:graphicFrameLocks noChangeAspect="1"/>
-          </p:cNvGraphicFramePr>
-          <p:nvPr>
-            <p:extLst>
-              <p:ext uri="{D42A27DB-BD31-4B8C-83A1-F6EECF244321}">
-                <p14:modId xmlns:p14="http://schemas.microsoft.com/office/powerpoint/2010/main" val="4036900225"/>
-              </p:ext>
-            </p:extLst>
-          </p:nvPr>
-        </p:nvGraphicFramePr>
-        <p:xfrm>
-          <a:off x="5302324" y="3447752"/>
-          <a:ext cx="4106863" cy="401638"/>
-        </p:xfrm>
-        <a:graphic>
-          <a:graphicData uri="http://schemas.openxmlformats.org/presentationml/2006/ole">
-            <mc:AlternateContent xmlns:mc="http://schemas.openxmlformats.org/markup-compatibility/2006">
-              <mc:Choice xmlns:v="urn:schemas-microsoft-com:vml" Requires="v">
-                <p:oleObj spid="_x0000_s5195" name="Equation" r:id="rId8" imgW="2336760" imgH="228600" progId="Equation.DSMT4">
-                  <p:embed/>
-                </p:oleObj>
-              </mc:Choice>
-              <mc:Fallback>
-                <p:oleObj name="Equation" r:id="rId8" imgW="2336760" imgH="228600" progId="Equation.DSMT4">
-                  <p:embed/>
-                  <p:pic>
-                    <p:nvPicPr>
-                      <p:cNvPr id="0" name=""/>
-                      <p:cNvPicPr/>
-                      <p:nvPr/>
-                    </p:nvPicPr>
-                    <p:blipFill>
-                      <a:blip r:embed="rId9"/>
-                      <a:stretch>
-                        <a:fillRect/>
-                      </a:stretch>
-                    </p:blipFill>
-                    <p:spPr>
-                      <a:xfrm>
-                        <a:off x="5302324" y="3447752"/>
-                        <a:ext cx="4106863" cy="401638"/>
-                      </a:xfrm>
-                      <a:prstGeom prst="rect">
-                        <a:avLst/>
-                      </a:prstGeom>
-                    </p:spPr>
-                  </p:pic>
-                </p:oleObj>
-              </mc:Fallback>
-            </mc:AlternateContent>
-          </a:graphicData>
-        </a:graphic>
-      </p:graphicFrame>
+        </p:grpSpPr>
+        <p:sp>
+          <p:nvSpPr>
+            <p:cNvPr id="10" name="矩形 9"/>
+            <p:cNvSpPr/>
+            <p:nvPr/>
+          </p:nvSpPr>
+          <p:spPr>
+            <a:xfrm>
+              <a:off x="5086300" y="3005819"/>
+              <a:ext cx="5760640" cy="2156693"/>
+            </a:xfrm>
+            <a:prstGeom prst="rect">
+              <a:avLst/>
+            </a:prstGeom>
+          </p:spPr>
+          <p:style>
+            <a:lnRef idx="2">
+              <a:schemeClr val="accent1">
+                <a:shade val="50000"/>
+              </a:schemeClr>
+            </a:lnRef>
+            <a:fillRef idx="1">
+              <a:schemeClr val="accent1"/>
+            </a:fillRef>
+            <a:effectRef idx="0">
+              <a:schemeClr val="accent1"/>
+            </a:effectRef>
+            <a:fontRef idx="minor">
+              <a:schemeClr val="lt1"/>
+            </a:fontRef>
+          </p:style>
+          <p:txBody>
+            <a:bodyPr rtlCol="0" anchor="t" anchorCtr="0"/>
+            <a:lstStyle/>
+            <a:p>
+              <a:r>
+                <a:rPr lang="zh-CN" altLang="en-US" dirty="0"/>
+                <a:t>令</a:t>
+              </a:r>
+              <a:r>
+                <a:rPr lang="en-US" altLang="zh-CN" dirty="0"/>
+                <a:t>t=T</a:t>
+              </a:r>
+              <a:r>
+                <a:rPr lang="zh-CN" altLang="en-US" dirty="0"/>
+                <a:t>，代入系统状态式中</a:t>
+              </a:r>
+              <a:endParaRPr lang="en-US" altLang="zh-CN" dirty="0"/>
+            </a:p>
+            <a:p>
+              <a:endParaRPr lang="en-US" altLang="zh-CN" dirty="0"/>
+            </a:p>
+            <a:p>
+              <a:endParaRPr lang="en-US" altLang="zh-CN" dirty="0"/>
+            </a:p>
+            <a:p>
+              <a:r>
+                <a:rPr lang="zh-CN" altLang="en-US" dirty="0"/>
+                <a:t>即每过一个</a:t>
+              </a:r>
+              <a:r>
+                <a:rPr lang="en-US" altLang="zh-CN" dirty="0"/>
+                <a:t>T</a:t>
+              </a:r>
+              <a:r>
+                <a:rPr lang="zh-CN" altLang="en-US" dirty="0"/>
+                <a:t>的时间长度，系统增长初始值的约</a:t>
+              </a:r>
+              <a:r>
+                <a:rPr lang="en-US" altLang="zh-CN" dirty="0"/>
+                <a:t>2.73</a:t>
+              </a:r>
+              <a:r>
+                <a:rPr lang="zh-CN" altLang="en-US" dirty="0"/>
+                <a:t>倍</a:t>
+              </a:r>
+              <a:endParaRPr lang="en-US" altLang="zh-CN" dirty="0"/>
+            </a:p>
+            <a:p>
+              <a:r>
+                <a:rPr lang="zh-CN" altLang="en-US" dirty="0"/>
+                <a:t>时间常数越大，系统状态增长越缓</a:t>
+              </a:r>
+              <a:endParaRPr lang="en-US" altLang="zh-CN" dirty="0"/>
+            </a:p>
+            <a:p>
+              <a:r>
+                <a:rPr lang="zh-CN" altLang="en-US" dirty="0"/>
+                <a:t>时间常数越小，系统状态增长越陡</a:t>
+              </a:r>
+            </a:p>
+          </p:txBody>
+        </p:sp>
+        <p:graphicFrame>
+          <p:nvGraphicFramePr>
+            <p:cNvPr id="11" name="对象 10"/>
+            <p:cNvGraphicFramePr>
+              <a:graphicFrameLocks noChangeAspect="1"/>
+            </p:cNvGraphicFramePr>
+            <p:nvPr>
+              <p:extLst>
+                <p:ext uri="{D42A27DB-BD31-4B8C-83A1-F6EECF244321}">
+                  <p14:modId xmlns:p14="http://schemas.microsoft.com/office/powerpoint/2010/main" val="610420002"/>
+                </p:ext>
+              </p:extLst>
+            </p:nvPr>
+          </p:nvGraphicFramePr>
+          <p:xfrm>
+            <a:off x="5302324" y="3447752"/>
+            <a:ext cx="4106863" cy="401638"/>
+          </p:xfrm>
+          <a:graphic>
+            <a:graphicData uri="http://schemas.openxmlformats.org/presentationml/2006/ole">
+              <mc:AlternateContent xmlns:mc="http://schemas.openxmlformats.org/markup-compatibility/2006">
+                <mc:Choice xmlns:v="urn:schemas-microsoft-com:vml" Requires="v">
+                  <p:oleObj spid="_x0000_s5258" name="Equation" r:id="rId8" imgW="2336760" imgH="228600" progId="Equation.DSMT4">
+                    <p:embed/>
+                  </p:oleObj>
+                </mc:Choice>
+                <mc:Fallback>
+                  <p:oleObj name="Equation" r:id="rId8" imgW="2336760" imgH="228600" progId="Equation.DSMT4">
+                    <p:embed/>
+                    <p:pic>
+                      <p:nvPicPr>
+                        <p:cNvPr id="0" name=""/>
+                        <p:cNvPicPr/>
+                        <p:nvPr/>
+                      </p:nvPicPr>
+                      <p:blipFill>
+                        <a:blip r:embed="rId9"/>
+                        <a:stretch>
+                          <a:fillRect/>
+                        </a:stretch>
+                      </p:blipFill>
+                      <p:spPr>
+                        <a:xfrm>
+                          <a:off x="5302324" y="3447752"/>
+                          <a:ext cx="4106863" cy="401638"/>
+                        </a:xfrm>
+                        <a:prstGeom prst="rect">
+                          <a:avLst/>
+                        </a:prstGeom>
+                      </p:spPr>
+                    </p:pic>
+                  </p:oleObj>
+                </mc:Fallback>
+              </mc:AlternateContent>
+            </a:graphicData>
+          </a:graphic>
+        </p:graphicFrame>
+      </p:grpSp>
       <p:graphicFrame>
         <p:nvGraphicFramePr>
           <p:cNvPr id="12" name="表格 11"/>
@@ -12172,13 +13111,13 @@
           <p:nvPr>
             <p:extLst>
               <p:ext uri="{D42A27DB-BD31-4B8C-83A1-F6EECF244321}">
-                <p14:modId xmlns:p14="http://schemas.microsoft.com/office/powerpoint/2010/main" val="950917725"/>
+                <p14:modId xmlns:p14="http://schemas.microsoft.com/office/powerpoint/2010/main" val="72919367"/>
               </p:ext>
             </p:extLst>
           </p:nvPr>
         </p:nvGraphicFramePr>
         <p:xfrm>
-          <a:off x="1286147" y="4847417"/>
+          <a:off x="1873538" y="4793166"/>
           <a:ext cx="2720034" cy="1483360"/>
         </p:xfrm>
         <a:graphic>
@@ -12209,6 +13148,13 @@
                     <a:bodyPr/>
                     <a:lstStyle/>
                     <a:p>
+                      <a:r>
+                        <a:rPr lang="zh-CN" altLang="en-US" dirty="0">
+                          <a:latin typeface="Times New Roman" panose="02020603050405020304" pitchFamily="18" charset="0"/>
+                          <a:cs typeface="Times New Roman" panose="02020603050405020304" pitchFamily="18" charset="0"/>
+                        </a:rPr>
+                        <a:t>  </a:t>
+                      </a:r>
                       <a:r>
                         <a:rPr lang="en-US" altLang="zh-CN" dirty="0">
                           <a:latin typeface="Times New Roman" panose="02020603050405020304" pitchFamily="18" charset="0"/>
@@ -12399,7 +13345,7 @@
         </p:nvSpPr>
         <p:spPr>
           <a:xfrm>
-            <a:off x="3253491" y="6039682"/>
+            <a:off x="3840882" y="5877272"/>
             <a:ext cx="5158785" cy="369332"/>
           </a:xfrm>
           <a:prstGeom prst="rect">
@@ -12445,20 +13391,20 @@
           <p:nvPr>
             <p:extLst>
               <p:ext uri="{D42A27DB-BD31-4B8C-83A1-F6EECF244321}">
-                <p14:modId xmlns:p14="http://schemas.microsoft.com/office/powerpoint/2010/main" val="2330531552"/>
+                <p14:modId xmlns:p14="http://schemas.microsoft.com/office/powerpoint/2010/main" val="4246774998"/>
               </p:ext>
             </p:extLst>
           </p:nvPr>
         </p:nvGraphicFramePr>
         <p:xfrm>
-          <a:off x="2142889" y="4906760"/>
+          <a:off x="2782044" y="4852509"/>
           <a:ext cx="665088" cy="295595"/>
         </p:xfrm>
         <a:graphic>
           <a:graphicData uri="http://schemas.openxmlformats.org/presentationml/2006/ole">
             <mc:AlternateContent xmlns:mc="http://schemas.openxmlformats.org/markup-compatibility/2006">
               <mc:Choice xmlns:v="urn:schemas-microsoft-com:vml" Requires="v">
-                <p:oleObj spid="_x0000_s5196" name="Equation" r:id="rId10" imgW="457200" imgH="203040" progId="Equation.DSMT4">
+                <p:oleObj spid="_x0000_s5259" name="Equation" r:id="rId10" imgW="457200" imgH="203040" progId="Equation.DSMT4">
                   <p:embed/>
                 </p:oleObj>
               </mc:Choice>
@@ -12479,7 +13425,7 @@
                     </p:blipFill>
                     <p:spPr>
                       <a:xfrm>
-                        <a:off x="2142889" y="4906760"/>
+                        <a:off x="2782044" y="4852509"/>
                         <a:ext cx="665088" cy="295595"/>
                       </a:xfrm>
                       <a:prstGeom prst="rect">
@@ -12502,20 +13448,20 @@
           <p:nvPr>
             <p:extLst>
               <p:ext uri="{D42A27DB-BD31-4B8C-83A1-F6EECF244321}">
-                <p14:modId xmlns:p14="http://schemas.microsoft.com/office/powerpoint/2010/main" val="3154446266"/>
+                <p14:modId xmlns:p14="http://schemas.microsoft.com/office/powerpoint/2010/main" val="1194274121"/>
               </p:ext>
             </p:extLst>
           </p:nvPr>
         </p:nvGraphicFramePr>
         <p:xfrm>
-          <a:off x="2142889" y="5261698"/>
+          <a:off x="2710036" y="5207447"/>
           <a:ext cx="757238" cy="331787"/>
         </p:xfrm>
         <a:graphic>
           <a:graphicData uri="http://schemas.openxmlformats.org/presentationml/2006/ole">
             <mc:AlternateContent xmlns:mc="http://schemas.openxmlformats.org/markup-compatibility/2006">
               <mc:Choice xmlns:v="urn:schemas-microsoft-com:vml" Requires="v">
-                <p:oleObj spid="_x0000_s5197" name="Equation" r:id="rId12" imgW="520560" imgH="228600" progId="Equation.DSMT4">
+                <p:oleObj spid="_x0000_s5260" name="Equation" r:id="rId12" imgW="520560" imgH="228600" progId="Equation.DSMT4">
                   <p:embed/>
                 </p:oleObj>
               </mc:Choice>
@@ -12536,7 +13482,7 @@
                     </p:blipFill>
                     <p:spPr>
                       <a:xfrm>
-                        <a:off x="2142889" y="5261698"/>
+                        <a:off x="2710036" y="5207447"/>
                         <a:ext cx="757238" cy="331787"/>
                       </a:xfrm>
                       <a:prstGeom prst="rect">
@@ -12559,20 +13505,20 @@
           <p:nvPr>
             <p:extLst>
               <p:ext uri="{D42A27DB-BD31-4B8C-83A1-F6EECF244321}">
-                <p14:modId xmlns:p14="http://schemas.microsoft.com/office/powerpoint/2010/main" val="2665685727"/>
+                <p14:modId xmlns:p14="http://schemas.microsoft.com/office/powerpoint/2010/main" val="1653221265"/>
               </p:ext>
             </p:extLst>
           </p:nvPr>
         </p:nvGraphicFramePr>
         <p:xfrm>
-          <a:off x="2188964" y="5613915"/>
+          <a:off x="2710036" y="5559664"/>
           <a:ext cx="757238" cy="331787"/>
         </p:xfrm>
         <a:graphic>
           <a:graphicData uri="http://schemas.openxmlformats.org/presentationml/2006/ole">
             <mc:AlternateContent xmlns:mc="http://schemas.openxmlformats.org/markup-compatibility/2006">
               <mc:Choice xmlns:v="urn:schemas-microsoft-com:vml" Requires="v">
-                <p:oleObj spid="_x0000_s5198" name="Equation" r:id="rId14" imgW="520560" imgH="228600" progId="Equation.DSMT4">
+                <p:oleObj spid="_x0000_s5261" name="Equation" r:id="rId14" imgW="520560" imgH="228600" progId="Equation.DSMT4">
                   <p:embed/>
                 </p:oleObj>
               </mc:Choice>
@@ -12593,7 +13539,7 @@
                     </p:blipFill>
                     <p:spPr>
                       <a:xfrm>
-                        <a:off x="2188964" y="5613915"/>
+                        <a:off x="2710036" y="5559664"/>
                         <a:ext cx="757238" cy="331787"/>
                       </a:xfrm>
                       <a:prstGeom prst="rect">
@@ -12616,20 +13562,20 @@
           <p:nvPr>
             <p:extLst>
               <p:ext uri="{D42A27DB-BD31-4B8C-83A1-F6EECF244321}">
-                <p14:modId xmlns:p14="http://schemas.microsoft.com/office/powerpoint/2010/main" val="480266107"/>
+                <p14:modId xmlns:p14="http://schemas.microsoft.com/office/powerpoint/2010/main" val="891606251"/>
               </p:ext>
             </p:extLst>
           </p:nvPr>
         </p:nvGraphicFramePr>
         <p:xfrm>
-          <a:off x="2188964" y="5948026"/>
+          <a:off x="2710036" y="5893775"/>
           <a:ext cx="757238" cy="331787"/>
         </p:xfrm>
         <a:graphic>
           <a:graphicData uri="http://schemas.openxmlformats.org/presentationml/2006/ole">
             <mc:AlternateContent xmlns:mc="http://schemas.openxmlformats.org/markup-compatibility/2006">
               <mc:Choice xmlns:v="urn:schemas-microsoft-com:vml" Requires="v">
-                <p:oleObj spid="_x0000_s5199" name="Equation" r:id="rId16" imgW="520560" imgH="228600" progId="Equation.DSMT4">
+                <p:oleObj spid="_x0000_s5262" name="Equation" r:id="rId16" imgW="520560" imgH="228600" progId="Equation.DSMT4">
                   <p:embed/>
                 </p:oleObj>
               </mc:Choice>
@@ -12650,7 +13596,7 @@
                     </p:blipFill>
                     <p:spPr>
                       <a:xfrm>
-                        <a:off x="2188964" y="5948026"/>
+                        <a:off x="2710036" y="5893775"/>
                         <a:ext cx="757238" cy="331787"/>
                       </a:xfrm>
                       <a:prstGeom prst="rect">
@@ -12723,7 +13669,7 @@
           <a:p>
             <a:r>
               <a:rPr lang="zh-CN" altLang="en-US" dirty="0"/>
-              <a:t>一阶正反馈重要参数</a:t>
+              <a:t>系统状态翻倍时间</a:t>
             </a:r>
           </a:p>
         </p:txBody>
@@ -12859,32 +13805,32 @@
       </p:sp>
       <p:graphicFrame>
         <p:nvGraphicFramePr>
-          <p:cNvPr id="4" name="对象 3"/>
+          <p:cNvPr id="5" name="对象 4"/>
           <p:cNvGraphicFramePr>
             <a:graphicFrameLocks noChangeAspect="1"/>
           </p:cNvGraphicFramePr>
           <p:nvPr>
             <p:extLst>
               <p:ext uri="{D42A27DB-BD31-4B8C-83A1-F6EECF244321}">
-                <p14:modId xmlns:p14="http://schemas.microsoft.com/office/powerpoint/2010/main" val="2401427559"/>
+                <p14:modId xmlns:p14="http://schemas.microsoft.com/office/powerpoint/2010/main" val="1423131750"/>
               </p:ext>
             </p:extLst>
           </p:nvPr>
         </p:nvGraphicFramePr>
         <p:xfrm>
-          <a:off x="2277988" y="2996952"/>
-          <a:ext cx="1320147" cy="432048"/>
+          <a:off x="2277988" y="3068960"/>
+          <a:ext cx="2127784" cy="1237084"/>
         </p:xfrm>
         <a:graphic>
           <a:graphicData uri="http://schemas.openxmlformats.org/presentationml/2006/ole">
             <mc:AlternateContent xmlns:mc="http://schemas.openxmlformats.org/markup-compatibility/2006">
               <mc:Choice xmlns:v="urn:schemas-microsoft-com:vml" Requires="v">
-                <p:oleObj spid="_x0000_s6178" name="Equation" r:id="rId3" imgW="698400" imgH="228600" progId="Equation.DSMT4">
+                <p:oleObj spid="_x0000_s6189" name="Equation" r:id="rId3" imgW="1091880" imgH="634680" progId="Equation.DSMT4">
                   <p:embed/>
                 </p:oleObj>
               </mc:Choice>
               <mc:Fallback>
-                <p:oleObj name="Equation" r:id="rId3" imgW="698400" imgH="228600" progId="Equation.DSMT4">
+                <p:oleObj name="Equation" r:id="rId3" imgW="1091880" imgH="634680" progId="Equation.DSMT4">
                   <p:embed/>
                   <p:pic>
                     <p:nvPicPr>
@@ -12900,64 +13846,7 @@
                     </p:blipFill>
                     <p:spPr>
                       <a:xfrm>
-                        <a:off x="2277988" y="2996952"/>
-                        <a:ext cx="1320147" cy="432048"/>
-                      </a:xfrm>
-                      <a:prstGeom prst="rect">
-                        <a:avLst/>
-                      </a:prstGeom>
-                    </p:spPr>
-                  </p:pic>
-                </p:oleObj>
-              </mc:Fallback>
-            </mc:AlternateContent>
-          </a:graphicData>
-        </a:graphic>
-      </p:graphicFrame>
-      <p:graphicFrame>
-        <p:nvGraphicFramePr>
-          <p:cNvPr id="5" name="对象 4"/>
-          <p:cNvGraphicFramePr>
-            <a:graphicFrameLocks noChangeAspect="1"/>
-          </p:cNvGraphicFramePr>
-          <p:nvPr>
-            <p:extLst>
-              <p:ext uri="{D42A27DB-BD31-4B8C-83A1-F6EECF244321}">
-                <p14:modId xmlns:p14="http://schemas.microsoft.com/office/powerpoint/2010/main" val="901080997"/>
-              </p:ext>
-            </p:extLst>
-          </p:nvPr>
-        </p:nvGraphicFramePr>
-        <p:xfrm>
-          <a:off x="2243286" y="3611563"/>
-          <a:ext cx="2127784" cy="1237084"/>
-        </p:xfrm>
-        <a:graphic>
-          <a:graphicData uri="http://schemas.openxmlformats.org/presentationml/2006/ole">
-            <mc:AlternateContent xmlns:mc="http://schemas.openxmlformats.org/markup-compatibility/2006">
-              <mc:Choice xmlns:v="urn:schemas-microsoft-com:vml" Requires="v">
-                <p:oleObj spid="_x0000_s6179" name="Equation" r:id="rId5" imgW="1091880" imgH="634680" progId="Equation.DSMT4">
-                  <p:embed/>
-                </p:oleObj>
-              </mc:Choice>
-              <mc:Fallback>
-                <p:oleObj name="Equation" r:id="rId5" imgW="1091880" imgH="634680" progId="Equation.DSMT4">
-                  <p:embed/>
-                  <p:pic>
-                    <p:nvPicPr>
-                      <p:cNvPr id="0" name=""/>
-                      <p:cNvPicPr/>
-                      <p:nvPr/>
-                    </p:nvPicPr>
-                    <p:blipFill>
-                      <a:blip r:embed="rId6"/>
-                      <a:stretch>
-                        <a:fillRect/>
-                      </a:stretch>
-                    </p:blipFill>
-                    <p:spPr>
-                      <a:xfrm>
-                        <a:off x="2243286" y="3611563"/>
+                        <a:off x="2277988" y="3068960"/>
                         <a:ext cx="2127784" cy="1237084"/>
                       </a:xfrm>
                       <a:prstGeom prst="rect">
@@ -12971,264 +13860,285 @@
           </a:graphicData>
         </a:graphic>
       </p:graphicFrame>
-      <p:pic>
-        <p:nvPicPr>
-          <p:cNvPr id="6" name="图片 5"/>
-          <p:cNvPicPr>
-            <a:picLocks noChangeAspect="1"/>
-          </p:cNvPicPr>
-          <p:nvPr/>
-        </p:nvPicPr>
-        <p:blipFill>
-          <a:blip r:embed="rId7">
+      <p:grpSp>
+        <p:nvGrpSpPr>
+          <p:cNvPr id="10" name="组合 9">
             <a:extLst>
-              <a:ext uri="{28A0092B-C50C-407E-A947-70E740481C1C}">
-                <a14:useLocalDpi xmlns:a14="http://schemas.microsoft.com/office/drawing/2010/main" val="0"/>
+              <a:ext uri="{FF2B5EF4-FFF2-40B4-BE49-F238E27FC236}">
+                <a16:creationId xmlns:a16="http://schemas.microsoft.com/office/drawing/2014/main" id="{5C4BE6DD-477E-A444-BD65-1018E4E5758F}"/>
               </a:ext>
             </a:extLst>
-          </a:blip>
-          <a:stretch>
-            <a:fillRect/>
-          </a:stretch>
-        </p:blipFill>
-        <p:spPr>
+          </p:cNvPr>
+          <p:cNvGrpSpPr/>
+          <p:nvPr/>
+        </p:nvGrpSpPr>
+        <p:grpSpPr>
           <a:xfrm>
             <a:off x="6040537" y="3418706"/>
             <a:ext cx="5985550" cy="3175249"/>
+            <a:chOff x="6040537" y="3418706"/>
+            <a:chExt cx="5985550" cy="3175249"/>
           </a:xfrm>
-          <a:prstGeom prst="rect">
-            <a:avLst/>
-          </a:prstGeom>
-        </p:spPr>
-      </p:pic>
-      <p:sp>
-        <p:nvSpPr>
-          <p:cNvPr id="7" name="文本框 6"/>
-          <p:cNvSpPr txBox="1"/>
-          <p:nvPr/>
-        </p:nvSpPr>
-        <p:spPr>
-          <a:xfrm>
-            <a:off x="6320368" y="5829080"/>
-            <a:ext cx="328936" cy="369332"/>
-          </a:xfrm>
-          <a:prstGeom prst="rect">
-            <a:avLst/>
-          </a:prstGeom>
-          <a:noFill/>
-        </p:spPr>
-        <p:txBody>
-          <a:bodyPr wrap="none" rtlCol="0">
-            <a:spAutoFit/>
-          </a:bodyPr>
-          <a:lstStyle/>
-          <a:p>
-            <a:r>
-              <a:rPr lang="en-US" altLang="zh-CN" dirty="0"/>
-              <a:t>A</a:t>
-            </a:r>
-            <a:endParaRPr lang="zh-CN" altLang="en-US" dirty="0"/>
-          </a:p>
-        </p:txBody>
-      </p:sp>
-      <p:sp>
-        <p:nvSpPr>
-          <p:cNvPr id="8" name="文本框 7"/>
-          <p:cNvSpPr txBox="1"/>
-          <p:nvPr/>
-        </p:nvSpPr>
-        <p:spPr>
-          <a:xfrm>
-            <a:off x="8304516" y="5517232"/>
-            <a:ext cx="328936" cy="369332"/>
-          </a:xfrm>
-          <a:prstGeom prst="rect">
-            <a:avLst/>
-          </a:prstGeom>
-          <a:noFill/>
-        </p:spPr>
-        <p:txBody>
-          <a:bodyPr wrap="none" rtlCol="0">
-            <a:spAutoFit/>
-          </a:bodyPr>
-          <a:lstStyle/>
-          <a:p>
-            <a:r>
-              <a:rPr lang="en-US" altLang="zh-CN" dirty="0"/>
-              <a:t>B</a:t>
-            </a:r>
-            <a:endParaRPr lang="zh-CN" altLang="en-US" dirty="0"/>
-          </a:p>
-        </p:txBody>
-      </p:sp>
-      <p:sp>
-        <p:nvSpPr>
-          <p:cNvPr id="9" name="文本框 8"/>
-          <p:cNvSpPr txBox="1"/>
-          <p:nvPr/>
-        </p:nvSpPr>
-        <p:spPr>
-          <a:xfrm>
-            <a:off x="10558908" y="4858391"/>
-            <a:ext cx="336952" cy="369332"/>
-          </a:xfrm>
-          <a:prstGeom prst="rect">
-            <a:avLst/>
-          </a:prstGeom>
-          <a:noFill/>
-        </p:spPr>
-        <p:txBody>
-          <a:bodyPr wrap="none" rtlCol="0">
-            <a:spAutoFit/>
-          </a:bodyPr>
-          <a:lstStyle/>
-          <a:p>
-            <a:r>
-              <a:rPr lang="en-US" altLang="zh-CN" dirty="0"/>
-              <a:t>C</a:t>
-            </a:r>
-            <a:endParaRPr lang="zh-CN" altLang="en-US" dirty="0"/>
-          </a:p>
-        </p:txBody>
-      </p:sp>
-      <p:cxnSp>
-        <p:nvCxnSpPr>
-          <p:cNvPr id="11" name="直接箭头连接符 10"/>
-          <p:cNvCxnSpPr/>
-          <p:nvPr/>
-        </p:nvCxnSpPr>
-        <p:spPr>
-          <a:xfrm flipH="1">
-            <a:off x="6382444" y="6056710"/>
-            <a:ext cx="1936327" cy="252610"/>
-          </a:xfrm>
-          <a:prstGeom prst="straightConnector1">
-            <a:avLst/>
-          </a:prstGeom>
-          <a:ln>
-            <a:solidFill>
-              <a:srgbClr val="002060"/>
-            </a:solidFill>
-            <a:tailEnd type="triangle"/>
-          </a:ln>
-        </p:spPr>
-        <p:style>
-          <a:lnRef idx="1">
-            <a:schemeClr val="accent1"/>
-          </a:lnRef>
-          <a:fillRef idx="0">
-            <a:schemeClr val="accent1"/>
-          </a:fillRef>
-          <a:effectRef idx="0">
-            <a:schemeClr val="accent1"/>
-          </a:effectRef>
-          <a:fontRef idx="minor">
-            <a:schemeClr val="tx1"/>
-          </a:fontRef>
-        </p:style>
-      </p:cxnSp>
-      <p:sp>
-        <p:nvSpPr>
-          <p:cNvPr id="12" name="文本框 11"/>
-          <p:cNvSpPr txBox="1"/>
-          <p:nvPr/>
-        </p:nvSpPr>
-        <p:spPr>
-          <a:xfrm>
-            <a:off x="7146617" y="5703428"/>
-            <a:ext cx="492443" cy="276999"/>
-          </a:xfrm>
-          <a:prstGeom prst="rect">
-            <a:avLst/>
-          </a:prstGeom>
-          <a:noFill/>
-        </p:spPr>
-        <p:txBody>
-          <a:bodyPr wrap="none" rtlCol="0">
-            <a:spAutoFit/>
-          </a:bodyPr>
-          <a:lstStyle/>
-          <a:p>
-            <a:r>
-              <a:rPr lang="zh-CN" altLang="en-US" sz="1200" dirty="0">
-                <a:solidFill>
-                  <a:srgbClr val="7030A0"/>
-                </a:solidFill>
-              </a:rPr>
-              <a:t>翻倍</a:t>
-            </a:r>
-          </a:p>
-        </p:txBody>
-      </p:sp>
-      <p:sp>
-        <p:nvSpPr>
-          <p:cNvPr id="13" name="文本框 12"/>
-          <p:cNvSpPr txBox="1"/>
-          <p:nvPr/>
-        </p:nvSpPr>
-        <p:spPr>
-          <a:xfrm>
-            <a:off x="9349959" y="5201512"/>
-            <a:ext cx="492443" cy="276999"/>
-          </a:xfrm>
-          <a:prstGeom prst="rect">
-            <a:avLst/>
-          </a:prstGeom>
-          <a:noFill/>
-        </p:spPr>
-        <p:txBody>
-          <a:bodyPr wrap="none" rtlCol="0">
-            <a:spAutoFit/>
-          </a:bodyPr>
-          <a:lstStyle/>
-          <a:p>
-            <a:r>
-              <a:rPr lang="zh-CN" altLang="en-US" sz="1200" dirty="0">
-                <a:solidFill>
-                  <a:srgbClr val="7030A0"/>
-                </a:solidFill>
-              </a:rPr>
-              <a:t>翻倍</a:t>
-            </a:r>
-          </a:p>
-        </p:txBody>
-      </p:sp>
-      <p:cxnSp>
-        <p:nvCxnSpPr>
-          <p:cNvPr id="15" name="直接箭头连接符 14"/>
-          <p:cNvCxnSpPr/>
-          <p:nvPr/>
-        </p:nvCxnSpPr>
-        <p:spPr>
-          <a:xfrm flipH="1">
-            <a:off x="8633452" y="5227723"/>
-            <a:ext cx="2093932" cy="786023"/>
-          </a:xfrm>
-          <a:prstGeom prst="straightConnector1">
-            <a:avLst/>
-          </a:prstGeom>
-          <a:ln>
-            <a:solidFill>
-              <a:srgbClr val="002060"/>
-            </a:solidFill>
-            <a:tailEnd type="triangle"/>
-          </a:ln>
-        </p:spPr>
-        <p:style>
-          <a:lnRef idx="1">
-            <a:schemeClr val="accent1"/>
-          </a:lnRef>
-          <a:fillRef idx="0">
-            <a:schemeClr val="accent1"/>
-          </a:fillRef>
-          <a:effectRef idx="0">
-            <a:schemeClr val="accent1"/>
-          </a:effectRef>
-          <a:fontRef idx="minor">
-            <a:schemeClr val="tx1"/>
-          </a:fontRef>
-        </p:style>
-      </p:cxnSp>
+        </p:grpSpPr>
+        <p:pic>
+          <p:nvPicPr>
+            <p:cNvPr id="6" name="图片 5"/>
+            <p:cNvPicPr>
+              <a:picLocks noChangeAspect="1"/>
+            </p:cNvPicPr>
+            <p:nvPr/>
+          </p:nvPicPr>
+          <p:blipFill>
+            <a:blip r:embed="rId5">
+              <a:extLst>
+                <a:ext uri="{28A0092B-C50C-407E-A947-70E740481C1C}">
+                  <a14:useLocalDpi xmlns:a14="http://schemas.microsoft.com/office/drawing/2010/main" val="0"/>
+                </a:ext>
+              </a:extLst>
+            </a:blip>
+            <a:stretch>
+              <a:fillRect/>
+            </a:stretch>
+          </p:blipFill>
+          <p:spPr>
+            <a:xfrm>
+              <a:off x="6040537" y="3418706"/>
+              <a:ext cx="5985550" cy="3175249"/>
+            </a:xfrm>
+            <a:prstGeom prst="rect">
+              <a:avLst/>
+            </a:prstGeom>
+          </p:spPr>
+        </p:pic>
+        <p:sp>
+          <p:nvSpPr>
+            <p:cNvPr id="7" name="文本框 6"/>
+            <p:cNvSpPr txBox="1"/>
+            <p:nvPr/>
+          </p:nvSpPr>
+          <p:spPr>
+            <a:xfrm>
+              <a:off x="6320368" y="5829080"/>
+              <a:ext cx="328936" cy="369332"/>
+            </a:xfrm>
+            <a:prstGeom prst="rect">
+              <a:avLst/>
+            </a:prstGeom>
+            <a:noFill/>
+          </p:spPr>
+          <p:txBody>
+            <a:bodyPr wrap="none" rtlCol="0">
+              <a:spAutoFit/>
+            </a:bodyPr>
+            <a:lstStyle/>
+            <a:p>
+              <a:r>
+                <a:rPr lang="en-US" altLang="zh-CN" dirty="0"/>
+                <a:t>A</a:t>
+              </a:r>
+              <a:endParaRPr lang="zh-CN" altLang="en-US" dirty="0"/>
+            </a:p>
+          </p:txBody>
+        </p:sp>
+        <p:sp>
+          <p:nvSpPr>
+            <p:cNvPr id="8" name="文本框 7"/>
+            <p:cNvSpPr txBox="1"/>
+            <p:nvPr/>
+          </p:nvSpPr>
+          <p:spPr>
+            <a:xfrm>
+              <a:off x="8304516" y="5517232"/>
+              <a:ext cx="328936" cy="369332"/>
+            </a:xfrm>
+            <a:prstGeom prst="rect">
+              <a:avLst/>
+            </a:prstGeom>
+            <a:noFill/>
+          </p:spPr>
+          <p:txBody>
+            <a:bodyPr wrap="none" rtlCol="0">
+              <a:spAutoFit/>
+            </a:bodyPr>
+            <a:lstStyle/>
+            <a:p>
+              <a:r>
+                <a:rPr lang="en-US" altLang="zh-CN" dirty="0"/>
+                <a:t>B</a:t>
+              </a:r>
+              <a:endParaRPr lang="zh-CN" altLang="en-US" dirty="0"/>
+            </a:p>
+          </p:txBody>
+        </p:sp>
+        <p:sp>
+          <p:nvSpPr>
+            <p:cNvPr id="9" name="文本框 8"/>
+            <p:cNvSpPr txBox="1"/>
+            <p:nvPr/>
+          </p:nvSpPr>
+          <p:spPr>
+            <a:xfrm>
+              <a:off x="10558908" y="4858391"/>
+              <a:ext cx="336952" cy="369332"/>
+            </a:xfrm>
+            <a:prstGeom prst="rect">
+              <a:avLst/>
+            </a:prstGeom>
+            <a:noFill/>
+          </p:spPr>
+          <p:txBody>
+            <a:bodyPr wrap="none" rtlCol="0">
+              <a:spAutoFit/>
+            </a:bodyPr>
+            <a:lstStyle/>
+            <a:p>
+              <a:r>
+                <a:rPr lang="en-US" altLang="zh-CN" dirty="0"/>
+                <a:t>C</a:t>
+              </a:r>
+              <a:endParaRPr lang="zh-CN" altLang="en-US" dirty="0"/>
+            </a:p>
+          </p:txBody>
+        </p:sp>
+        <p:cxnSp>
+          <p:nvCxnSpPr>
+            <p:cNvPr id="11" name="直接箭头连接符 10"/>
+            <p:cNvCxnSpPr/>
+            <p:nvPr/>
+          </p:nvCxnSpPr>
+          <p:spPr>
+            <a:xfrm flipH="1">
+              <a:off x="6382444" y="6056710"/>
+              <a:ext cx="1936327" cy="252610"/>
+            </a:xfrm>
+            <a:prstGeom prst="straightConnector1">
+              <a:avLst/>
+            </a:prstGeom>
+            <a:ln>
+              <a:solidFill>
+                <a:srgbClr val="002060"/>
+              </a:solidFill>
+              <a:tailEnd type="triangle"/>
+            </a:ln>
+          </p:spPr>
+          <p:style>
+            <a:lnRef idx="1">
+              <a:schemeClr val="accent1"/>
+            </a:lnRef>
+            <a:fillRef idx="0">
+              <a:schemeClr val="accent1"/>
+            </a:fillRef>
+            <a:effectRef idx="0">
+              <a:schemeClr val="accent1"/>
+            </a:effectRef>
+            <a:fontRef idx="minor">
+              <a:schemeClr val="tx1"/>
+            </a:fontRef>
+          </p:style>
+        </p:cxnSp>
+        <p:sp>
+          <p:nvSpPr>
+            <p:cNvPr id="12" name="文本框 11"/>
+            <p:cNvSpPr txBox="1"/>
+            <p:nvPr/>
+          </p:nvSpPr>
+          <p:spPr>
+            <a:xfrm>
+              <a:off x="7146617" y="5703428"/>
+              <a:ext cx="492443" cy="276999"/>
+            </a:xfrm>
+            <a:prstGeom prst="rect">
+              <a:avLst/>
+            </a:prstGeom>
+            <a:noFill/>
+          </p:spPr>
+          <p:txBody>
+            <a:bodyPr wrap="none" rtlCol="0">
+              <a:spAutoFit/>
+            </a:bodyPr>
+            <a:lstStyle/>
+            <a:p>
+              <a:r>
+                <a:rPr lang="zh-CN" altLang="en-US" sz="1200" dirty="0">
+                  <a:solidFill>
+                    <a:srgbClr val="7030A0"/>
+                  </a:solidFill>
+                </a:rPr>
+                <a:t>翻倍</a:t>
+              </a:r>
+            </a:p>
+          </p:txBody>
+        </p:sp>
+        <p:sp>
+          <p:nvSpPr>
+            <p:cNvPr id="13" name="文本框 12"/>
+            <p:cNvSpPr txBox="1"/>
+            <p:nvPr/>
+          </p:nvSpPr>
+          <p:spPr>
+            <a:xfrm>
+              <a:off x="9349959" y="5201512"/>
+              <a:ext cx="492443" cy="276999"/>
+            </a:xfrm>
+            <a:prstGeom prst="rect">
+              <a:avLst/>
+            </a:prstGeom>
+            <a:noFill/>
+          </p:spPr>
+          <p:txBody>
+            <a:bodyPr wrap="none" rtlCol="0">
+              <a:spAutoFit/>
+            </a:bodyPr>
+            <a:lstStyle/>
+            <a:p>
+              <a:r>
+                <a:rPr lang="zh-CN" altLang="en-US" sz="1200" dirty="0">
+                  <a:solidFill>
+                    <a:srgbClr val="7030A0"/>
+                  </a:solidFill>
+                </a:rPr>
+                <a:t>翻倍</a:t>
+              </a:r>
+            </a:p>
+          </p:txBody>
+        </p:sp>
+        <p:cxnSp>
+          <p:nvCxnSpPr>
+            <p:cNvPr id="15" name="直接箭头连接符 14"/>
+            <p:cNvCxnSpPr/>
+            <p:nvPr/>
+          </p:nvCxnSpPr>
+          <p:spPr>
+            <a:xfrm flipH="1">
+              <a:off x="8633452" y="5227723"/>
+              <a:ext cx="2093932" cy="786023"/>
+            </a:xfrm>
+            <a:prstGeom prst="straightConnector1">
+              <a:avLst/>
+            </a:prstGeom>
+            <a:ln>
+              <a:solidFill>
+                <a:srgbClr val="002060"/>
+              </a:solidFill>
+              <a:tailEnd type="triangle"/>
+            </a:ln>
+          </p:spPr>
+          <p:style>
+            <a:lnRef idx="1">
+              <a:schemeClr val="accent1"/>
+            </a:lnRef>
+            <a:fillRef idx="0">
+              <a:schemeClr val="accent1"/>
+            </a:fillRef>
+            <a:effectRef idx="0">
+              <a:schemeClr val="accent1"/>
+            </a:effectRef>
+            <a:fontRef idx="minor">
+              <a:schemeClr val="tx1"/>
+            </a:fontRef>
+          </p:style>
+        </p:cxnSp>
+      </p:grpSp>
     </p:spTree>
     <p:extLst>
       <p:ext uri="{BB962C8B-B14F-4D97-AF65-F5344CB8AC3E}">
@@ -13298,70 +14208,6 @@
           </a:p>
         </p:txBody>
       </p:sp>
-      <p:sp>
-        <p:nvSpPr>
-          <p:cNvPr id="3" name="内容占位符 2"/>
-          <p:cNvSpPr>
-            <a:spLocks noGrp="1"/>
-          </p:cNvSpPr>
-          <p:nvPr>
-            <p:ph idx="1"/>
-          </p:nvPr>
-        </p:nvSpPr>
-        <p:spPr>
-          <a:xfrm>
-            <a:off x="1593436" y="1124744"/>
-            <a:ext cx="9782801" cy="5047456"/>
-          </a:xfrm>
-        </p:spPr>
-        <p:txBody>
-          <a:bodyPr>
-            <a:normAutofit/>
-          </a:bodyPr>
-          <a:lstStyle/>
-          <a:p>
-            <a:pPr marL="0" indent="0">
-              <a:buNone/>
-            </a:pPr>
-            <a:r>
-              <a:rPr lang="zh-CN" altLang="en-US" sz="2000" dirty="0"/>
-              <a:t>已知国际棋盘共</a:t>
-            </a:r>
-            <a:r>
-              <a:rPr lang="en-US" altLang="zh-CN" sz="2000" dirty="0"/>
-              <a:t>64</a:t>
-            </a:r>
-            <a:r>
-              <a:rPr lang="zh-CN" altLang="en-US" sz="2000" dirty="0"/>
-              <a:t>个格子，在棋盘第一个格子上放</a:t>
-            </a:r>
-            <a:r>
-              <a:rPr lang="en-US" altLang="zh-CN" sz="2000" dirty="0"/>
-              <a:t>1</a:t>
-            </a:r>
-            <a:r>
-              <a:rPr lang="zh-CN" altLang="en-US" sz="2000" dirty="0"/>
-              <a:t>粒粮食，第二个格子上放</a:t>
-            </a:r>
-            <a:r>
-              <a:rPr lang="en-US" altLang="zh-CN" sz="2000" dirty="0"/>
-              <a:t>2</a:t>
-            </a:r>
-            <a:r>
-              <a:rPr lang="zh-CN" altLang="en-US" sz="2000" dirty="0"/>
-              <a:t>粒，第三个上放</a:t>
-            </a:r>
-            <a:r>
-              <a:rPr lang="en-US" altLang="zh-CN" sz="2000" dirty="0"/>
-              <a:t>6</a:t>
-            </a:r>
-            <a:r>
-              <a:rPr lang="zh-CN" altLang="en-US" sz="2000" dirty="0"/>
-              <a:t>粒，如此类推下去，每一个格子上放的粮食数目是已经放下的数目两倍，请用仿真工具计算粮食数目累计多少，如何增长。</a:t>
-            </a:r>
-          </a:p>
-        </p:txBody>
-      </p:sp>
       <p:pic>
         <p:nvPicPr>
           <p:cNvPr id="4" name="图片 3"/>
@@ -13378,7 +14224,7 @@
         </p:blipFill>
         <p:spPr>
           <a:xfrm>
-            <a:off x="7678588" y="1772816"/>
+            <a:off x="6503703" y="2314825"/>
             <a:ext cx="4304482" cy="2462460"/>
           </a:xfrm>
           <a:prstGeom prst="rect">
@@ -13394,7 +14240,7 @@
         </p:nvSpPr>
         <p:spPr>
           <a:xfrm>
-            <a:off x="1590922" y="4141909"/>
+            <a:off x="1628476" y="1372830"/>
             <a:ext cx="9361040" cy="707886"/>
           </a:xfrm>
           <a:prstGeom prst="rect">
@@ -13452,6 +14298,67 @@
               <a:rPr lang="zh-CN" altLang="en-US" sz="2000" dirty="0"/>
               <a:t>年内的销量仿真系统。</a:t>
             </a:r>
+          </a:p>
+        </p:txBody>
+      </p:sp>
+      <p:sp>
+        <p:nvSpPr>
+          <p:cNvPr id="6" name="文本框 5">
+            <a:extLst>
+              <a:ext uri="{FF2B5EF4-FFF2-40B4-BE49-F238E27FC236}">
+                <a16:creationId xmlns:a16="http://schemas.microsoft.com/office/drawing/2014/main" id="{606FAC2D-2022-AC48-867A-A99A9C569100}"/>
+              </a:ext>
+            </a:extLst>
+          </p:cNvPr>
+          <p:cNvSpPr txBox="1"/>
+          <p:nvPr/>
+        </p:nvSpPr>
+        <p:spPr>
+          <a:xfrm>
+            <a:off x="2782044" y="2636912"/>
+            <a:ext cx="1338828" cy="1281569"/>
+          </a:xfrm>
+          <a:prstGeom prst="rect">
+            <a:avLst/>
+          </a:prstGeom>
+          <a:noFill/>
+        </p:spPr>
+        <p:txBody>
+          <a:bodyPr wrap="none" rtlCol="0">
+            <a:spAutoFit/>
+          </a:bodyPr>
+          <a:lstStyle/>
+          <a:p>
+            <a:pPr>
+              <a:lnSpc>
+                <a:spcPct val="150000"/>
+              </a:lnSpc>
+            </a:pPr>
+            <a:r>
+              <a:rPr kumimoji="1" lang="zh-CN" altLang="en-US" dirty="0"/>
+              <a:t>倍增时间？</a:t>
+            </a:r>
+            <a:endParaRPr kumimoji="1" lang="en-US" altLang="zh-CN" dirty="0"/>
+          </a:p>
+          <a:p>
+            <a:pPr>
+              <a:lnSpc>
+                <a:spcPct val="150000"/>
+              </a:lnSpc>
+            </a:pPr>
+            <a:r>
+              <a:rPr kumimoji="1" lang="zh-CN" altLang="en-US" dirty="0"/>
+              <a:t>时间常数？</a:t>
+            </a:r>
+            <a:endParaRPr kumimoji="1" lang="en-US" altLang="zh-CN" dirty="0"/>
+          </a:p>
+          <a:p>
+            <a:pPr>
+              <a:lnSpc>
+                <a:spcPct val="150000"/>
+              </a:lnSpc>
+            </a:pPr>
+            <a:endParaRPr kumimoji="1" lang="zh-CN" altLang="en-US" dirty="0"/>
           </a:p>
         </p:txBody>
       </p:sp>
@@ -14074,6 +14981,12 @@
 </file>
 
 <file path=customXml/item1.xml><?xml version="1.0" encoding="utf-8"?>
+<Control xmlns="http://schemas.microsoft.com/VisualStudio/2011/storyboarding/control">
+  <Id Name="System.Storyboarding.Common.DragSelection" Revision="1" Stencil="System.Storyboarding.Common" StencilVersion="0.1"/>
+</Control>
+</file>
+
+<file path=customXml/item2.xml><?xml version="1.0" encoding="utf-8"?>
 <p:properties xmlns:p="http://schemas.microsoft.com/office/2006/metadata/properties" xmlns:xsi="http://www.w3.org/2001/XMLSchema-instance" xmlns:pc="http://schemas.microsoft.com/office/infopath/2007/PartnerControls">
   <documentManagement>
     <_dlc_DocId xmlns="b4ebf394-daf6-497a-96c5-a2f8c10b38cf">TT6HZDVJM2HV-178-321</_dlc_DocId>
@@ -14085,33 +14998,27 @@
 </p:properties>
 </file>
 
-<file path=customXml/item2.xml><?xml version="1.0" encoding="utf-8"?>
-<Control xmlns="http://schemas.microsoft.com/VisualStudio/2011/storyboarding/control">
-  <Id Name="System.Storyboarding.Common.DragSelection" Revision="1" Stencil="System.Storyboarding.Common" StencilVersion="0.1"/>
-</Control>
-</file>
-
 <file path=customXml/item3.xml><?xml version="1.0" encoding="utf-8"?>
 <Control xmlns="http://schemas.microsoft.com/VisualStudio/2011/storyboarding/control">
-  <Id Name="System.Storyboarding.Annotation.StickyNote" Revision="1" Stencil="System.Storyboarding.Annotation" StencilVersion="0.1"/>
+  <Id Name="System.Storyboarding.Common.TextInput" Revision="1" Stencil="System.Storyboarding.Common" StencilVersion="0.1"/>
 </Control>
 </file>
 
 <file path=customXml/item4.xml><?xml version="1.0" encoding="utf-8"?>
 <Control xmlns="http://schemas.microsoft.com/VisualStudio/2011/storyboarding/control">
-  <Id Name="System.Storyboarding.WindowsApps.WindowsAppsProgressRing" Revision="1" Stencil="System.Storyboarding.WindowsApps" StencilVersion="0.1"/>
+  <Id Name="System.Storyboarding.WindowsApps.WindowsAppsListBox" Revision="1" Stencil="System.Storyboarding.WindowsApps" StencilVersion="0.1"/>
 </Control>
 </file>
 
 <file path=customXml/item5.xml><?xml version="1.0" encoding="utf-8"?>
 <Control xmlns="http://schemas.microsoft.com/VisualStudio/2011/storyboarding/control">
-  <Id Name="System.Storyboarding.WindowsApps.WindowsAppsListBox" Revision="1" Stencil="System.Storyboarding.WindowsApps" StencilVersion="0.1"/>
+  <Id Name="System.Storyboarding.WindowsApps.WindowsAppsProgressRing" Revision="1" Stencil="System.Storyboarding.WindowsApps" StencilVersion="0.1"/>
 </Control>
 </file>
 
 <file path=customXml/item6.xml><?xml version="1.0" encoding="utf-8"?>
 <Control xmlns="http://schemas.microsoft.com/VisualStudio/2011/storyboarding/control">
-  <Id Name="System.Storyboarding.Common.TextInput" Revision="1" Stencil="System.Storyboarding.Common" StencilVersion="0.1"/>
+  <Id Name="System.Storyboarding.Annotation.StickyNote" Revision="1" Stencil="System.Storyboarding.Annotation" StencilVersion="0.1"/>
 </Control>
 </file>
 
@@ -14122,6 +15029,14 @@
 </file>
 
 <file path=customXml/itemProps1.xml><?xml version="1.0" encoding="utf-8"?>
+<ds:datastoreItem xmlns:ds="http://schemas.openxmlformats.org/officeDocument/2006/customXml" ds:itemID="{74F50758-6994-47AF-ADB4-84074E43B95D}">
+  <ds:schemaRefs>
+    <ds:schemaRef ds:uri="http://schemas.microsoft.com/VisualStudio/2011/storyboarding/control"/>
+  </ds:schemaRefs>
+</ds:datastoreItem>
+</file>
+
+<file path=customXml/itemProps2.xml><?xml version="1.0" encoding="utf-8"?>
 <ds:datastoreItem xmlns:ds="http://schemas.openxmlformats.org/officeDocument/2006/customXml" ds:itemID="{1322E1B6-B69B-4B1E-9F64-FFB1E4A65691}">
   <ds:schemaRefs>
     <ds:schemaRef ds:uri="http://schemas.microsoft.com/office/2006/metadata/properties"/>
@@ -14131,16 +15046,8 @@
 </ds:datastoreItem>
 </file>
 
-<file path=customXml/itemProps2.xml><?xml version="1.0" encoding="utf-8"?>
-<ds:datastoreItem xmlns:ds="http://schemas.openxmlformats.org/officeDocument/2006/customXml" ds:itemID="{74F50758-6994-47AF-ADB4-84074E43B95D}">
-  <ds:schemaRefs>
-    <ds:schemaRef ds:uri="http://schemas.microsoft.com/VisualStudio/2011/storyboarding/control"/>
-  </ds:schemaRefs>
-</ds:datastoreItem>
-</file>
-
 <file path=customXml/itemProps3.xml><?xml version="1.0" encoding="utf-8"?>
-<ds:datastoreItem xmlns:ds="http://schemas.openxmlformats.org/officeDocument/2006/customXml" ds:itemID="{35CD12A2-2187-402A-B9D9-EF68624DB0B9}">
+<ds:datastoreItem xmlns:ds="http://schemas.openxmlformats.org/officeDocument/2006/customXml" ds:itemID="{195C3A57-25C5-4CAC-A396-8711CE839175}">
   <ds:schemaRefs>
     <ds:schemaRef ds:uri="http://schemas.microsoft.com/VisualStudio/2011/storyboarding/control"/>
   </ds:schemaRefs>
@@ -14148,6 +15055,14 @@
 </file>
 
 <file path=customXml/itemProps4.xml><?xml version="1.0" encoding="utf-8"?>
+<ds:datastoreItem xmlns:ds="http://schemas.openxmlformats.org/officeDocument/2006/customXml" ds:itemID="{925928FA-66B2-4992-9AF7-6AAB34665E06}">
+  <ds:schemaRefs>
+    <ds:schemaRef ds:uri="http://schemas.microsoft.com/VisualStudio/2011/storyboarding/control"/>
+  </ds:schemaRefs>
+</ds:datastoreItem>
+</file>
+
+<file path=customXml/itemProps5.xml><?xml version="1.0" encoding="utf-8"?>
 <ds:datastoreItem xmlns:ds="http://schemas.openxmlformats.org/officeDocument/2006/customXml" ds:itemID="{EE994FE8-9D1B-4C75-9803-F4D3D8088B5B}">
   <ds:schemaRefs>
     <ds:schemaRef ds:uri="http://schemas.microsoft.com/VisualStudio/2011/storyboarding/control"/>
@@ -14155,16 +15070,8 @@
 </ds:datastoreItem>
 </file>
 
-<file path=customXml/itemProps5.xml><?xml version="1.0" encoding="utf-8"?>
-<ds:datastoreItem xmlns:ds="http://schemas.openxmlformats.org/officeDocument/2006/customXml" ds:itemID="{925928FA-66B2-4992-9AF7-6AAB34665E06}">
-  <ds:schemaRefs>
-    <ds:schemaRef ds:uri="http://schemas.microsoft.com/VisualStudio/2011/storyboarding/control"/>
-  </ds:schemaRefs>
-</ds:datastoreItem>
-</file>
-
 <file path=customXml/itemProps6.xml><?xml version="1.0" encoding="utf-8"?>
-<ds:datastoreItem xmlns:ds="http://schemas.openxmlformats.org/officeDocument/2006/customXml" ds:itemID="{195C3A57-25C5-4CAC-A396-8711CE839175}">
+<ds:datastoreItem xmlns:ds="http://schemas.openxmlformats.org/officeDocument/2006/customXml" ds:itemID="{35CD12A2-2187-402A-B9D9-EF68624DB0B9}">
   <ds:schemaRefs>
     <ds:schemaRef ds:uri="http://schemas.microsoft.com/VisualStudio/2011/storyboarding/control"/>
   </ds:schemaRefs>

--- a/2019系统仿真-8-一阶系统原理+.pptx
+++ b/2019系统仿真-8-一阶系统原理+.pptx
@@ -254,7 +254,7 @@
                 <a:latin typeface="微软雅黑" panose="020B0503020204020204" pitchFamily="34" charset="-122"/>
                 <a:ea typeface="微软雅黑" panose="020B0503020204020204" pitchFamily="34" charset="-122"/>
               </a:rPr>
-              <a:t>2019年3月31日 Sunday</a:t>
+              <a:t>2019年3月31日</a:t>
             </a:fld>
             <a:endParaRPr lang="zh-CN" altLang="en-US" dirty="0">
               <a:latin typeface="微软雅黑" panose="020B0503020204020204" pitchFamily="34" charset="-122"/>
@@ -446,7 +446,7 @@
             <a:fld id="{07D6BDDC-F39A-4E16-93D6-E40B88AA6D58}" type="datetime2">
               <a:rPr lang="zh-CN" altLang="en-US" smtClean="0"/>
               <a:pPr/>
-              <a:t>2019年3月31日 Sunday</a:t>
+              <a:t>2019年3月31日</a:t>
             </a:fld>
             <a:endParaRPr lang="zh-CN" altLang="en-US" dirty="0"/>
           </a:p>
@@ -1764,7 +1764,7 @@
             <a:fld id="{4947C3F0-2957-4D41-9FB7-182757A04D67}" type="datetime2">
               <a:rPr lang="zh-CN" altLang="en-US" smtClean="0"/>
               <a:pPr/>
-              <a:t>2019年3月31日 Sunday</a:t>
+              <a:t>2019年3月31日</a:t>
             </a:fld>
             <a:endParaRPr lang="zh-CN" altLang="en-US" dirty="0"/>
           </a:p>
@@ -1997,7 +1997,7 @@
             <a:fld id="{8DF8E148-EC1F-43A2-8C9E-1F57F6D08A76}" type="datetime2">
               <a:rPr lang="zh-CN" altLang="en-US" smtClean="0"/>
               <a:pPr/>
-              <a:t>2019年3月31日 Sunday</a:t>
+              <a:t>2019年3月31日</a:t>
             </a:fld>
             <a:endParaRPr lang="zh-CN" altLang="en-US" dirty="0"/>
           </a:p>
@@ -2880,7 +2880,7 @@
             <a:fld id="{FB7B4C11-1E14-4887-9E78-A9346EC068F1}" type="datetime2">
               <a:rPr lang="zh-CN" altLang="en-US" smtClean="0"/>
               <a:pPr/>
-              <a:t>2019年3月31日 Sunday</a:t>
+              <a:t>2019年3月31日</a:t>
             </a:fld>
             <a:endParaRPr lang="zh-CN" altLang="en-US" dirty="0"/>
           </a:p>
@@ -3139,7 +3139,7 @@
             <a:fld id="{86FD5D46-E987-42B2-B42C-B8920598FADE}" type="datetime2">
               <a:rPr lang="zh-CN" altLang="en-US" smtClean="0"/>
               <a:pPr/>
-              <a:t>2019年3月31日 Sunday</a:t>
+              <a:t>2019年3月31日</a:t>
             </a:fld>
             <a:endParaRPr lang="zh-CN" altLang="en-US" dirty="0"/>
           </a:p>
@@ -4466,7 +4466,7 @@
             <a:fld id="{8365F240-A7EF-41C8-A85B-C448CF84B5E5}" type="datetime2">
               <a:rPr lang="zh-CN" altLang="en-US" smtClean="0"/>
               <a:pPr/>
-              <a:t>2019年3月31日 Sunday</a:t>
+              <a:t>2019年3月31日</a:t>
             </a:fld>
             <a:endParaRPr lang="zh-CN" altLang="en-US" dirty="0"/>
           </a:p>
@@ -4801,7 +4801,7 @@
             <a:fld id="{F770B30E-8728-44DB-AEE3-E4A75AEDBBD9}" type="datetime2">
               <a:rPr lang="zh-CN" altLang="en-US" smtClean="0"/>
               <a:pPr/>
-              <a:t>2019年3月31日 Sunday</a:t>
+              <a:t>2019年3月31日</a:t>
             </a:fld>
             <a:endParaRPr lang="zh-CN" altLang="en-US" dirty="0"/>
           </a:p>
@@ -5302,7 +5302,7 @@
             <a:fld id="{680BCF82-A51A-4389-A573-378AD02C5141}" type="datetime2">
               <a:rPr lang="zh-CN" altLang="en-US" smtClean="0"/>
               <a:pPr/>
-              <a:t>2019年3月31日 Sunday</a:t>
+              <a:t>2019年3月31日</a:t>
             </a:fld>
             <a:endParaRPr lang="zh-CN" altLang="en-US" dirty="0"/>
           </a:p>
@@ -5457,7 +5457,7 @@
             <a:fld id="{CE03A716-E3DC-4D9D-823C-60FCD8C9B163}" type="datetime2">
               <a:rPr lang="zh-CN" altLang="en-US" smtClean="0"/>
               <a:pPr/>
-              <a:t>2019年3月31日 Sunday</a:t>
+              <a:t>2019年3月31日</a:t>
             </a:fld>
             <a:endParaRPr lang="zh-CN" altLang="en-US" dirty="0"/>
           </a:p>
@@ -5817,7 +5817,7 @@
             <a:fld id="{C16B8A94-44E5-4844-A22C-F796FCAA90D9}" type="datetime2">
               <a:rPr lang="zh-CN" altLang="en-US" smtClean="0"/>
               <a:pPr/>
-              <a:t>2019年3月31日 Sunday</a:t>
+              <a:t>2019年3月31日</a:t>
             </a:fld>
             <a:endParaRPr lang="zh-CN" altLang="en-US" dirty="0"/>
           </a:p>
@@ -6359,7 +6359,7 @@
             <a:fld id="{F288B2AC-AC0A-4E49-82A3-94EE74FA7FBF}" type="datetime2">
               <a:rPr lang="zh-CN" altLang="en-US" smtClean="0"/>
               <a:pPr/>
-              <a:t>2019年3月31日 Sunday</a:t>
+              <a:t>2019年3月31日</a:t>
             </a:fld>
             <a:endParaRPr lang="zh-CN" altLang="en-US" dirty="0"/>
           </a:p>
@@ -6845,7 +6845,7 @@
             <a:fld id="{1878E339-1BD2-4FEE-A113-9A0301740CF6}" type="datetime2">
               <a:rPr lang="zh-CN" altLang="en-US" smtClean="0"/>
               <a:pPr/>
-              <a:t>2019年3月31日 Sunday</a:t>
+              <a:t>2019年3月31日</a:t>
             </a:fld>
             <a:endParaRPr lang="zh-CN" altLang="en-US" dirty="0"/>
           </a:p>
@@ -7769,7 +7769,7 @@
             <a:fld id="{A339CB27-C670-4AAB-948C-7E3D1D9FAE30}" type="datetime2">
               <a:rPr lang="zh-CN" altLang="en-US" smtClean="0"/>
               <a:pPr/>
-              <a:t>2019年3月31日 Sunday</a:t>
+              <a:t>2019年3月31日</a:t>
             </a:fld>
             <a:endParaRPr lang="zh-CN" altLang="en-US" dirty="0"/>
           </a:p>
@@ -8993,7 +8993,7 @@
           <a:graphicData uri="http://schemas.openxmlformats.org/presentationml/2006/ole">
             <mc:AlternateContent xmlns:mc="http://schemas.openxmlformats.org/markup-compatibility/2006">
               <mc:Choice xmlns:v="urn:schemas-microsoft-com:vml" Requires="v">
-                <p:oleObj spid="_x0000_s7209" name="Equation" r:id="rId4" imgW="2387520" imgH="393480" progId="Equation.DSMT4">
+                <p:oleObj spid="_x0000_s7215" name="Equation" r:id="rId4" imgW="2387520" imgH="393480" progId="Equation.DSMT4">
                   <p:embed/>
                 </p:oleObj>
               </mc:Choice>
@@ -9050,7 +9050,7 @@
           <a:graphicData uri="http://schemas.openxmlformats.org/presentationml/2006/ole">
             <mc:AlternateContent xmlns:mc="http://schemas.openxmlformats.org/markup-compatibility/2006">
               <mc:Choice xmlns:v="urn:schemas-microsoft-com:vml" Requires="v">
-                <p:oleObj spid="_x0000_s7210" name="Equation" r:id="rId6" imgW="1904760" imgH="419040" progId="Equation.DSMT4">
+                <p:oleObj spid="_x0000_s7216" name="Equation" r:id="rId6" imgW="1904760" imgH="419040" progId="Equation.DSMT4">
                   <p:embed/>
                 </p:oleObj>
               </mc:Choice>
@@ -9107,7 +9107,7 @@
           <a:graphicData uri="http://schemas.openxmlformats.org/presentationml/2006/ole">
             <mc:AlternateContent xmlns:mc="http://schemas.openxmlformats.org/markup-compatibility/2006">
               <mc:Choice xmlns:v="urn:schemas-microsoft-com:vml" Requires="v">
-                <p:oleObj spid="_x0000_s7211" name="Equation" r:id="rId8" imgW="2768400" imgH="228600" progId="Equation.DSMT4">
+                <p:oleObj spid="_x0000_s7217" name="Equation" r:id="rId8" imgW="2768400" imgH="228600" progId="Equation.DSMT4">
                   <p:embed/>
                 </p:oleObj>
               </mc:Choice>
@@ -9378,7 +9378,7 @@
             <a:graphicData uri="http://schemas.openxmlformats.org/presentationml/2006/ole">
               <mc:AlternateContent xmlns:mc="http://schemas.openxmlformats.org/markup-compatibility/2006">
                 <mc:Choice xmlns:v="urn:schemas-microsoft-com:vml" Requires="v">
-                  <p:oleObj spid="_x0000_s8230" name="Equation" r:id="rId3" imgW="2603160" imgH="330120" progId="Equation.DSMT4">
+                  <p:oleObj spid="_x0000_s8236" name="Equation" r:id="rId3" imgW="2603160" imgH="330120" progId="Equation.DSMT4">
                     <p:embed/>
                   </p:oleObj>
                 </mc:Choice>
@@ -9435,7 +9435,7 @@
             <a:graphicData uri="http://schemas.openxmlformats.org/presentationml/2006/ole">
               <mc:AlternateContent xmlns:mc="http://schemas.openxmlformats.org/markup-compatibility/2006">
                 <mc:Choice xmlns:v="urn:schemas-microsoft-com:vml" Requires="v">
-                  <p:oleObj spid="_x0000_s8231" name="Equation" r:id="rId5" imgW="1955520" imgH="228600" progId="Equation.DSMT4">
+                  <p:oleObj spid="_x0000_s8237" name="Equation" r:id="rId5" imgW="1955520" imgH="228600" progId="Equation.DSMT4">
                     <p:embed/>
                   </p:oleObj>
                 </mc:Choice>
@@ -9492,7 +9492,7 @@
             <a:graphicData uri="http://schemas.openxmlformats.org/presentationml/2006/ole">
               <mc:AlternateContent xmlns:mc="http://schemas.openxmlformats.org/markup-compatibility/2006">
                 <mc:Choice xmlns:v="urn:schemas-microsoft-com:vml" Requires="v">
-                  <p:oleObj spid="_x0000_s8232" name="Equation" r:id="rId7" imgW="2298600" imgH="203040" progId="Equation.DSMT4">
+                  <p:oleObj spid="_x0000_s8238" name="Equation" r:id="rId7" imgW="2298600" imgH="203040" progId="Equation.DSMT4">
                     <p:embed/>
                   </p:oleObj>
                 </mc:Choice>
@@ -10178,7 +10178,7 @@
           <a:graphicData uri="http://schemas.openxmlformats.org/presentationml/2006/ole">
             <mc:AlternateContent xmlns:mc="http://schemas.openxmlformats.org/markup-compatibility/2006">
               <mc:Choice xmlns:v="urn:schemas-microsoft-com:vml" Requires="v">
-                <p:oleObj spid="_x0000_s9254" name="Equation" r:id="rId4" imgW="1587240" imgH="419040" progId="Equation.DSMT4">
+                <p:oleObj spid="_x0000_s9260" name="Equation" r:id="rId4" imgW="1587240" imgH="419040" progId="Equation.DSMT4">
                   <p:embed/>
                 </p:oleObj>
               </mc:Choice>
@@ -10235,7 +10235,7 @@
           <a:graphicData uri="http://schemas.openxmlformats.org/presentationml/2006/ole">
             <mc:AlternateContent xmlns:mc="http://schemas.openxmlformats.org/markup-compatibility/2006">
               <mc:Choice xmlns:v="urn:schemas-microsoft-com:vml" Requires="v">
-                <p:oleObj spid="_x0000_s9255" name="Equation" r:id="rId6" imgW="1600200" imgH="228600" progId="Equation.DSMT4">
+                <p:oleObj spid="_x0000_s9261" name="Equation" r:id="rId6" imgW="1600200" imgH="228600" progId="Equation.DSMT4">
                   <p:embed/>
                 </p:oleObj>
               </mc:Choice>
@@ -10292,7 +10292,7 @@
           <a:graphicData uri="http://schemas.openxmlformats.org/presentationml/2006/ole">
             <mc:AlternateContent xmlns:mc="http://schemas.openxmlformats.org/markup-compatibility/2006">
               <mc:Choice xmlns:v="urn:schemas-microsoft-com:vml" Requires="v">
-                <p:oleObj spid="_x0000_s9256" name="Equation" r:id="rId8" imgW="1231560" imgH="228600" progId="Equation.DSMT4">
+                <p:oleObj spid="_x0000_s9262" name="Equation" r:id="rId8" imgW="1231560" imgH="228600" progId="Equation.DSMT4">
                   <p:embed/>
                 </p:oleObj>
               </mc:Choice>
@@ -10995,7 +10995,7 @@
           <a:graphicData uri="http://schemas.openxmlformats.org/presentationml/2006/ole">
             <mc:AlternateContent xmlns:mc="http://schemas.openxmlformats.org/markup-compatibility/2006">
               <mc:Choice xmlns:v="urn:schemas-microsoft-com:vml" Requires="v">
-                <p:oleObj spid="_x0000_s3122" name="Equation" r:id="rId3" imgW="812520" imgH="203040" progId="Equation.DSMT4">
+                <p:oleObj spid="_x0000_s3126" name="Equation" r:id="rId3" imgW="812520" imgH="203040" progId="Equation.DSMT4">
                   <p:embed/>
                 </p:oleObj>
               </mc:Choice>
@@ -11052,7 +11052,7 @@
           <a:graphicData uri="http://schemas.openxmlformats.org/presentationml/2006/ole">
             <mc:AlternateContent xmlns:mc="http://schemas.openxmlformats.org/markup-compatibility/2006">
               <mc:Choice xmlns:v="urn:schemas-microsoft-com:vml" Requires="v">
-                <p:oleObj spid="_x0000_s3123" name="Equation" r:id="rId5" imgW="2552400" imgH="672840" progId="Equation.DSMT4">
+                <p:oleObj spid="_x0000_s3127" name="Equation" r:id="rId5" imgW="2552400" imgH="672840" progId="Equation.DSMT4">
                   <p:embed/>
                 </p:oleObj>
               </mc:Choice>
@@ -11259,7 +11259,7 @@
           <a:graphicData uri="http://schemas.openxmlformats.org/presentationml/2006/ole">
             <mc:AlternateContent xmlns:mc="http://schemas.openxmlformats.org/markup-compatibility/2006">
               <mc:Choice xmlns:v="urn:schemas-microsoft-com:vml" Requires="v">
-                <p:oleObj spid="_x0000_s4169" name="Equation" r:id="rId3" imgW="2095200" imgH="241200" progId="Equation.DSMT4">
+                <p:oleObj spid="_x0000_s4175" name="Equation" r:id="rId3" imgW="2095200" imgH="241200" progId="Equation.DSMT4">
                   <p:embed/>
                 </p:oleObj>
               </mc:Choice>
@@ -11316,7 +11316,7 @@
           <a:graphicData uri="http://schemas.openxmlformats.org/presentationml/2006/ole">
             <mc:AlternateContent xmlns:mc="http://schemas.openxmlformats.org/markup-compatibility/2006">
               <mc:Choice xmlns:v="urn:schemas-microsoft-com:vml" Requires="v">
-                <p:oleObj spid="_x0000_s4170" name="Equation" r:id="rId5" imgW="1815840" imgH="241200" progId="Equation.DSMT4">
+                <p:oleObj spid="_x0000_s4176" name="Equation" r:id="rId5" imgW="1815840" imgH="241200" progId="Equation.DSMT4">
                   <p:embed/>
                 </p:oleObj>
               </mc:Choice>
@@ -11373,7 +11373,7 @@
           <a:graphicData uri="http://schemas.openxmlformats.org/presentationml/2006/ole">
             <mc:AlternateContent xmlns:mc="http://schemas.openxmlformats.org/markup-compatibility/2006">
               <mc:Choice xmlns:v="urn:schemas-microsoft-com:vml" Requires="v">
-                <p:oleObj spid="_x0000_s4171" name="Equation" r:id="rId7" imgW="469800" imgH="228600" progId="Equation.DSMT4">
+                <p:oleObj spid="_x0000_s4177" name="Equation" r:id="rId7" imgW="469800" imgH="228600" progId="Equation.DSMT4">
                   <p:embed/>
                 </p:oleObj>
               </mc:Choice>
@@ -11974,7 +11974,7 @@
           <a:graphicData uri="http://schemas.openxmlformats.org/presentationml/2006/ole">
             <mc:AlternateContent xmlns:mc="http://schemas.openxmlformats.org/markup-compatibility/2006">
               <mc:Choice xmlns:v="urn:schemas-microsoft-com:vml" Requires="v">
-                <p:oleObj spid="_x0000_s1113" name="Equation" r:id="rId4" imgW="444240" imgH="393480" progId="Equation.DSMT4">
+                <p:oleObj spid="_x0000_s1119" name="Equation" r:id="rId4" imgW="444240" imgH="393480" progId="Equation.DSMT4">
                   <p:embed/>
                 </p:oleObj>
               </mc:Choice>
@@ -12031,7 +12031,7 @@
           <a:graphicData uri="http://schemas.openxmlformats.org/presentationml/2006/ole">
             <mc:AlternateContent xmlns:mc="http://schemas.openxmlformats.org/markup-compatibility/2006">
               <mc:Choice xmlns:v="urn:schemas-microsoft-com:vml" Requires="v">
-                <p:oleObj spid="_x0000_s1114" name="Equation" r:id="rId6" imgW="774360" imgH="393480" progId="Equation.DSMT4">
+                <p:oleObj spid="_x0000_s1120" name="Equation" r:id="rId6" imgW="774360" imgH="393480" progId="Equation.DSMT4">
                   <p:embed/>
                 </p:oleObj>
               </mc:Choice>
@@ -12088,7 +12088,7 @@
           <a:graphicData uri="http://schemas.openxmlformats.org/presentationml/2006/ole">
             <mc:AlternateContent xmlns:mc="http://schemas.openxmlformats.org/markup-compatibility/2006">
               <mc:Choice xmlns:v="urn:schemas-microsoft-com:vml" Requires="v">
-                <p:oleObj spid="_x0000_s1115" name="Equation" r:id="rId8" imgW="457200" imgH="203040" progId="Equation.DSMT4">
+                <p:oleObj spid="_x0000_s1121" name="Equation" r:id="rId8" imgW="457200" imgH="203040" progId="Equation.DSMT4">
                   <p:embed/>
                 </p:oleObj>
               </mc:Choice>
@@ -12155,7 +12155,7 @@
         </p:nvSpPr>
         <p:spPr>
           <a:xfrm>
-            <a:off x="3217905" y="4287006"/>
+            <a:off x="5086300" y="2608964"/>
             <a:ext cx="2544286" cy="338554"/>
           </a:xfrm>
           <a:prstGeom prst="rect">
@@ -12401,7 +12401,7 @@
           <a:graphicData uri="http://schemas.openxmlformats.org/presentationml/2006/ole">
             <mc:AlternateContent xmlns:mc="http://schemas.openxmlformats.org/markup-compatibility/2006">
               <mc:Choice xmlns:v="urn:schemas-microsoft-com:vml" Requires="v">
-                <p:oleObj spid="_x0000_s2154" name="Equation" r:id="rId3" imgW="774360" imgH="393480" progId="Equation.DSMT4">
+                <p:oleObj spid="_x0000_s2162" name="Equation" r:id="rId3" imgW="774360" imgH="393480" progId="Equation.DSMT4">
                   <p:embed/>
                 </p:oleObj>
               </mc:Choice>
@@ -12458,7 +12458,7 @@
           <a:graphicData uri="http://schemas.openxmlformats.org/presentationml/2006/ole">
             <mc:AlternateContent xmlns:mc="http://schemas.openxmlformats.org/markup-compatibility/2006">
               <mc:Choice xmlns:v="urn:schemas-microsoft-com:vml" Requires="v">
-                <p:oleObj spid="_x0000_s2155" name="Equation" r:id="rId5" imgW="723600" imgH="203040" progId="Equation.DSMT4">
+                <p:oleObj spid="_x0000_s2163" name="Equation" r:id="rId5" imgW="723600" imgH="203040" progId="Equation.DSMT4">
                   <p:embed/>
                 </p:oleObj>
               </mc:Choice>
@@ -12574,7 +12574,7 @@
           <a:graphicData uri="http://schemas.openxmlformats.org/presentationml/2006/ole">
             <mc:AlternateContent xmlns:mc="http://schemas.openxmlformats.org/markup-compatibility/2006">
               <mc:Choice xmlns:v="urn:schemas-microsoft-com:vml" Requires="v">
-                <p:oleObj spid="_x0000_s2156" name="Equation" r:id="rId8" imgW="685800" imgH="203040" progId="Equation.DSMT4">
+                <p:oleObj spid="_x0000_s2164" name="Equation" r:id="rId8" imgW="685800" imgH="203040" progId="Equation.DSMT4">
                   <p:embed/>
                 </p:oleObj>
               </mc:Choice>
@@ -12631,7 +12631,7 @@
           <a:graphicData uri="http://schemas.openxmlformats.org/presentationml/2006/ole">
             <mc:AlternateContent xmlns:mc="http://schemas.openxmlformats.org/markup-compatibility/2006">
               <mc:Choice xmlns:v="urn:schemas-microsoft-com:vml" Requires="v">
-                <p:oleObj spid="_x0000_s2157" name="Equation" r:id="rId10" imgW="876240" imgH="228600" progId="Equation.DSMT4">
+                <p:oleObj spid="_x0000_s2165" name="Equation" r:id="rId10" imgW="876240" imgH="228600" progId="Equation.DSMT4">
                   <p:embed/>
                 </p:oleObj>
               </mc:Choice>
@@ -12839,7 +12839,7 @@
           <a:graphicData uri="http://schemas.openxmlformats.org/presentationml/2006/ole">
             <mc:AlternateContent xmlns:mc="http://schemas.openxmlformats.org/markup-compatibility/2006">
               <mc:Choice xmlns:v="urn:schemas-microsoft-com:vml" Requires="v">
-                <p:oleObj spid="_x0000_s5256" name="Equation" r:id="rId4" imgW="876240" imgH="228600" progId="Equation.DSMT4">
+                <p:oleObj spid="_x0000_s5270" name="Equation" r:id="rId4" imgW="876240" imgH="228600" progId="Equation.DSMT4">
                   <p:embed/>
                 </p:oleObj>
               </mc:Choice>
@@ -12896,7 +12896,7 @@
           <a:graphicData uri="http://schemas.openxmlformats.org/presentationml/2006/ole">
             <mc:AlternateContent xmlns:mc="http://schemas.openxmlformats.org/markup-compatibility/2006">
               <mc:Choice xmlns:v="urn:schemas-microsoft-com:vml" Requires="v">
-                <p:oleObj spid="_x0000_s5257" name="Equation" r:id="rId6" imgW="393480" imgH="393480" progId="Equation.DSMT4">
+                <p:oleObj spid="_x0000_s5271" name="Equation" r:id="rId6" imgW="393480" imgH="393480" progId="Equation.DSMT4">
                   <p:embed/>
                 </p:oleObj>
               </mc:Choice>
@@ -13066,7 +13066,7 @@
             <a:graphicData uri="http://schemas.openxmlformats.org/presentationml/2006/ole">
               <mc:AlternateContent xmlns:mc="http://schemas.openxmlformats.org/markup-compatibility/2006">
                 <mc:Choice xmlns:v="urn:schemas-microsoft-com:vml" Requires="v">
-                  <p:oleObj spid="_x0000_s5258" name="Equation" r:id="rId8" imgW="2336760" imgH="228600" progId="Equation.DSMT4">
+                  <p:oleObj spid="_x0000_s5272" name="Equation" r:id="rId8" imgW="2336760" imgH="228600" progId="Equation.DSMT4">
                     <p:embed/>
                   </p:oleObj>
                 </mc:Choice>
@@ -13404,7 +13404,7 @@
           <a:graphicData uri="http://schemas.openxmlformats.org/presentationml/2006/ole">
             <mc:AlternateContent xmlns:mc="http://schemas.openxmlformats.org/markup-compatibility/2006">
               <mc:Choice xmlns:v="urn:schemas-microsoft-com:vml" Requires="v">
-                <p:oleObj spid="_x0000_s5259" name="Equation" r:id="rId10" imgW="457200" imgH="203040" progId="Equation.DSMT4">
+                <p:oleObj spid="_x0000_s5273" name="Equation" r:id="rId10" imgW="457200" imgH="203040" progId="Equation.DSMT4">
                   <p:embed/>
                 </p:oleObj>
               </mc:Choice>
@@ -13461,7 +13461,7 @@
           <a:graphicData uri="http://schemas.openxmlformats.org/presentationml/2006/ole">
             <mc:AlternateContent xmlns:mc="http://schemas.openxmlformats.org/markup-compatibility/2006">
               <mc:Choice xmlns:v="urn:schemas-microsoft-com:vml" Requires="v">
-                <p:oleObj spid="_x0000_s5260" name="Equation" r:id="rId12" imgW="520560" imgH="228600" progId="Equation.DSMT4">
+                <p:oleObj spid="_x0000_s5274" name="Equation" r:id="rId12" imgW="520560" imgH="228600" progId="Equation.DSMT4">
                   <p:embed/>
                 </p:oleObj>
               </mc:Choice>
@@ -13518,7 +13518,7 @@
           <a:graphicData uri="http://schemas.openxmlformats.org/presentationml/2006/ole">
             <mc:AlternateContent xmlns:mc="http://schemas.openxmlformats.org/markup-compatibility/2006">
               <mc:Choice xmlns:v="urn:schemas-microsoft-com:vml" Requires="v">
-                <p:oleObj spid="_x0000_s5261" name="Equation" r:id="rId14" imgW="520560" imgH="228600" progId="Equation.DSMT4">
+                <p:oleObj spid="_x0000_s5275" name="Equation" r:id="rId14" imgW="520560" imgH="228600" progId="Equation.DSMT4">
                   <p:embed/>
                 </p:oleObj>
               </mc:Choice>
@@ -13575,7 +13575,7 @@
           <a:graphicData uri="http://schemas.openxmlformats.org/presentationml/2006/ole">
             <mc:AlternateContent xmlns:mc="http://schemas.openxmlformats.org/markup-compatibility/2006">
               <mc:Choice xmlns:v="urn:schemas-microsoft-com:vml" Requires="v">
-                <p:oleObj spid="_x0000_s5262" name="Equation" r:id="rId16" imgW="520560" imgH="228600" progId="Equation.DSMT4">
+                <p:oleObj spid="_x0000_s5276" name="Equation" r:id="rId16" imgW="520560" imgH="228600" progId="Equation.DSMT4">
                   <p:embed/>
                 </p:oleObj>
               </mc:Choice>
@@ -13825,7 +13825,7 @@
           <a:graphicData uri="http://schemas.openxmlformats.org/presentationml/2006/ole">
             <mc:AlternateContent xmlns:mc="http://schemas.openxmlformats.org/markup-compatibility/2006">
               <mc:Choice xmlns:v="urn:schemas-microsoft-com:vml" Requires="v">
-                <p:oleObj spid="_x0000_s6189" name="Equation" r:id="rId3" imgW="1091880" imgH="634680" progId="Equation.DSMT4">
+                <p:oleObj spid="_x0000_s6191" name="Equation" r:id="rId3" imgW="1091880" imgH="634680" progId="Equation.DSMT4">
                   <p:embed/>
                 </p:oleObj>
               </mc:Choice>
@@ -14987,6 +14987,36 @@
 </file>
 
 <file path=customXml/item2.xml><?xml version="1.0" encoding="utf-8"?>
+<Control xmlns="http://schemas.microsoft.com/VisualStudio/2011/storyboarding/control">
+  <Id Name="System.Storyboarding.Annotation.StickyNote" Revision="1" Stencil="System.Storyboarding.Annotation" StencilVersion="0.1"/>
+</Control>
+</file>
+
+<file path=customXml/item3.xml><?xml version="1.0" encoding="utf-8"?>
+<Control xmlns="http://schemas.microsoft.com/VisualStudio/2011/storyboarding/control">
+  <Id Name="System.Storyboarding.WindowsApps.WindowsAppsProgressRing" Revision="1" Stencil="System.Storyboarding.WindowsApps" StencilVersion="0.1"/>
+</Control>
+</file>
+
+<file path=customXml/item4.xml><?xml version="1.0" encoding="utf-8"?>
+<Control xmlns="http://schemas.microsoft.com/VisualStudio/2011/storyboarding/control">
+  <Id Name="System.Storyboarding.WindowsApps.WindowsAppsListBox" Revision="1" Stencil="System.Storyboarding.WindowsApps" StencilVersion="0.1"/>
+</Control>
+</file>
+
+<file path=customXml/item5.xml><?xml version="1.0" encoding="utf-8"?>
+<Control xmlns="http://schemas.microsoft.com/VisualStudio/2011/storyboarding/control">
+  <Id Name="System.Storyboarding.Common.TextInput" Revision="1" Stencil="System.Storyboarding.Common" StencilVersion="0.1"/>
+</Control>
+</file>
+
+<file path=customXml/item6.xml><?xml version="1.0" encoding="utf-8"?>
+<Control xmlns="http://schemas.microsoft.com/VisualStudio/2011/storyboarding/control">
+  <Id Name="5e505f8e-b0aa-429a-bb4c-92ab0e8a8ee6" RevisionId="d2083f08-ba4f-4330-87aa-e4d23a4443d7" Stencil="172d6d98-e5c9-42e9-a209-79f7a94bbd38" StencilRevisionId="00000000-0000-0000-0000-000000000000" StencilVersion="0.0"/>
+</Control>
+</file>
+
+<file path=customXml/item7.xml><?xml version="1.0" encoding="utf-8"?>
 <p:properties xmlns:p="http://schemas.microsoft.com/office/2006/metadata/properties" xmlns:xsi="http://www.w3.org/2001/XMLSchema-instance" xmlns:pc="http://schemas.microsoft.com/office/infopath/2007/PartnerControls">
   <documentManagement>
     <_dlc_DocId xmlns="b4ebf394-daf6-497a-96c5-a2f8c10b38cf">TT6HZDVJM2HV-178-321</_dlc_DocId>
@@ -14998,36 +15028,6 @@
 </p:properties>
 </file>
 
-<file path=customXml/item3.xml><?xml version="1.0" encoding="utf-8"?>
-<Control xmlns="http://schemas.microsoft.com/VisualStudio/2011/storyboarding/control">
-  <Id Name="System.Storyboarding.Common.TextInput" Revision="1" Stencil="System.Storyboarding.Common" StencilVersion="0.1"/>
-</Control>
-</file>
-
-<file path=customXml/item4.xml><?xml version="1.0" encoding="utf-8"?>
-<Control xmlns="http://schemas.microsoft.com/VisualStudio/2011/storyboarding/control">
-  <Id Name="System.Storyboarding.WindowsApps.WindowsAppsListBox" Revision="1" Stencil="System.Storyboarding.WindowsApps" StencilVersion="0.1"/>
-</Control>
-</file>
-
-<file path=customXml/item5.xml><?xml version="1.0" encoding="utf-8"?>
-<Control xmlns="http://schemas.microsoft.com/VisualStudio/2011/storyboarding/control">
-  <Id Name="System.Storyboarding.WindowsApps.WindowsAppsProgressRing" Revision="1" Stencil="System.Storyboarding.WindowsApps" StencilVersion="0.1"/>
-</Control>
-</file>
-
-<file path=customXml/item6.xml><?xml version="1.0" encoding="utf-8"?>
-<Control xmlns="http://schemas.microsoft.com/VisualStudio/2011/storyboarding/control">
-  <Id Name="System.Storyboarding.Annotation.StickyNote" Revision="1" Stencil="System.Storyboarding.Annotation" StencilVersion="0.1"/>
-</Control>
-</file>
-
-<file path=customXml/item7.xml><?xml version="1.0" encoding="utf-8"?>
-<Control xmlns="http://schemas.microsoft.com/VisualStudio/2011/storyboarding/control">
-  <Id Name="5e505f8e-b0aa-429a-bb4c-92ab0e8a8ee6" RevisionId="d2083f08-ba4f-4330-87aa-e4d23a4443d7" Stencil="172d6d98-e5c9-42e9-a209-79f7a94bbd38" StencilRevisionId="00000000-0000-0000-0000-000000000000" StencilVersion="0.0"/>
-</Control>
-</file>
-
 <file path=customXml/itemProps1.xml><?xml version="1.0" encoding="utf-8"?>
 <ds:datastoreItem xmlns:ds="http://schemas.openxmlformats.org/officeDocument/2006/customXml" ds:itemID="{74F50758-6994-47AF-ADB4-84074E43B95D}">
   <ds:schemaRefs>
@@ -15037,17 +15037,15 @@
 </file>
 
 <file path=customXml/itemProps2.xml><?xml version="1.0" encoding="utf-8"?>
-<ds:datastoreItem xmlns:ds="http://schemas.openxmlformats.org/officeDocument/2006/customXml" ds:itemID="{1322E1B6-B69B-4B1E-9F64-FFB1E4A65691}">
+<ds:datastoreItem xmlns:ds="http://schemas.openxmlformats.org/officeDocument/2006/customXml" ds:itemID="{35CD12A2-2187-402A-B9D9-EF68624DB0B9}">
   <ds:schemaRefs>
-    <ds:schemaRef ds:uri="http://schemas.microsoft.com/office/2006/metadata/properties"/>
-    <ds:schemaRef ds:uri="http://schemas.microsoft.com/office/infopath/2007/PartnerControls"/>
-    <ds:schemaRef ds:uri="b4ebf394-daf6-497a-96c5-a2f8c10b38cf"/>
+    <ds:schemaRef ds:uri="http://schemas.microsoft.com/VisualStudio/2011/storyboarding/control"/>
   </ds:schemaRefs>
 </ds:datastoreItem>
 </file>
 
 <file path=customXml/itemProps3.xml><?xml version="1.0" encoding="utf-8"?>
-<ds:datastoreItem xmlns:ds="http://schemas.openxmlformats.org/officeDocument/2006/customXml" ds:itemID="{195C3A57-25C5-4CAC-A396-8711CE839175}">
+<ds:datastoreItem xmlns:ds="http://schemas.openxmlformats.org/officeDocument/2006/customXml" ds:itemID="{EE994FE8-9D1B-4C75-9803-F4D3D8088B5B}">
   <ds:schemaRefs>
     <ds:schemaRef ds:uri="http://schemas.microsoft.com/VisualStudio/2011/storyboarding/control"/>
   </ds:schemaRefs>
@@ -15063,7 +15061,7 @@
 </file>
 
 <file path=customXml/itemProps5.xml><?xml version="1.0" encoding="utf-8"?>
-<ds:datastoreItem xmlns:ds="http://schemas.openxmlformats.org/officeDocument/2006/customXml" ds:itemID="{EE994FE8-9D1B-4C75-9803-F4D3D8088B5B}">
+<ds:datastoreItem xmlns:ds="http://schemas.openxmlformats.org/officeDocument/2006/customXml" ds:itemID="{195C3A57-25C5-4CAC-A396-8711CE839175}">
   <ds:schemaRefs>
     <ds:schemaRef ds:uri="http://schemas.microsoft.com/VisualStudio/2011/storyboarding/control"/>
   </ds:schemaRefs>
@@ -15071,7 +15069,7 @@
 </file>
 
 <file path=customXml/itemProps6.xml><?xml version="1.0" encoding="utf-8"?>
-<ds:datastoreItem xmlns:ds="http://schemas.openxmlformats.org/officeDocument/2006/customXml" ds:itemID="{35CD12A2-2187-402A-B9D9-EF68624DB0B9}">
+<ds:datastoreItem xmlns:ds="http://schemas.openxmlformats.org/officeDocument/2006/customXml" ds:itemID="{22271091-DDCE-44B5-B608-BB96BCA0C299}">
   <ds:schemaRefs>
     <ds:schemaRef ds:uri="http://schemas.microsoft.com/VisualStudio/2011/storyboarding/control"/>
   </ds:schemaRefs>
@@ -15079,9 +15077,11 @@
 </file>
 
 <file path=customXml/itemProps7.xml><?xml version="1.0" encoding="utf-8"?>
-<ds:datastoreItem xmlns:ds="http://schemas.openxmlformats.org/officeDocument/2006/customXml" ds:itemID="{22271091-DDCE-44B5-B608-BB96BCA0C299}">
+<ds:datastoreItem xmlns:ds="http://schemas.openxmlformats.org/officeDocument/2006/customXml" ds:itemID="{1322E1B6-B69B-4B1E-9F64-FFB1E4A65691}">
   <ds:schemaRefs>
-    <ds:schemaRef ds:uri="http://schemas.microsoft.com/VisualStudio/2011/storyboarding/control"/>
+    <ds:schemaRef ds:uri="http://schemas.microsoft.com/office/2006/metadata/properties"/>
+    <ds:schemaRef ds:uri="http://schemas.microsoft.com/office/infopath/2007/PartnerControls"/>
+    <ds:schemaRef ds:uri="b4ebf394-daf6-497a-96c5-a2f8c10b38cf"/>
   </ds:schemaRefs>
 </ds:datastoreItem>
 </file>
--- a/2019系统仿真-8-一阶系统原理+.pptx
+++ b/2019系统仿真-8-一阶系统原理+.pptx
@@ -8796,7 +8796,15 @@
             <a:pPr algn="ctr"/>
             <a:r>
               <a:rPr lang="zh-CN" altLang="en-US" dirty="0"/>
-              <a:t>二、负反馈结构原理</a:t>
+              <a:t>三</a:t>
+            </a:r>
+            <a:r>
+              <a:rPr lang="zh-CN" altLang="en-US" dirty="0" smtClean="0"/>
+              <a:t>、</a:t>
+            </a:r>
+            <a:r>
+              <a:rPr lang="zh-CN" altLang="en-US" dirty="0"/>
+              <a:t>负反馈结构原理</a:t>
             </a:r>
           </a:p>
         </p:txBody>
@@ -8963,7 +8971,7 @@
         </p:blipFill>
         <p:spPr>
           <a:xfrm>
-            <a:off x="6357229" y="419365"/>
+            <a:off x="6166420" y="188031"/>
             <a:ext cx="5821056" cy="2361669"/>
           </a:xfrm>
           <a:prstGeom prst="rect">
@@ -8993,7 +9001,7 @@
           <a:graphicData uri="http://schemas.openxmlformats.org/presentationml/2006/ole">
             <mc:AlternateContent xmlns:mc="http://schemas.openxmlformats.org/markup-compatibility/2006">
               <mc:Choice xmlns:v="urn:schemas-microsoft-com:vml" Requires="v">
-                <p:oleObj spid="_x0000_s7215" name="Equation" r:id="rId4" imgW="2387520" imgH="393480" progId="Equation.DSMT4">
+                <p:oleObj spid="_x0000_s7218" name="Equation" r:id="rId4" imgW="2387520" imgH="393480" progId="Equation.DSMT4">
                   <p:embed/>
                 </p:oleObj>
               </mc:Choice>
@@ -9050,7 +9058,7 @@
           <a:graphicData uri="http://schemas.openxmlformats.org/presentationml/2006/ole">
             <mc:AlternateContent xmlns:mc="http://schemas.openxmlformats.org/markup-compatibility/2006">
               <mc:Choice xmlns:v="urn:schemas-microsoft-com:vml" Requires="v">
-                <p:oleObj spid="_x0000_s7216" name="Equation" r:id="rId6" imgW="1904760" imgH="419040" progId="Equation.DSMT4">
+                <p:oleObj spid="_x0000_s7219" name="Equation" r:id="rId6" imgW="1904760" imgH="419040" progId="Equation.DSMT4">
                   <p:embed/>
                 </p:oleObj>
               </mc:Choice>
@@ -9094,20 +9102,20 @@
           <p:nvPr>
             <p:extLst>
               <p:ext uri="{D42A27DB-BD31-4B8C-83A1-F6EECF244321}">
-                <p14:modId xmlns:p14="http://schemas.microsoft.com/office/powerpoint/2010/main" val="583076845"/>
+                <p14:modId xmlns:p14="http://schemas.microsoft.com/office/powerpoint/2010/main" val="2668888027"/>
               </p:ext>
             </p:extLst>
           </p:nvPr>
         </p:nvGraphicFramePr>
         <p:xfrm>
-          <a:off x="1683653" y="4221088"/>
+          <a:off x="1797531" y="5005986"/>
           <a:ext cx="5034092" cy="415659"/>
         </p:xfrm>
         <a:graphic>
           <a:graphicData uri="http://schemas.openxmlformats.org/presentationml/2006/ole">
             <mc:AlternateContent xmlns:mc="http://schemas.openxmlformats.org/markup-compatibility/2006">
               <mc:Choice xmlns:v="urn:schemas-microsoft-com:vml" Requires="v">
-                <p:oleObj spid="_x0000_s7217" name="Equation" r:id="rId8" imgW="2768400" imgH="228600" progId="Equation.DSMT4">
+                <p:oleObj spid="_x0000_s7220" name="Equation" r:id="rId8" imgW="2768400" imgH="228600" progId="Equation.DSMT4">
                   <p:embed/>
                 </p:oleObj>
               </mc:Choice>
@@ -9128,7 +9136,7 @@
                     </p:blipFill>
                     <p:spPr>
                       <a:xfrm>
-                        <a:off x="1683653" y="4221088"/>
+                        <a:off x="1797531" y="5005986"/>
                         <a:ext cx="5034092" cy="415659"/>
                       </a:xfrm>
                       <a:prstGeom prst="rect">
@@ -9168,6 +9176,97 @@
               <a:rPr lang="zh-CN" altLang="en-US" dirty="0"/>
               <a:t>两侧做积分运算，解得</a:t>
             </a:r>
+          </a:p>
+        </p:txBody>
+      </p:sp>
+      <p:graphicFrame>
+        <p:nvGraphicFramePr>
+          <p:cNvPr id="8" name="对象 7"/>
+          <p:cNvGraphicFramePr>
+            <a:graphicFrameLocks noChangeAspect="1"/>
+          </p:cNvGraphicFramePr>
+          <p:nvPr>
+            <p:extLst>
+              <p:ext uri="{D42A27DB-BD31-4B8C-83A1-F6EECF244321}">
+                <p14:modId xmlns:p14="http://schemas.microsoft.com/office/powerpoint/2010/main" val="1068151851"/>
+              </p:ext>
+            </p:extLst>
+          </p:nvPr>
+        </p:nvGraphicFramePr>
+        <p:xfrm>
+          <a:off x="1766975" y="4266488"/>
+          <a:ext cx="3208338" cy="415925"/>
+        </p:xfrm>
+        <a:graphic>
+          <a:graphicData uri="http://schemas.openxmlformats.org/presentationml/2006/ole">
+            <mc:AlternateContent xmlns:mc="http://schemas.openxmlformats.org/markup-compatibility/2006">
+              <mc:Choice xmlns:v="urn:schemas-microsoft-com:vml" Requires="v">
+                <p:oleObj spid="_x0000_s7221" name="Equation" r:id="rId10" imgW="1765080" imgH="228600" progId="Equation.DSMT4">
+                  <p:embed/>
+                </p:oleObj>
+              </mc:Choice>
+              <mc:Fallback>
+                <p:oleObj name="Equation" r:id="rId10" imgW="1765080" imgH="228600" progId="Equation.DSMT4">
+                  <p:embed/>
+                  <p:pic>
+                    <p:nvPicPr>
+                      <p:cNvPr id="7" name="对象 6"/>
+                      <p:cNvPicPr/>
+                      <p:nvPr/>
+                    </p:nvPicPr>
+                    <p:blipFill>
+                      <a:blip r:embed="rId11"/>
+                      <a:stretch>
+                        <a:fillRect/>
+                      </a:stretch>
+                    </p:blipFill>
+                    <p:spPr>
+                      <a:xfrm>
+                        <a:off x="1766975" y="4266488"/>
+                        <a:ext cx="3208338" cy="415925"/>
+                      </a:xfrm>
+                      <a:prstGeom prst="rect">
+                        <a:avLst/>
+                      </a:prstGeom>
+                    </p:spPr>
+                  </p:pic>
+                </p:oleObj>
+              </mc:Fallback>
+            </mc:AlternateContent>
+          </a:graphicData>
+        </a:graphic>
+      </p:graphicFrame>
+      <p:sp>
+        <p:nvSpPr>
+          <p:cNvPr id="3" name="文本框 2"/>
+          <p:cNvSpPr txBox="1"/>
+          <p:nvPr/>
+        </p:nvSpPr>
+        <p:spPr>
+          <a:xfrm>
+            <a:off x="5446340" y="4289784"/>
+            <a:ext cx="1260281" cy="369332"/>
+          </a:xfrm>
+          <a:prstGeom prst="rect">
+            <a:avLst/>
+          </a:prstGeom>
+          <a:noFill/>
+        </p:spPr>
+        <p:txBody>
+          <a:bodyPr wrap="none" rtlCol="0">
+            <a:spAutoFit/>
+          </a:bodyPr>
+          <a:lstStyle/>
+          <a:p>
+            <a:r>
+              <a:rPr lang="zh-CN" altLang="en-US" dirty="0" smtClean="0"/>
+              <a:t>待定常数</a:t>
+            </a:r>
+            <a:r>
+              <a:rPr lang="en-US" altLang="zh-CN" dirty="0"/>
+              <a:t>C</a:t>
+            </a:r>
+            <a:endParaRPr lang="zh-CN" altLang="en-US" dirty="0"/>
           </a:p>
         </p:txBody>
       </p:sp>
@@ -9378,7 +9477,7 @@
             <a:graphicData uri="http://schemas.openxmlformats.org/presentationml/2006/ole">
               <mc:AlternateContent xmlns:mc="http://schemas.openxmlformats.org/markup-compatibility/2006">
                 <mc:Choice xmlns:v="urn:schemas-microsoft-com:vml" Requires="v">
-                  <p:oleObj spid="_x0000_s8236" name="Equation" r:id="rId3" imgW="2603160" imgH="330120" progId="Equation.DSMT4">
+                  <p:oleObj spid="_x0000_s8239" name="Equation" r:id="rId3" imgW="2603160" imgH="330120" progId="Equation.DSMT4">
                     <p:embed/>
                   </p:oleObj>
                 </mc:Choice>
@@ -9435,7 +9534,7 @@
             <a:graphicData uri="http://schemas.openxmlformats.org/presentationml/2006/ole">
               <mc:AlternateContent xmlns:mc="http://schemas.openxmlformats.org/markup-compatibility/2006">
                 <mc:Choice xmlns:v="urn:schemas-microsoft-com:vml" Requires="v">
-                  <p:oleObj spid="_x0000_s8237" name="Equation" r:id="rId5" imgW="1955520" imgH="228600" progId="Equation.DSMT4">
+                  <p:oleObj spid="_x0000_s8240" name="Equation" r:id="rId5" imgW="1955520" imgH="228600" progId="Equation.DSMT4">
                     <p:embed/>
                   </p:oleObj>
                 </mc:Choice>
@@ -9492,7 +9591,7 @@
             <a:graphicData uri="http://schemas.openxmlformats.org/presentationml/2006/ole">
               <mc:AlternateContent xmlns:mc="http://schemas.openxmlformats.org/markup-compatibility/2006">
                 <mc:Choice xmlns:v="urn:schemas-microsoft-com:vml" Requires="v">
-                  <p:oleObj spid="_x0000_s8238" name="Equation" r:id="rId7" imgW="2298600" imgH="203040" progId="Equation.DSMT4">
+                  <p:oleObj spid="_x0000_s8241" name="Equation" r:id="rId7" imgW="2298600" imgH="203040" progId="Equation.DSMT4">
                     <p:embed/>
                   </p:oleObj>
                 </mc:Choice>
@@ -10178,7 +10277,7 @@
           <a:graphicData uri="http://schemas.openxmlformats.org/presentationml/2006/ole">
             <mc:AlternateContent xmlns:mc="http://schemas.openxmlformats.org/markup-compatibility/2006">
               <mc:Choice xmlns:v="urn:schemas-microsoft-com:vml" Requires="v">
-                <p:oleObj spid="_x0000_s9260" name="Equation" r:id="rId4" imgW="1587240" imgH="419040" progId="Equation.DSMT4">
+                <p:oleObj spid="_x0000_s9263" name="Equation" r:id="rId4" imgW="1587240" imgH="419040" progId="Equation.DSMT4">
                   <p:embed/>
                 </p:oleObj>
               </mc:Choice>
@@ -10235,7 +10334,7 @@
           <a:graphicData uri="http://schemas.openxmlformats.org/presentationml/2006/ole">
             <mc:AlternateContent xmlns:mc="http://schemas.openxmlformats.org/markup-compatibility/2006">
               <mc:Choice xmlns:v="urn:schemas-microsoft-com:vml" Requires="v">
-                <p:oleObj spid="_x0000_s9261" name="Equation" r:id="rId6" imgW="1600200" imgH="228600" progId="Equation.DSMT4">
+                <p:oleObj spid="_x0000_s9264" name="Equation" r:id="rId6" imgW="1600200" imgH="228600" progId="Equation.DSMT4">
                   <p:embed/>
                 </p:oleObj>
               </mc:Choice>
@@ -10292,7 +10391,7 @@
           <a:graphicData uri="http://schemas.openxmlformats.org/presentationml/2006/ole">
             <mc:AlternateContent xmlns:mc="http://schemas.openxmlformats.org/markup-compatibility/2006">
               <mc:Choice xmlns:v="urn:schemas-microsoft-com:vml" Requires="v">
-                <p:oleObj spid="_x0000_s9262" name="Equation" r:id="rId8" imgW="1231560" imgH="228600" progId="Equation.DSMT4">
+                <p:oleObj spid="_x0000_s9265" name="Equation" r:id="rId8" imgW="1231560" imgH="228600" progId="Equation.DSMT4">
                   <p:embed/>
                 </p:oleObj>
               </mc:Choice>
@@ -10995,7 +11094,7 @@
           <a:graphicData uri="http://schemas.openxmlformats.org/presentationml/2006/ole">
             <mc:AlternateContent xmlns:mc="http://schemas.openxmlformats.org/markup-compatibility/2006">
               <mc:Choice xmlns:v="urn:schemas-microsoft-com:vml" Requires="v">
-                <p:oleObj spid="_x0000_s3126" name="Equation" r:id="rId3" imgW="812520" imgH="203040" progId="Equation.DSMT4">
+                <p:oleObj spid="_x0000_s3128" name="Equation" r:id="rId3" imgW="812520" imgH="203040" progId="Equation.DSMT4">
                   <p:embed/>
                 </p:oleObj>
               </mc:Choice>
@@ -11052,7 +11151,7 @@
           <a:graphicData uri="http://schemas.openxmlformats.org/presentationml/2006/ole">
             <mc:AlternateContent xmlns:mc="http://schemas.openxmlformats.org/markup-compatibility/2006">
               <mc:Choice xmlns:v="urn:schemas-microsoft-com:vml" Requires="v">
-                <p:oleObj spid="_x0000_s3127" name="Equation" r:id="rId5" imgW="2552400" imgH="672840" progId="Equation.DSMT4">
+                <p:oleObj spid="_x0000_s3129" name="Equation" r:id="rId5" imgW="2552400" imgH="672840" progId="Equation.DSMT4">
                   <p:embed/>
                 </p:oleObj>
               </mc:Choice>
@@ -11259,7 +11358,7 @@
           <a:graphicData uri="http://schemas.openxmlformats.org/presentationml/2006/ole">
             <mc:AlternateContent xmlns:mc="http://schemas.openxmlformats.org/markup-compatibility/2006">
               <mc:Choice xmlns:v="urn:schemas-microsoft-com:vml" Requires="v">
-                <p:oleObj spid="_x0000_s4175" name="Equation" r:id="rId3" imgW="2095200" imgH="241200" progId="Equation.DSMT4">
+                <p:oleObj spid="_x0000_s4178" name="Equation" r:id="rId3" imgW="2095200" imgH="241200" progId="Equation.DSMT4">
                   <p:embed/>
                 </p:oleObj>
               </mc:Choice>
@@ -11316,7 +11415,7 @@
           <a:graphicData uri="http://schemas.openxmlformats.org/presentationml/2006/ole">
             <mc:AlternateContent xmlns:mc="http://schemas.openxmlformats.org/markup-compatibility/2006">
               <mc:Choice xmlns:v="urn:schemas-microsoft-com:vml" Requires="v">
-                <p:oleObj spid="_x0000_s4176" name="Equation" r:id="rId5" imgW="1815840" imgH="241200" progId="Equation.DSMT4">
+                <p:oleObj spid="_x0000_s4179" name="Equation" r:id="rId5" imgW="1815840" imgH="241200" progId="Equation.DSMT4">
                   <p:embed/>
                 </p:oleObj>
               </mc:Choice>
@@ -11373,7 +11472,7 @@
           <a:graphicData uri="http://schemas.openxmlformats.org/presentationml/2006/ole">
             <mc:AlternateContent xmlns:mc="http://schemas.openxmlformats.org/markup-compatibility/2006">
               <mc:Choice xmlns:v="urn:schemas-microsoft-com:vml" Requires="v">
-                <p:oleObj spid="_x0000_s4177" name="Equation" r:id="rId7" imgW="469800" imgH="228600" progId="Equation.DSMT4">
+                <p:oleObj spid="_x0000_s4180" name="Equation" r:id="rId7" imgW="469800" imgH="228600" progId="Equation.DSMT4">
                   <p:embed/>
                 </p:oleObj>
               </mc:Choice>
@@ -11974,7 +12073,7 @@
           <a:graphicData uri="http://schemas.openxmlformats.org/presentationml/2006/ole">
             <mc:AlternateContent xmlns:mc="http://schemas.openxmlformats.org/markup-compatibility/2006">
               <mc:Choice xmlns:v="urn:schemas-microsoft-com:vml" Requires="v">
-                <p:oleObj spid="_x0000_s1119" name="Equation" r:id="rId4" imgW="444240" imgH="393480" progId="Equation.DSMT4">
+                <p:oleObj spid="_x0000_s1122" name="Equation" r:id="rId4" imgW="444240" imgH="393480" progId="Equation.DSMT4">
                   <p:embed/>
                 </p:oleObj>
               </mc:Choice>
@@ -12031,7 +12130,7 @@
           <a:graphicData uri="http://schemas.openxmlformats.org/presentationml/2006/ole">
             <mc:AlternateContent xmlns:mc="http://schemas.openxmlformats.org/markup-compatibility/2006">
               <mc:Choice xmlns:v="urn:schemas-microsoft-com:vml" Requires="v">
-                <p:oleObj spid="_x0000_s1120" name="Equation" r:id="rId6" imgW="774360" imgH="393480" progId="Equation.DSMT4">
+                <p:oleObj spid="_x0000_s1123" name="Equation" r:id="rId6" imgW="774360" imgH="393480" progId="Equation.DSMT4">
                   <p:embed/>
                 </p:oleObj>
               </mc:Choice>
@@ -12088,7 +12187,7 @@
           <a:graphicData uri="http://schemas.openxmlformats.org/presentationml/2006/ole">
             <mc:AlternateContent xmlns:mc="http://schemas.openxmlformats.org/markup-compatibility/2006">
               <mc:Choice xmlns:v="urn:schemas-microsoft-com:vml" Requires="v">
-                <p:oleObj spid="_x0000_s1121" name="Equation" r:id="rId8" imgW="457200" imgH="203040" progId="Equation.DSMT4">
+                <p:oleObj spid="_x0000_s1124" name="Equation" r:id="rId8" imgW="457200" imgH="203040" progId="Equation.DSMT4">
                   <p:embed/>
                 </p:oleObj>
               </mc:Choice>
@@ -12401,7 +12500,7 @@
           <a:graphicData uri="http://schemas.openxmlformats.org/presentationml/2006/ole">
             <mc:AlternateContent xmlns:mc="http://schemas.openxmlformats.org/markup-compatibility/2006">
               <mc:Choice xmlns:v="urn:schemas-microsoft-com:vml" Requires="v">
-                <p:oleObj spid="_x0000_s2162" name="Equation" r:id="rId3" imgW="774360" imgH="393480" progId="Equation.DSMT4">
+                <p:oleObj spid="_x0000_s2166" name="Equation" r:id="rId3" imgW="774360" imgH="393480" progId="Equation.DSMT4">
                   <p:embed/>
                 </p:oleObj>
               </mc:Choice>
@@ -12458,7 +12557,7 @@
           <a:graphicData uri="http://schemas.openxmlformats.org/presentationml/2006/ole">
             <mc:AlternateContent xmlns:mc="http://schemas.openxmlformats.org/markup-compatibility/2006">
               <mc:Choice xmlns:v="urn:schemas-microsoft-com:vml" Requires="v">
-                <p:oleObj spid="_x0000_s2163" name="Equation" r:id="rId5" imgW="723600" imgH="203040" progId="Equation.DSMT4">
+                <p:oleObj spid="_x0000_s2167" name="Equation" r:id="rId5" imgW="723600" imgH="203040" progId="Equation.DSMT4">
                   <p:embed/>
                 </p:oleObj>
               </mc:Choice>
@@ -12574,7 +12673,7 @@
           <a:graphicData uri="http://schemas.openxmlformats.org/presentationml/2006/ole">
             <mc:AlternateContent xmlns:mc="http://schemas.openxmlformats.org/markup-compatibility/2006">
               <mc:Choice xmlns:v="urn:schemas-microsoft-com:vml" Requires="v">
-                <p:oleObj spid="_x0000_s2164" name="Equation" r:id="rId8" imgW="685800" imgH="203040" progId="Equation.DSMT4">
+                <p:oleObj spid="_x0000_s2168" name="Equation" r:id="rId8" imgW="685800" imgH="203040" progId="Equation.DSMT4">
                   <p:embed/>
                 </p:oleObj>
               </mc:Choice>
@@ -12631,7 +12730,7 @@
           <a:graphicData uri="http://schemas.openxmlformats.org/presentationml/2006/ole">
             <mc:AlternateContent xmlns:mc="http://schemas.openxmlformats.org/markup-compatibility/2006">
               <mc:Choice xmlns:v="urn:schemas-microsoft-com:vml" Requires="v">
-                <p:oleObj spid="_x0000_s2165" name="Equation" r:id="rId10" imgW="876240" imgH="228600" progId="Equation.DSMT4">
+                <p:oleObj spid="_x0000_s2169" name="Equation" r:id="rId10" imgW="876240" imgH="228600" progId="Equation.DSMT4">
                   <p:embed/>
                 </p:oleObj>
               </mc:Choice>
@@ -12839,7 +12938,7 @@
           <a:graphicData uri="http://schemas.openxmlformats.org/presentationml/2006/ole">
             <mc:AlternateContent xmlns:mc="http://schemas.openxmlformats.org/markup-compatibility/2006">
               <mc:Choice xmlns:v="urn:schemas-microsoft-com:vml" Requires="v">
-                <p:oleObj spid="_x0000_s5270" name="Equation" r:id="rId4" imgW="876240" imgH="228600" progId="Equation.DSMT4">
+                <p:oleObj spid="_x0000_s5277" name="Equation" r:id="rId4" imgW="876240" imgH="228600" progId="Equation.DSMT4">
                   <p:embed/>
                 </p:oleObj>
               </mc:Choice>
@@ -12896,7 +12995,7 @@
           <a:graphicData uri="http://schemas.openxmlformats.org/presentationml/2006/ole">
             <mc:AlternateContent xmlns:mc="http://schemas.openxmlformats.org/markup-compatibility/2006">
               <mc:Choice xmlns:v="urn:schemas-microsoft-com:vml" Requires="v">
-                <p:oleObj spid="_x0000_s5271" name="Equation" r:id="rId6" imgW="393480" imgH="393480" progId="Equation.DSMT4">
+                <p:oleObj spid="_x0000_s5278" name="Equation" r:id="rId6" imgW="393480" imgH="393480" progId="Equation.DSMT4">
                   <p:embed/>
                 </p:oleObj>
               </mc:Choice>
@@ -13066,7 +13165,7 @@
             <a:graphicData uri="http://schemas.openxmlformats.org/presentationml/2006/ole">
               <mc:AlternateContent xmlns:mc="http://schemas.openxmlformats.org/markup-compatibility/2006">
                 <mc:Choice xmlns:v="urn:schemas-microsoft-com:vml" Requires="v">
-                  <p:oleObj spid="_x0000_s5272" name="Equation" r:id="rId8" imgW="2336760" imgH="228600" progId="Equation.DSMT4">
+                  <p:oleObj spid="_x0000_s5279" name="Equation" r:id="rId8" imgW="2336760" imgH="228600" progId="Equation.DSMT4">
                     <p:embed/>
                   </p:oleObj>
                 </mc:Choice>
@@ -13404,7 +13503,7 @@
           <a:graphicData uri="http://schemas.openxmlformats.org/presentationml/2006/ole">
             <mc:AlternateContent xmlns:mc="http://schemas.openxmlformats.org/markup-compatibility/2006">
               <mc:Choice xmlns:v="urn:schemas-microsoft-com:vml" Requires="v">
-                <p:oleObj spid="_x0000_s5273" name="Equation" r:id="rId10" imgW="457200" imgH="203040" progId="Equation.DSMT4">
+                <p:oleObj spid="_x0000_s5280" name="Equation" r:id="rId10" imgW="457200" imgH="203040" progId="Equation.DSMT4">
                   <p:embed/>
                 </p:oleObj>
               </mc:Choice>
@@ -13461,7 +13560,7 @@
           <a:graphicData uri="http://schemas.openxmlformats.org/presentationml/2006/ole">
             <mc:AlternateContent xmlns:mc="http://schemas.openxmlformats.org/markup-compatibility/2006">
               <mc:Choice xmlns:v="urn:schemas-microsoft-com:vml" Requires="v">
-                <p:oleObj spid="_x0000_s5274" name="Equation" r:id="rId12" imgW="520560" imgH="228600" progId="Equation.DSMT4">
+                <p:oleObj spid="_x0000_s5281" name="Equation" r:id="rId12" imgW="520560" imgH="228600" progId="Equation.DSMT4">
                   <p:embed/>
                 </p:oleObj>
               </mc:Choice>
@@ -13518,7 +13617,7 @@
           <a:graphicData uri="http://schemas.openxmlformats.org/presentationml/2006/ole">
             <mc:AlternateContent xmlns:mc="http://schemas.openxmlformats.org/markup-compatibility/2006">
               <mc:Choice xmlns:v="urn:schemas-microsoft-com:vml" Requires="v">
-                <p:oleObj spid="_x0000_s5275" name="Equation" r:id="rId14" imgW="520560" imgH="228600" progId="Equation.DSMT4">
+                <p:oleObj spid="_x0000_s5282" name="Equation" r:id="rId14" imgW="520560" imgH="228600" progId="Equation.DSMT4">
                   <p:embed/>
                 </p:oleObj>
               </mc:Choice>
@@ -13575,7 +13674,7 @@
           <a:graphicData uri="http://schemas.openxmlformats.org/presentationml/2006/ole">
             <mc:AlternateContent xmlns:mc="http://schemas.openxmlformats.org/markup-compatibility/2006">
               <mc:Choice xmlns:v="urn:schemas-microsoft-com:vml" Requires="v">
-                <p:oleObj spid="_x0000_s5276" name="Equation" r:id="rId16" imgW="520560" imgH="228600" progId="Equation.DSMT4">
+                <p:oleObj spid="_x0000_s5283" name="Equation" r:id="rId16" imgW="520560" imgH="228600" progId="Equation.DSMT4">
                   <p:embed/>
                 </p:oleObj>
               </mc:Choice>
@@ -13825,7 +13924,7 @@
           <a:graphicData uri="http://schemas.openxmlformats.org/presentationml/2006/ole">
             <mc:AlternateContent xmlns:mc="http://schemas.openxmlformats.org/markup-compatibility/2006">
               <mc:Choice xmlns:v="urn:schemas-microsoft-com:vml" Requires="v">
-                <p:oleObj spid="_x0000_s6191" name="Equation" r:id="rId3" imgW="1091880" imgH="634680" progId="Equation.DSMT4">
+                <p:oleObj spid="_x0000_s6192" name="Equation" r:id="rId3" imgW="1091880" imgH="634680" progId="Equation.DSMT4">
                   <p:embed/>
                 </p:oleObj>
               </mc:Choice>
@@ -14988,13 +15087,13 @@
 
 <file path=customXml/item2.xml><?xml version="1.0" encoding="utf-8"?>
 <Control xmlns="http://schemas.microsoft.com/VisualStudio/2011/storyboarding/control">
-  <Id Name="System.Storyboarding.Annotation.StickyNote" Revision="1" Stencil="System.Storyboarding.Annotation" StencilVersion="0.1"/>
+  <Id Name="5e505f8e-b0aa-429a-bb4c-92ab0e8a8ee6" RevisionId="d2083f08-ba4f-4330-87aa-e4d23a4443d7" Stencil="172d6d98-e5c9-42e9-a209-79f7a94bbd38" StencilRevisionId="00000000-0000-0000-0000-000000000000" StencilVersion="0.0"/>
 </Control>
 </file>
 
 <file path=customXml/item3.xml><?xml version="1.0" encoding="utf-8"?>
 <Control xmlns="http://schemas.microsoft.com/VisualStudio/2011/storyboarding/control">
-  <Id Name="System.Storyboarding.WindowsApps.WindowsAppsProgressRing" Revision="1" Stencil="System.Storyboarding.WindowsApps" StencilVersion="0.1"/>
+  <Id Name="System.Storyboarding.Common.TextInput" Revision="1" Stencil="System.Storyboarding.Common" StencilVersion="0.1"/>
 </Control>
 </file>
 
@@ -15006,17 +15105,11 @@
 
 <file path=customXml/item5.xml><?xml version="1.0" encoding="utf-8"?>
 <Control xmlns="http://schemas.microsoft.com/VisualStudio/2011/storyboarding/control">
-  <Id Name="System.Storyboarding.Common.TextInput" Revision="1" Stencil="System.Storyboarding.Common" StencilVersion="0.1"/>
+  <Id Name="System.Storyboarding.WindowsApps.WindowsAppsProgressRing" Revision="1" Stencil="System.Storyboarding.WindowsApps" StencilVersion="0.1"/>
 </Control>
 </file>
 
 <file path=customXml/item6.xml><?xml version="1.0" encoding="utf-8"?>
-<Control xmlns="http://schemas.microsoft.com/VisualStudio/2011/storyboarding/control">
-  <Id Name="5e505f8e-b0aa-429a-bb4c-92ab0e8a8ee6" RevisionId="d2083f08-ba4f-4330-87aa-e4d23a4443d7" Stencil="172d6d98-e5c9-42e9-a209-79f7a94bbd38" StencilRevisionId="00000000-0000-0000-0000-000000000000" StencilVersion="0.0"/>
-</Control>
-</file>
-
-<file path=customXml/item7.xml><?xml version="1.0" encoding="utf-8"?>
 <p:properties xmlns:p="http://schemas.microsoft.com/office/2006/metadata/properties" xmlns:xsi="http://www.w3.org/2001/XMLSchema-instance" xmlns:pc="http://schemas.microsoft.com/office/infopath/2007/PartnerControls">
   <documentManagement>
     <_dlc_DocId xmlns="b4ebf394-daf6-497a-96c5-a2f8c10b38cf">TT6HZDVJM2HV-178-321</_dlc_DocId>
@@ -15028,6 +15121,12 @@
 </p:properties>
 </file>
 
+<file path=customXml/item7.xml><?xml version="1.0" encoding="utf-8"?>
+<Control xmlns="http://schemas.microsoft.com/VisualStudio/2011/storyboarding/control">
+  <Id Name="System.Storyboarding.Annotation.StickyNote" Revision="1" Stencil="System.Storyboarding.Annotation" StencilVersion="0.1"/>
+</Control>
+</file>
+
 <file path=customXml/itemProps1.xml><?xml version="1.0" encoding="utf-8"?>
 <ds:datastoreItem xmlns:ds="http://schemas.openxmlformats.org/officeDocument/2006/customXml" ds:itemID="{74F50758-6994-47AF-ADB4-84074E43B95D}">
   <ds:schemaRefs>
@@ -15037,7 +15136,7 @@
 </file>
 
 <file path=customXml/itemProps2.xml><?xml version="1.0" encoding="utf-8"?>
-<ds:datastoreItem xmlns:ds="http://schemas.openxmlformats.org/officeDocument/2006/customXml" ds:itemID="{35CD12A2-2187-402A-B9D9-EF68624DB0B9}">
+<ds:datastoreItem xmlns:ds="http://schemas.openxmlformats.org/officeDocument/2006/customXml" ds:itemID="{22271091-DDCE-44B5-B608-BB96BCA0C299}">
   <ds:schemaRefs>
     <ds:schemaRef ds:uri="http://schemas.microsoft.com/VisualStudio/2011/storyboarding/control"/>
   </ds:schemaRefs>
@@ -15045,7 +15144,7 @@
 </file>
 
 <file path=customXml/itemProps3.xml><?xml version="1.0" encoding="utf-8"?>
-<ds:datastoreItem xmlns:ds="http://schemas.openxmlformats.org/officeDocument/2006/customXml" ds:itemID="{EE994FE8-9D1B-4C75-9803-F4D3D8088B5B}">
+<ds:datastoreItem xmlns:ds="http://schemas.openxmlformats.org/officeDocument/2006/customXml" ds:itemID="{195C3A57-25C5-4CAC-A396-8711CE839175}">
   <ds:schemaRefs>
     <ds:schemaRef ds:uri="http://schemas.microsoft.com/VisualStudio/2011/storyboarding/control"/>
   </ds:schemaRefs>
@@ -15061,7 +15160,7 @@
 </file>
 
 <file path=customXml/itemProps5.xml><?xml version="1.0" encoding="utf-8"?>
-<ds:datastoreItem xmlns:ds="http://schemas.openxmlformats.org/officeDocument/2006/customXml" ds:itemID="{195C3A57-25C5-4CAC-A396-8711CE839175}">
+<ds:datastoreItem xmlns:ds="http://schemas.openxmlformats.org/officeDocument/2006/customXml" ds:itemID="{EE994FE8-9D1B-4C75-9803-F4D3D8088B5B}">
   <ds:schemaRefs>
     <ds:schemaRef ds:uri="http://schemas.microsoft.com/VisualStudio/2011/storyboarding/control"/>
   </ds:schemaRefs>
@@ -15069,14 +15168,6 @@
 </file>
 
 <file path=customXml/itemProps6.xml><?xml version="1.0" encoding="utf-8"?>
-<ds:datastoreItem xmlns:ds="http://schemas.openxmlformats.org/officeDocument/2006/customXml" ds:itemID="{22271091-DDCE-44B5-B608-BB96BCA0C299}">
-  <ds:schemaRefs>
-    <ds:schemaRef ds:uri="http://schemas.microsoft.com/VisualStudio/2011/storyboarding/control"/>
-  </ds:schemaRefs>
-</ds:datastoreItem>
-</file>
-
-<file path=customXml/itemProps7.xml><?xml version="1.0" encoding="utf-8"?>
 <ds:datastoreItem xmlns:ds="http://schemas.openxmlformats.org/officeDocument/2006/customXml" ds:itemID="{1322E1B6-B69B-4B1E-9F64-FFB1E4A65691}">
   <ds:schemaRefs>
     <ds:schemaRef ds:uri="http://schemas.microsoft.com/office/2006/metadata/properties"/>
@@ -15084,4 +15175,12 @@
     <ds:schemaRef ds:uri="b4ebf394-daf6-497a-96c5-a2f8c10b38cf"/>
   </ds:schemaRefs>
 </ds:datastoreItem>
+</file>
+
+<file path=customXml/itemProps7.xml><?xml version="1.0" encoding="utf-8"?>
+<ds:datastoreItem xmlns:ds="http://schemas.openxmlformats.org/officeDocument/2006/customXml" ds:itemID="{35CD12A2-2187-402A-B9D9-EF68624DB0B9}">
+  <ds:schemaRefs>
+    <ds:schemaRef ds:uri="http://schemas.microsoft.com/VisualStudio/2011/storyboarding/control"/>
+  </ds:schemaRefs>
+</ds:datastoreItem>
 </file>